--- a/reduce/plots/Plots.pptx
+++ b/reduce/plots/Plots.pptx
@@ -4,6 +4,9 @@
   <p:sldMasterIdLst>
     <p:sldMasterId id="2147483648" r:id="rId1"/>
   </p:sldMasterIdLst>
+  <p:notesMasterIdLst>
+    <p:notesMasterId r:id="rId18"/>
+  </p:notesMasterIdLst>
   <p:sldIdLst>
     <p:sldId id="256" r:id="rId2"/>
     <p:sldId id="257" r:id="rId3"/>
@@ -14,6 +17,13 @@
     <p:sldId id="262" r:id="rId8"/>
     <p:sldId id="263" r:id="rId9"/>
     <p:sldId id="264" r:id="rId10"/>
+    <p:sldId id="266" r:id="rId11"/>
+    <p:sldId id="267" r:id="rId12"/>
+    <p:sldId id="268" r:id="rId13"/>
+    <p:sldId id="269" r:id="rId14"/>
+    <p:sldId id="270" r:id="rId15"/>
+    <p:sldId id="271" r:id="rId16"/>
+    <p:sldId id="272" r:id="rId17"/>
   </p:sldIdLst>
   <p:sldSz cx="9144000" cy="6858000" type="screen4x3"/>
   <p:notesSz cx="6858000" cy="9144000"/>
@@ -663,11 +673,11 @@
           <c:showPercent val="0"/>
           <c:showBubbleSize val="0"/>
         </c:dLbls>
-        <c:axId val="6090112"/>
-        <c:axId val="59662336"/>
+        <c:axId val="75123712"/>
+        <c:axId val="75125888"/>
       </c:scatterChart>
       <c:valAx>
-        <c:axId val="6090112"/>
+        <c:axId val="75123712"/>
         <c:scaling>
           <c:orientation val="minMax"/>
           <c:max val="25"/>
@@ -703,13 +713,13 @@
         <c:majorTickMark val="out"/>
         <c:minorTickMark val="none"/>
         <c:tickLblPos val="nextTo"/>
-        <c:crossAx val="59662336"/>
+        <c:crossAx val="75125888"/>
         <c:crosses val="autoZero"/>
         <c:crossBetween val="midCat"/>
         <c:majorUnit val="1"/>
       </c:valAx>
       <c:valAx>
-        <c:axId val="59662336"/>
+        <c:axId val="75125888"/>
         <c:scaling>
           <c:orientation val="minMax"/>
         </c:scaling>
@@ -739,7 +749,7 @@
         <c:majorTickMark val="out"/>
         <c:minorTickMark val="none"/>
         <c:tickLblPos val="nextTo"/>
-        <c:crossAx val="6090112"/>
+        <c:crossAx val="75123712"/>
         <c:crosses val="autoZero"/>
         <c:crossBetween val="midCat"/>
         <c:majorUnit val="5"/>
@@ -759,6 +769,2721 @@
           <a:endParaRPr lang="en-US"/>
         </a:p>
       </c:txPr>
+    </c:legend>
+    <c:plotVisOnly val="1"/>
+    <c:dispBlanksAs val="gap"/>
+    <c:showDLblsOverMax val="0"/>
+  </c:chart>
+  <c:externalData r:id="rId1">
+    <c:autoUpdate val="0"/>
+  </c:externalData>
+</c:chartSpace>
+</file>
+
+<file path=ppt/charts/chart10.xml><?xml version="1.0" encoding="utf-8"?>
+<c:chartSpace xmlns:c="http://schemas.openxmlformats.org/drawingml/2006/chart" xmlns:a="http://schemas.openxmlformats.org/drawingml/2006/main" xmlns:r="http://schemas.openxmlformats.org/officeDocument/2006/relationships">
+  <c:date1904 val="0"/>
+  <c:lang val="en-US"/>
+  <c:roundedCorners val="0"/>
+  <mc:AlternateContent xmlns:mc="http://schemas.openxmlformats.org/markup-compatibility/2006">
+    <mc:Choice xmlns:c14="http://schemas.microsoft.com/office/drawing/2007/8/2/chart" Requires="c14">
+      <c14:style val="102"/>
+    </mc:Choice>
+    <mc:Fallback>
+      <c:style val="2"/>
+    </mc:Fallback>
+  </mc:AlternateContent>
+  <c:chart>
+    <c:autoTitleDeleted val="0"/>
+    <c:plotArea>
+      <c:layout/>
+      <c:scatterChart>
+        <c:scatterStyle val="smoothMarker"/>
+        <c:varyColors val="0"/>
+        <c:ser>
+          <c:idx val="0"/>
+          <c:order val="0"/>
+          <c:tx>
+            <c:strRef>
+              <c:f>'VexCL CPU'!$B$1</c:f>
+              <c:strCache>
+                <c:ptCount val="1"/>
+                <c:pt idx="0">
+                  <c:v>Xeon Phi</c:v>
+                </c:pt>
+              </c:strCache>
+            </c:strRef>
+          </c:tx>
+          <c:xVal>
+            <c:numRef>
+              <c:f>'VexCL CPU'!$A$2:$A$17</c:f>
+              <c:numCache>
+                <c:formatCode>General</c:formatCode>
+                <c:ptCount val="16"/>
+                <c:pt idx="0">
+                  <c:v>10</c:v>
+                </c:pt>
+                <c:pt idx="1">
+                  <c:v>11</c:v>
+                </c:pt>
+                <c:pt idx="2">
+                  <c:v>12</c:v>
+                </c:pt>
+                <c:pt idx="3">
+                  <c:v>13</c:v>
+                </c:pt>
+                <c:pt idx="4">
+                  <c:v>14</c:v>
+                </c:pt>
+                <c:pt idx="5">
+                  <c:v>15</c:v>
+                </c:pt>
+                <c:pt idx="6">
+                  <c:v>16</c:v>
+                </c:pt>
+                <c:pt idx="7">
+                  <c:v>17</c:v>
+                </c:pt>
+                <c:pt idx="8">
+                  <c:v>18</c:v>
+                </c:pt>
+                <c:pt idx="9">
+                  <c:v>19</c:v>
+                </c:pt>
+                <c:pt idx="10">
+                  <c:v>20</c:v>
+                </c:pt>
+                <c:pt idx="11">
+                  <c:v>21</c:v>
+                </c:pt>
+                <c:pt idx="12">
+                  <c:v>22</c:v>
+                </c:pt>
+                <c:pt idx="13">
+                  <c:v>23</c:v>
+                </c:pt>
+                <c:pt idx="14">
+                  <c:v>24</c:v>
+                </c:pt>
+                <c:pt idx="15">
+                  <c:v>25</c:v>
+                </c:pt>
+              </c:numCache>
+            </c:numRef>
+          </c:xVal>
+          <c:yVal>
+            <c:numRef>
+              <c:f>'VexCL CPU'!$B$2:$B$17</c:f>
+              <c:numCache>
+                <c:formatCode>General</c:formatCode>
+                <c:ptCount val="16"/>
+                <c:pt idx="0">
+                  <c:v>0.68863300000000005</c:v>
+                </c:pt>
+                <c:pt idx="1">
+                  <c:v>0.75485800000000003</c:v>
+                </c:pt>
+                <c:pt idx="2">
+                  <c:v>0.81905799999999995</c:v>
+                </c:pt>
+                <c:pt idx="3">
+                  <c:v>0.88308500000000001</c:v>
+                </c:pt>
+                <c:pt idx="4">
+                  <c:v>0.94782999999999995</c:v>
+                </c:pt>
+                <c:pt idx="5">
+                  <c:v>1.00261</c:v>
+                </c:pt>
+                <c:pt idx="6">
+                  <c:v>1.0106900000000001</c:v>
+                </c:pt>
+                <c:pt idx="7">
+                  <c:v>1.0569900000000001</c:v>
+                </c:pt>
+                <c:pt idx="8">
+                  <c:v>1.1078300000000001</c:v>
+                </c:pt>
+                <c:pt idx="9">
+                  <c:v>1.15517</c:v>
+                </c:pt>
+                <c:pt idx="10">
+                  <c:v>1.20404</c:v>
+                </c:pt>
+                <c:pt idx="11">
+                  <c:v>1.24899</c:v>
+                </c:pt>
+                <c:pt idx="12">
+                  <c:v>1.28302</c:v>
+                </c:pt>
+                <c:pt idx="13">
+                  <c:v>1.3134699999999999</c:v>
+                </c:pt>
+                <c:pt idx="14">
+                  <c:v>1.3524</c:v>
+                </c:pt>
+                <c:pt idx="15">
+                  <c:v>1.3754200000000001</c:v>
+                </c:pt>
+              </c:numCache>
+            </c:numRef>
+          </c:yVal>
+          <c:smooth val="1"/>
+        </c:ser>
+        <c:ser>
+          <c:idx val="1"/>
+          <c:order val="1"/>
+          <c:tx>
+            <c:strRef>
+              <c:f>'VexCL CPU'!$C$1</c:f>
+              <c:strCache>
+                <c:ptCount val="1"/>
+                <c:pt idx="0">
+                  <c:v>Xeon E5-2690v2</c:v>
+                </c:pt>
+              </c:strCache>
+            </c:strRef>
+          </c:tx>
+          <c:xVal>
+            <c:numRef>
+              <c:f>'VexCL CPU'!$A$2:$A$17</c:f>
+              <c:numCache>
+                <c:formatCode>General</c:formatCode>
+                <c:ptCount val="16"/>
+                <c:pt idx="0">
+                  <c:v>10</c:v>
+                </c:pt>
+                <c:pt idx="1">
+                  <c:v>11</c:v>
+                </c:pt>
+                <c:pt idx="2">
+                  <c:v>12</c:v>
+                </c:pt>
+                <c:pt idx="3">
+                  <c:v>13</c:v>
+                </c:pt>
+                <c:pt idx="4">
+                  <c:v>14</c:v>
+                </c:pt>
+                <c:pt idx="5">
+                  <c:v>15</c:v>
+                </c:pt>
+                <c:pt idx="6">
+                  <c:v>16</c:v>
+                </c:pt>
+                <c:pt idx="7">
+                  <c:v>17</c:v>
+                </c:pt>
+                <c:pt idx="8">
+                  <c:v>18</c:v>
+                </c:pt>
+                <c:pt idx="9">
+                  <c:v>19</c:v>
+                </c:pt>
+                <c:pt idx="10">
+                  <c:v>20</c:v>
+                </c:pt>
+                <c:pt idx="11">
+                  <c:v>21</c:v>
+                </c:pt>
+                <c:pt idx="12">
+                  <c:v>22</c:v>
+                </c:pt>
+                <c:pt idx="13">
+                  <c:v>23</c:v>
+                </c:pt>
+                <c:pt idx="14">
+                  <c:v>24</c:v>
+                </c:pt>
+                <c:pt idx="15">
+                  <c:v>25</c:v>
+                </c:pt>
+              </c:numCache>
+            </c:numRef>
+          </c:xVal>
+          <c:yVal>
+            <c:numRef>
+              <c:f>'VexCL CPU'!$C$2:$C$17</c:f>
+              <c:numCache>
+                <c:formatCode>General</c:formatCode>
+                <c:ptCount val="16"/>
+                <c:pt idx="0">
+                  <c:v>2.79908</c:v>
+                </c:pt>
+                <c:pt idx="1">
+                  <c:v>2.8277000000000001</c:v>
+                </c:pt>
+                <c:pt idx="2">
+                  <c:v>2.8148300000000002</c:v>
+                </c:pt>
+                <c:pt idx="3">
+                  <c:v>2.8275399999999999</c:v>
+                </c:pt>
+                <c:pt idx="4">
+                  <c:v>2.8275899999999998</c:v>
+                </c:pt>
+                <c:pt idx="5">
+                  <c:v>2.8383799999999999</c:v>
+                </c:pt>
+                <c:pt idx="6">
+                  <c:v>2.5919599999999998</c:v>
+                </c:pt>
+                <c:pt idx="7">
+                  <c:v>2.8330199999999999</c:v>
+                </c:pt>
+                <c:pt idx="8">
+                  <c:v>2.7646299999999999</c:v>
+                </c:pt>
+                <c:pt idx="9">
+                  <c:v>2.8616299999999999</c:v>
+                </c:pt>
+                <c:pt idx="10">
+                  <c:v>2.8340900000000002</c:v>
+                </c:pt>
+                <c:pt idx="11">
+                  <c:v>2.8608699999999998</c:v>
+                </c:pt>
+                <c:pt idx="12">
+                  <c:v>2.8652799999999998</c:v>
+                </c:pt>
+                <c:pt idx="13">
+                  <c:v>2.77352</c:v>
+                </c:pt>
+                <c:pt idx="14">
+                  <c:v>2.6703299999999999</c:v>
+                </c:pt>
+                <c:pt idx="15">
+                  <c:v>2.79617</c:v>
+                </c:pt>
+              </c:numCache>
+            </c:numRef>
+          </c:yVal>
+          <c:smooth val="1"/>
+        </c:ser>
+        <c:ser>
+          <c:idx val="2"/>
+          <c:order val="2"/>
+          <c:tx>
+            <c:strRef>
+              <c:f>'VexCL CPU'!$D$1</c:f>
+              <c:strCache>
+                <c:ptCount val="1"/>
+                <c:pt idx="0">
+                  <c:v>i7-5960X</c:v>
+                </c:pt>
+              </c:strCache>
+            </c:strRef>
+          </c:tx>
+          <c:xVal>
+            <c:numRef>
+              <c:f>'VexCL CPU'!$A$2:$A$17</c:f>
+              <c:numCache>
+                <c:formatCode>General</c:formatCode>
+                <c:ptCount val="16"/>
+                <c:pt idx="0">
+                  <c:v>10</c:v>
+                </c:pt>
+                <c:pt idx="1">
+                  <c:v>11</c:v>
+                </c:pt>
+                <c:pt idx="2">
+                  <c:v>12</c:v>
+                </c:pt>
+                <c:pt idx="3">
+                  <c:v>13</c:v>
+                </c:pt>
+                <c:pt idx="4">
+                  <c:v>14</c:v>
+                </c:pt>
+                <c:pt idx="5">
+                  <c:v>15</c:v>
+                </c:pt>
+                <c:pt idx="6">
+                  <c:v>16</c:v>
+                </c:pt>
+                <c:pt idx="7">
+                  <c:v>17</c:v>
+                </c:pt>
+                <c:pt idx="8">
+                  <c:v>18</c:v>
+                </c:pt>
+                <c:pt idx="9">
+                  <c:v>19</c:v>
+                </c:pt>
+                <c:pt idx="10">
+                  <c:v>20</c:v>
+                </c:pt>
+                <c:pt idx="11">
+                  <c:v>21</c:v>
+                </c:pt>
+                <c:pt idx="12">
+                  <c:v>22</c:v>
+                </c:pt>
+                <c:pt idx="13">
+                  <c:v>23</c:v>
+                </c:pt>
+                <c:pt idx="14">
+                  <c:v>24</c:v>
+                </c:pt>
+                <c:pt idx="15">
+                  <c:v>25</c:v>
+                </c:pt>
+              </c:numCache>
+            </c:numRef>
+          </c:xVal>
+          <c:yVal>
+            <c:numRef>
+              <c:f>'VexCL CPU'!$D$2:$D$17</c:f>
+              <c:numCache>
+                <c:formatCode>General</c:formatCode>
+                <c:ptCount val="16"/>
+                <c:pt idx="0">
+                  <c:v>5.6458199999999996</c:v>
+                </c:pt>
+                <c:pt idx="1">
+                  <c:v>5.6803499999999998</c:v>
+                </c:pt>
+                <c:pt idx="2">
+                  <c:v>5.7216199999999997</c:v>
+                </c:pt>
+                <c:pt idx="3">
+                  <c:v>5.7462600000000004</c:v>
+                </c:pt>
+                <c:pt idx="4">
+                  <c:v>5.7737299999999996</c:v>
+                </c:pt>
+                <c:pt idx="5">
+                  <c:v>5.77325</c:v>
+                </c:pt>
+                <c:pt idx="6">
+                  <c:v>5.7657699999999998</c:v>
+                </c:pt>
+                <c:pt idx="7">
+                  <c:v>5.78308</c:v>
+                </c:pt>
+                <c:pt idx="8">
+                  <c:v>5.7846799999999998</c:v>
+                </c:pt>
+                <c:pt idx="9">
+                  <c:v>5.77935</c:v>
+                </c:pt>
+                <c:pt idx="10">
+                  <c:v>5.82212</c:v>
+                </c:pt>
+                <c:pt idx="11">
+                  <c:v>5.7889099999999996</c:v>
+                </c:pt>
+                <c:pt idx="12">
+                  <c:v>5.7148500000000002</c:v>
+                </c:pt>
+                <c:pt idx="13">
+                  <c:v>5.8860700000000001</c:v>
+                </c:pt>
+                <c:pt idx="14">
+                  <c:v>5.8520000000000003</c:v>
+                </c:pt>
+                <c:pt idx="15">
+                  <c:v>5.8496300000000003</c:v>
+                </c:pt>
+              </c:numCache>
+            </c:numRef>
+          </c:yVal>
+          <c:smooth val="1"/>
+        </c:ser>
+        <c:ser>
+          <c:idx val="3"/>
+          <c:order val="3"/>
+          <c:tx>
+            <c:strRef>
+              <c:f>'VexCL CPU'!$E$1</c:f>
+              <c:strCache>
+                <c:ptCount val="1"/>
+                <c:pt idx="0">
+                  <c:v>Opteron</c:v>
+                </c:pt>
+              </c:strCache>
+            </c:strRef>
+          </c:tx>
+          <c:xVal>
+            <c:numRef>
+              <c:f>'VexCL CPU'!$A$2:$A$17</c:f>
+              <c:numCache>
+                <c:formatCode>General</c:formatCode>
+                <c:ptCount val="16"/>
+                <c:pt idx="0">
+                  <c:v>10</c:v>
+                </c:pt>
+                <c:pt idx="1">
+                  <c:v>11</c:v>
+                </c:pt>
+                <c:pt idx="2">
+                  <c:v>12</c:v>
+                </c:pt>
+                <c:pt idx="3">
+                  <c:v>13</c:v>
+                </c:pt>
+                <c:pt idx="4">
+                  <c:v>14</c:v>
+                </c:pt>
+                <c:pt idx="5">
+                  <c:v>15</c:v>
+                </c:pt>
+                <c:pt idx="6">
+                  <c:v>16</c:v>
+                </c:pt>
+                <c:pt idx="7">
+                  <c:v>17</c:v>
+                </c:pt>
+                <c:pt idx="8">
+                  <c:v>18</c:v>
+                </c:pt>
+                <c:pt idx="9">
+                  <c:v>19</c:v>
+                </c:pt>
+                <c:pt idx="10">
+                  <c:v>20</c:v>
+                </c:pt>
+                <c:pt idx="11">
+                  <c:v>21</c:v>
+                </c:pt>
+                <c:pt idx="12">
+                  <c:v>22</c:v>
+                </c:pt>
+                <c:pt idx="13">
+                  <c:v>23</c:v>
+                </c:pt>
+                <c:pt idx="14">
+                  <c:v>24</c:v>
+                </c:pt>
+                <c:pt idx="15">
+                  <c:v>25</c:v>
+                </c:pt>
+              </c:numCache>
+            </c:numRef>
+          </c:xVal>
+          <c:yVal>
+            <c:numRef>
+              <c:f>'VexCL CPU'!$E$2:$E$17</c:f>
+              <c:numCache>
+                <c:formatCode>General</c:formatCode>
+                <c:ptCount val="16"/>
+                <c:pt idx="0">
+                  <c:v>5.46319</c:v>
+                </c:pt>
+                <c:pt idx="1">
+                  <c:v>5.3831300000000004</c:v>
+                </c:pt>
+                <c:pt idx="2">
+                  <c:v>5.2715199999999998</c:v>
+                </c:pt>
+                <c:pt idx="3">
+                  <c:v>5.2502899999999997</c:v>
+                </c:pt>
+                <c:pt idx="4">
+                  <c:v>5.1919700000000004</c:v>
+                </c:pt>
+                <c:pt idx="5">
+                  <c:v>5.2621599999999997</c:v>
+                </c:pt>
+                <c:pt idx="6">
+                  <c:v>5.0918299999999999</c:v>
+                </c:pt>
+                <c:pt idx="7">
+                  <c:v>5.2147500000000004</c:v>
+                </c:pt>
+                <c:pt idx="8">
+                  <c:v>5.0948900000000004</c:v>
+                </c:pt>
+                <c:pt idx="9">
+                  <c:v>5.1034600000000001</c:v>
+                </c:pt>
+                <c:pt idx="10">
+                  <c:v>5.0108499999999996</c:v>
+                </c:pt>
+                <c:pt idx="11">
+                  <c:v>5.0259900000000002</c:v>
+                </c:pt>
+                <c:pt idx="12">
+                  <c:v>4.9893000000000001</c:v>
+                </c:pt>
+                <c:pt idx="13">
+                  <c:v>4.9965299999999999</c:v>
+                </c:pt>
+                <c:pt idx="14">
+                  <c:v>4.9422100000000002</c:v>
+                </c:pt>
+                <c:pt idx="15">
+                  <c:v>4.9302200000000003</c:v>
+                </c:pt>
+              </c:numCache>
+            </c:numRef>
+          </c:yVal>
+          <c:smooth val="1"/>
+        </c:ser>
+        <c:dLbls>
+          <c:showLegendKey val="0"/>
+          <c:showVal val="0"/>
+          <c:showCatName val="0"/>
+          <c:showSerName val="0"/>
+          <c:showPercent val="0"/>
+          <c:showBubbleSize val="0"/>
+        </c:dLbls>
+        <c:axId val="35817728"/>
+        <c:axId val="35873152"/>
+      </c:scatterChart>
+      <c:valAx>
+        <c:axId val="35817728"/>
+        <c:scaling>
+          <c:orientation val="minMax"/>
+          <c:max val="25"/>
+          <c:min val="10"/>
+        </c:scaling>
+        <c:delete val="0"/>
+        <c:axPos val="b"/>
+        <c:title>
+          <c:tx>
+            <c:rich>
+              <a:bodyPr/>
+              <a:lstStyle/>
+              <a:p>
+                <a:pPr>
+                  <a:defRPr/>
+                </a:pPr>
+                <a:r>
+                  <a:rPr lang="en-US"/>
+                  <a:t>N</a:t>
+                </a:r>
+                <a:r>
+                  <a:rPr lang="en-US" baseline="0"/>
+                  <a:t> million (1024*1024)</a:t>
+                </a:r>
+                <a:endParaRPr lang="en-US"/>
+              </a:p>
+            </c:rich>
+          </c:tx>
+          <c:layout/>
+          <c:overlay val="0"/>
+        </c:title>
+        <c:numFmt formatCode="General" sourceLinked="1"/>
+        <c:majorTickMark val="out"/>
+        <c:minorTickMark val="none"/>
+        <c:tickLblPos val="nextTo"/>
+        <c:crossAx val="35873152"/>
+        <c:crosses val="autoZero"/>
+        <c:crossBetween val="midCat"/>
+        <c:majorUnit val="1"/>
+      </c:valAx>
+      <c:valAx>
+        <c:axId val="35873152"/>
+        <c:scaling>
+          <c:orientation val="minMax"/>
+          <c:max val="6"/>
+        </c:scaling>
+        <c:delete val="0"/>
+        <c:axPos val="l"/>
+        <c:majorGridlines/>
+        <c:title>
+          <c:tx>
+            <c:rich>
+              <a:bodyPr rot="-5400000" vert="horz"/>
+              <a:lstStyle/>
+              <a:p>
+                <a:pPr>
+                  <a:defRPr/>
+                </a:pPr>
+                <a:r>
+                  <a:rPr lang="en-US"/>
+                  <a:t>GFLOPS</a:t>
+                </a:r>
+              </a:p>
+            </c:rich>
+          </c:tx>
+          <c:layout/>
+          <c:overlay val="0"/>
+        </c:title>
+        <c:numFmt formatCode="General" sourceLinked="1"/>
+        <c:majorTickMark val="out"/>
+        <c:minorTickMark val="none"/>
+        <c:tickLblPos val="nextTo"/>
+        <c:crossAx val="35817728"/>
+        <c:crosses val="autoZero"/>
+        <c:crossBetween val="midCat"/>
+        <c:majorUnit val="1"/>
+      </c:valAx>
+    </c:plotArea>
+    <c:legend>
+      <c:legendPos val="t"/>
+      <c:layout/>
+      <c:overlay val="0"/>
+    </c:legend>
+    <c:plotVisOnly val="1"/>
+    <c:dispBlanksAs val="gap"/>
+    <c:showDLblsOverMax val="0"/>
+  </c:chart>
+  <c:externalData r:id="rId1">
+    <c:autoUpdate val="0"/>
+  </c:externalData>
+</c:chartSpace>
+</file>
+
+<file path=ppt/charts/chart11.xml><?xml version="1.0" encoding="utf-8"?>
+<c:chartSpace xmlns:c="http://schemas.openxmlformats.org/drawingml/2006/chart" xmlns:a="http://schemas.openxmlformats.org/drawingml/2006/main" xmlns:r="http://schemas.openxmlformats.org/officeDocument/2006/relationships">
+  <c:date1904 val="0"/>
+  <c:lang val="en-US"/>
+  <c:roundedCorners val="0"/>
+  <mc:AlternateContent xmlns:mc="http://schemas.openxmlformats.org/markup-compatibility/2006">
+    <mc:Choice xmlns:c14="http://schemas.microsoft.com/office/drawing/2007/8/2/chart" Requires="c14">
+      <c14:style val="102"/>
+    </mc:Choice>
+    <mc:Fallback>
+      <c:style val="2"/>
+    </mc:Fallback>
+  </mc:AlternateContent>
+  <c:chart>
+    <c:autoTitleDeleted val="0"/>
+    <c:plotArea>
+      <c:layout/>
+      <c:scatterChart>
+        <c:scatterStyle val="smoothMarker"/>
+        <c:varyColors val="0"/>
+        <c:ser>
+          <c:idx val="0"/>
+          <c:order val="0"/>
+          <c:tx>
+            <c:strRef>
+              <c:f>'VexCL GPU'!$B$1</c:f>
+              <c:strCache>
+                <c:ptCount val="1"/>
+                <c:pt idx="0">
+                  <c:v>APU</c:v>
+                </c:pt>
+              </c:strCache>
+            </c:strRef>
+          </c:tx>
+          <c:xVal>
+            <c:numRef>
+              <c:f>'VexCL GPU'!$A$2:$A$17</c:f>
+              <c:numCache>
+                <c:formatCode>General</c:formatCode>
+                <c:ptCount val="16"/>
+                <c:pt idx="0">
+                  <c:v>10</c:v>
+                </c:pt>
+                <c:pt idx="1">
+                  <c:v>11</c:v>
+                </c:pt>
+                <c:pt idx="2">
+                  <c:v>12</c:v>
+                </c:pt>
+                <c:pt idx="3">
+                  <c:v>13</c:v>
+                </c:pt>
+                <c:pt idx="4">
+                  <c:v>14</c:v>
+                </c:pt>
+                <c:pt idx="5">
+                  <c:v>15</c:v>
+                </c:pt>
+                <c:pt idx="6">
+                  <c:v>16</c:v>
+                </c:pt>
+                <c:pt idx="7">
+                  <c:v>17</c:v>
+                </c:pt>
+                <c:pt idx="8">
+                  <c:v>18</c:v>
+                </c:pt>
+                <c:pt idx="9">
+                  <c:v>19</c:v>
+                </c:pt>
+                <c:pt idx="10">
+                  <c:v>20</c:v>
+                </c:pt>
+                <c:pt idx="11">
+                  <c:v>21</c:v>
+                </c:pt>
+                <c:pt idx="12">
+                  <c:v>22</c:v>
+                </c:pt>
+                <c:pt idx="13">
+                  <c:v>23</c:v>
+                </c:pt>
+                <c:pt idx="14">
+                  <c:v>24</c:v>
+                </c:pt>
+                <c:pt idx="15">
+                  <c:v>25</c:v>
+                </c:pt>
+              </c:numCache>
+            </c:numRef>
+          </c:xVal>
+          <c:yVal>
+            <c:numRef>
+              <c:f>'VexCL GPU'!$B$2:$B$17</c:f>
+              <c:numCache>
+                <c:formatCode>General</c:formatCode>
+                <c:ptCount val="16"/>
+                <c:pt idx="0">
+                  <c:v>2.1053999999999999</c:v>
+                </c:pt>
+                <c:pt idx="1">
+                  <c:v>2.2266900000000001</c:v>
+                </c:pt>
+                <c:pt idx="2">
+                  <c:v>2.2475999999999998</c:v>
+                </c:pt>
+                <c:pt idx="3">
+                  <c:v>2.2170899999999998</c:v>
+                </c:pt>
+                <c:pt idx="4">
+                  <c:v>2.23244</c:v>
+                </c:pt>
+                <c:pt idx="5">
+                  <c:v>2.2417199999999999</c:v>
+                </c:pt>
+                <c:pt idx="6">
+                  <c:v>2.2475800000000001</c:v>
+                </c:pt>
+                <c:pt idx="7">
+                  <c:v>2.2886199999999999</c:v>
+                </c:pt>
+                <c:pt idx="8">
+                  <c:v>2.3322500000000002</c:v>
+                </c:pt>
+                <c:pt idx="9">
+                  <c:v>2.28206</c:v>
+                </c:pt>
+                <c:pt idx="10">
+                  <c:v>2.3169</c:v>
+                </c:pt>
+                <c:pt idx="11">
+                  <c:v>2.3185500000000001</c:v>
+                </c:pt>
+                <c:pt idx="12">
+                  <c:v>2.3131499999999998</c:v>
+                </c:pt>
+                <c:pt idx="13">
+                  <c:v>2.3648600000000002</c:v>
+                </c:pt>
+                <c:pt idx="14">
+                  <c:v>2.3770500000000001</c:v>
+                </c:pt>
+                <c:pt idx="15">
+                  <c:v>2.3412999999999999</c:v>
+                </c:pt>
+              </c:numCache>
+            </c:numRef>
+          </c:yVal>
+          <c:smooth val="1"/>
+        </c:ser>
+        <c:ser>
+          <c:idx val="1"/>
+          <c:order val="1"/>
+          <c:tx>
+            <c:strRef>
+              <c:f>'VexCL GPU'!$C$1</c:f>
+              <c:strCache>
+                <c:ptCount val="1"/>
+                <c:pt idx="0">
+                  <c:v>GTX 770</c:v>
+                </c:pt>
+              </c:strCache>
+            </c:strRef>
+          </c:tx>
+          <c:xVal>
+            <c:numRef>
+              <c:f>'VexCL GPU'!$A$2:$A$17</c:f>
+              <c:numCache>
+                <c:formatCode>General</c:formatCode>
+                <c:ptCount val="16"/>
+                <c:pt idx="0">
+                  <c:v>10</c:v>
+                </c:pt>
+                <c:pt idx="1">
+                  <c:v>11</c:v>
+                </c:pt>
+                <c:pt idx="2">
+                  <c:v>12</c:v>
+                </c:pt>
+                <c:pt idx="3">
+                  <c:v>13</c:v>
+                </c:pt>
+                <c:pt idx="4">
+                  <c:v>14</c:v>
+                </c:pt>
+                <c:pt idx="5">
+                  <c:v>15</c:v>
+                </c:pt>
+                <c:pt idx="6">
+                  <c:v>16</c:v>
+                </c:pt>
+                <c:pt idx="7">
+                  <c:v>17</c:v>
+                </c:pt>
+                <c:pt idx="8">
+                  <c:v>18</c:v>
+                </c:pt>
+                <c:pt idx="9">
+                  <c:v>19</c:v>
+                </c:pt>
+                <c:pt idx="10">
+                  <c:v>20</c:v>
+                </c:pt>
+                <c:pt idx="11">
+                  <c:v>21</c:v>
+                </c:pt>
+                <c:pt idx="12">
+                  <c:v>22</c:v>
+                </c:pt>
+                <c:pt idx="13">
+                  <c:v>23</c:v>
+                </c:pt>
+                <c:pt idx="14">
+                  <c:v>24</c:v>
+                </c:pt>
+                <c:pt idx="15">
+                  <c:v>25</c:v>
+                </c:pt>
+              </c:numCache>
+            </c:numRef>
+          </c:xVal>
+          <c:yVal>
+            <c:numRef>
+              <c:f>'VexCL GPU'!$C$2:$C$17</c:f>
+              <c:numCache>
+                <c:formatCode>General</c:formatCode>
+                <c:ptCount val="16"/>
+                <c:pt idx="0">
+                  <c:v>21.684999999999999</c:v>
+                </c:pt>
+                <c:pt idx="1">
+                  <c:v>21.679300000000001</c:v>
+                </c:pt>
+                <c:pt idx="2">
+                  <c:v>21.7774</c:v>
+                </c:pt>
+                <c:pt idx="3">
+                  <c:v>21.761500000000002</c:v>
+                </c:pt>
+                <c:pt idx="4">
+                  <c:v>21.814</c:v>
+                </c:pt>
+                <c:pt idx="5">
+                  <c:v>21.8475</c:v>
+                </c:pt>
+                <c:pt idx="6">
+                  <c:v>21.834599999999998</c:v>
+                </c:pt>
+                <c:pt idx="7">
+                  <c:v>21.846499999999999</c:v>
+                </c:pt>
+                <c:pt idx="8">
+                  <c:v>21.817399999999999</c:v>
+                </c:pt>
+                <c:pt idx="9">
+                  <c:v>21.9009</c:v>
+                </c:pt>
+                <c:pt idx="10">
+                  <c:v>21.896100000000001</c:v>
+                </c:pt>
+                <c:pt idx="11">
+                  <c:v>21.881499999999999</c:v>
+                </c:pt>
+                <c:pt idx="12">
+                  <c:v>21.957100000000001</c:v>
+                </c:pt>
+                <c:pt idx="13">
+                  <c:v>21.887699999999999</c:v>
+                </c:pt>
+                <c:pt idx="14">
+                  <c:v>21.938800000000001</c:v>
+                </c:pt>
+                <c:pt idx="15">
+                  <c:v>21.844999999999999</c:v>
+                </c:pt>
+              </c:numCache>
+            </c:numRef>
+          </c:yVal>
+          <c:smooth val="1"/>
+        </c:ser>
+        <c:ser>
+          <c:idx val="2"/>
+          <c:order val="2"/>
+          <c:tx>
+            <c:strRef>
+              <c:f>'VexCL GPU'!$D$1</c:f>
+              <c:strCache>
+                <c:ptCount val="1"/>
+                <c:pt idx="0">
+                  <c:v>1_K20Xm</c:v>
+                </c:pt>
+              </c:strCache>
+            </c:strRef>
+          </c:tx>
+          <c:xVal>
+            <c:numRef>
+              <c:f>'VexCL GPU'!$A$2:$A$17</c:f>
+              <c:numCache>
+                <c:formatCode>General</c:formatCode>
+                <c:ptCount val="16"/>
+                <c:pt idx="0">
+                  <c:v>10</c:v>
+                </c:pt>
+                <c:pt idx="1">
+                  <c:v>11</c:v>
+                </c:pt>
+                <c:pt idx="2">
+                  <c:v>12</c:v>
+                </c:pt>
+                <c:pt idx="3">
+                  <c:v>13</c:v>
+                </c:pt>
+                <c:pt idx="4">
+                  <c:v>14</c:v>
+                </c:pt>
+                <c:pt idx="5">
+                  <c:v>15</c:v>
+                </c:pt>
+                <c:pt idx="6">
+                  <c:v>16</c:v>
+                </c:pt>
+                <c:pt idx="7">
+                  <c:v>17</c:v>
+                </c:pt>
+                <c:pt idx="8">
+                  <c:v>18</c:v>
+                </c:pt>
+                <c:pt idx="9">
+                  <c:v>19</c:v>
+                </c:pt>
+                <c:pt idx="10">
+                  <c:v>20</c:v>
+                </c:pt>
+                <c:pt idx="11">
+                  <c:v>21</c:v>
+                </c:pt>
+                <c:pt idx="12">
+                  <c:v>22</c:v>
+                </c:pt>
+                <c:pt idx="13">
+                  <c:v>23</c:v>
+                </c:pt>
+                <c:pt idx="14">
+                  <c:v>24</c:v>
+                </c:pt>
+                <c:pt idx="15">
+                  <c:v>25</c:v>
+                </c:pt>
+              </c:numCache>
+            </c:numRef>
+          </c:xVal>
+          <c:yVal>
+            <c:numRef>
+              <c:f>'VexCL GPU'!$D$2:$D$17</c:f>
+              <c:numCache>
+                <c:formatCode>General</c:formatCode>
+                <c:ptCount val="16"/>
+                <c:pt idx="0">
+                  <c:v>21.4053</c:v>
+                </c:pt>
+                <c:pt idx="1">
+                  <c:v>21.471499999999999</c:v>
+                </c:pt>
+                <c:pt idx="2">
+                  <c:v>19.3872</c:v>
+                </c:pt>
+                <c:pt idx="3">
+                  <c:v>21.556799999999999</c:v>
+                </c:pt>
+                <c:pt idx="4">
+                  <c:v>21.578299999999999</c:v>
+                </c:pt>
+                <c:pt idx="5">
+                  <c:v>19.3263</c:v>
+                </c:pt>
+                <c:pt idx="6">
+                  <c:v>21.657499999999999</c:v>
+                </c:pt>
+                <c:pt idx="7">
+                  <c:v>21.618400000000001</c:v>
+                </c:pt>
+                <c:pt idx="8">
+                  <c:v>19.628</c:v>
+                </c:pt>
+                <c:pt idx="9">
+                  <c:v>21.686299999999999</c:v>
+                </c:pt>
+                <c:pt idx="10">
+                  <c:v>21.691600000000001</c:v>
+                </c:pt>
+                <c:pt idx="11">
+                  <c:v>19.6494</c:v>
+                </c:pt>
+                <c:pt idx="12">
+                  <c:v>21.7027</c:v>
+                </c:pt>
+                <c:pt idx="13">
+                  <c:v>21.722200000000001</c:v>
+                </c:pt>
+                <c:pt idx="14">
+                  <c:v>19.8078</c:v>
+                </c:pt>
+                <c:pt idx="15">
+                  <c:v>21.767800000000001</c:v>
+                </c:pt>
+              </c:numCache>
+            </c:numRef>
+          </c:yVal>
+          <c:smooth val="1"/>
+        </c:ser>
+        <c:ser>
+          <c:idx val="3"/>
+          <c:order val="3"/>
+          <c:tx>
+            <c:strRef>
+              <c:f>'VexCL GPU'!$E$1</c:f>
+              <c:strCache>
+                <c:ptCount val="1"/>
+                <c:pt idx="0">
+                  <c:v>2_K20Xm</c:v>
+                </c:pt>
+              </c:strCache>
+            </c:strRef>
+          </c:tx>
+          <c:xVal>
+            <c:numRef>
+              <c:f>'VexCL GPU'!$A$2:$A$17</c:f>
+              <c:numCache>
+                <c:formatCode>General</c:formatCode>
+                <c:ptCount val="16"/>
+                <c:pt idx="0">
+                  <c:v>10</c:v>
+                </c:pt>
+                <c:pt idx="1">
+                  <c:v>11</c:v>
+                </c:pt>
+                <c:pt idx="2">
+                  <c:v>12</c:v>
+                </c:pt>
+                <c:pt idx="3">
+                  <c:v>13</c:v>
+                </c:pt>
+                <c:pt idx="4">
+                  <c:v>14</c:v>
+                </c:pt>
+                <c:pt idx="5">
+                  <c:v>15</c:v>
+                </c:pt>
+                <c:pt idx="6">
+                  <c:v>16</c:v>
+                </c:pt>
+                <c:pt idx="7">
+                  <c:v>17</c:v>
+                </c:pt>
+                <c:pt idx="8">
+                  <c:v>18</c:v>
+                </c:pt>
+                <c:pt idx="9">
+                  <c:v>19</c:v>
+                </c:pt>
+                <c:pt idx="10">
+                  <c:v>20</c:v>
+                </c:pt>
+                <c:pt idx="11">
+                  <c:v>21</c:v>
+                </c:pt>
+                <c:pt idx="12">
+                  <c:v>22</c:v>
+                </c:pt>
+                <c:pt idx="13">
+                  <c:v>23</c:v>
+                </c:pt>
+                <c:pt idx="14">
+                  <c:v>24</c:v>
+                </c:pt>
+                <c:pt idx="15">
+                  <c:v>25</c:v>
+                </c:pt>
+              </c:numCache>
+            </c:numRef>
+          </c:xVal>
+          <c:yVal>
+            <c:numRef>
+              <c:f>'VexCL GPU'!$E$2:$E$17</c:f>
+              <c:numCache>
+                <c:formatCode>General</c:formatCode>
+                <c:ptCount val="16"/>
+                <c:pt idx="0">
+                  <c:v>39.426000000000002</c:v>
+                </c:pt>
+                <c:pt idx="1">
+                  <c:v>39.757300000000001</c:v>
+                </c:pt>
+                <c:pt idx="2">
+                  <c:v>35.092599999999997</c:v>
+                </c:pt>
+                <c:pt idx="3">
+                  <c:v>34.9848</c:v>
+                </c:pt>
+                <c:pt idx="4">
+                  <c:v>41.097099999999998</c:v>
+                </c:pt>
+                <c:pt idx="5">
+                  <c:v>33.019300000000001</c:v>
+                </c:pt>
+                <c:pt idx="6">
+                  <c:v>35.886400000000002</c:v>
+                </c:pt>
+                <c:pt idx="7">
+                  <c:v>36.106699999999996</c:v>
+                </c:pt>
+                <c:pt idx="8">
+                  <c:v>36.228999999999999</c:v>
+                </c:pt>
+                <c:pt idx="9">
+                  <c:v>36.2547</c:v>
+                </c:pt>
+                <c:pt idx="10">
+                  <c:v>42.218899999999998</c:v>
+                </c:pt>
+                <c:pt idx="11">
+                  <c:v>37.475700000000003</c:v>
+                </c:pt>
+                <c:pt idx="12">
+                  <c:v>36.814399999999999</c:v>
+                </c:pt>
+                <c:pt idx="13">
+                  <c:v>42.276800000000001</c:v>
+                </c:pt>
+                <c:pt idx="14">
+                  <c:v>42.217100000000002</c:v>
+                </c:pt>
+                <c:pt idx="15">
+                  <c:v>37.427599999999998</c:v>
+                </c:pt>
+              </c:numCache>
+            </c:numRef>
+          </c:yVal>
+          <c:smooth val="1"/>
+        </c:ser>
+        <c:ser>
+          <c:idx val="4"/>
+          <c:order val="4"/>
+          <c:tx>
+            <c:strRef>
+              <c:f>'VexCL GPU'!$F$1</c:f>
+              <c:strCache>
+                <c:ptCount val="1"/>
+                <c:pt idx="0">
+                  <c:v>3_K20Xm</c:v>
+                </c:pt>
+              </c:strCache>
+            </c:strRef>
+          </c:tx>
+          <c:xVal>
+            <c:numRef>
+              <c:f>'VexCL GPU'!$A$2:$A$17</c:f>
+              <c:numCache>
+                <c:formatCode>General</c:formatCode>
+                <c:ptCount val="16"/>
+                <c:pt idx="0">
+                  <c:v>10</c:v>
+                </c:pt>
+                <c:pt idx="1">
+                  <c:v>11</c:v>
+                </c:pt>
+                <c:pt idx="2">
+                  <c:v>12</c:v>
+                </c:pt>
+                <c:pt idx="3">
+                  <c:v>13</c:v>
+                </c:pt>
+                <c:pt idx="4">
+                  <c:v>14</c:v>
+                </c:pt>
+                <c:pt idx="5">
+                  <c:v>15</c:v>
+                </c:pt>
+                <c:pt idx="6">
+                  <c:v>16</c:v>
+                </c:pt>
+                <c:pt idx="7">
+                  <c:v>17</c:v>
+                </c:pt>
+                <c:pt idx="8">
+                  <c:v>18</c:v>
+                </c:pt>
+                <c:pt idx="9">
+                  <c:v>19</c:v>
+                </c:pt>
+                <c:pt idx="10">
+                  <c:v>20</c:v>
+                </c:pt>
+                <c:pt idx="11">
+                  <c:v>21</c:v>
+                </c:pt>
+                <c:pt idx="12">
+                  <c:v>22</c:v>
+                </c:pt>
+                <c:pt idx="13">
+                  <c:v>23</c:v>
+                </c:pt>
+                <c:pt idx="14">
+                  <c:v>24</c:v>
+                </c:pt>
+                <c:pt idx="15">
+                  <c:v>25</c:v>
+                </c:pt>
+              </c:numCache>
+            </c:numRef>
+          </c:xVal>
+          <c:yVal>
+            <c:numRef>
+              <c:f>'VexCL GPU'!$F$2:$F$17</c:f>
+              <c:numCache>
+                <c:formatCode>General</c:formatCode>
+                <c:ptCount val="16"/>
+                <c:pt idx="0">
+                  <c:v>56.107599999999998</c:v>
+                </c:pt>
+                <c:pt idx="1">
+                  <c:v>48.667700000000004</c:v>
+                </c:pt>
+                <c:pt idx="2">
+                  <c:v>46.062199999999997</c:v>
+                </c:pt>
+                <c:pt idx="3">
+                  <c:v>57.476300000000002</c:v>
+                </c:pt>
+                <c:pt idx="4">
+                  <c:v>57.043399999999998</c:v>
+                </c:pt>
+                <c:pt idx="5">
+                  <c:v>48.720399999999998</c:v>
+                </c:pt>
+                <c:pt idx="6">
+                  <c:v>49.2074</c:v>
+                </c:pt>
+                <c:pt idx="7">
+                  <c:v>49.775500000000001</c:v>
+                </c:pt>
+                <c:pt idx="8">
+                  <c:v>51.753399999999999</c:v>
+                </c:pt>
+                <c:pt idx="9">
+                  <c:v>60.1113</c:v>
+                </c:pt>
+                <c:pt idx="10">
+                  <c:v>49.750300000000003</c:v>
+                </c:pt>
+                <c:pt idx="11">
+                  <c:v>52.324599999999997</c:v>
+                </c:pt>
+                <c:pt idx="12">
+                  <c:v>52.838000000000001</c:v>
+                </c:pt>
+                <c:pt idx="13">
+                  <c:v>57.872500000000002</c:v>
+                </c:pt>
+                <c:pt idx="14">
+                  <c:v>53.705300000000001</c:v>
+                </c:pt>
+                <c:pt idx="15">
+                  <c:v>50.722799999999999</c:v>
+                </c:pt>
+              </c:numCache>
+            </c:numRef>
+          </c:yVal>
+          <c:smooth val="1"/>
+        </c:ser>
+        <c:dLbls>
+          <c:showLegendKey val="0"/>
+          <c:showVal val="0"/>
+          <c:showCatName val="0"/>
+          <c:showSerName val="0"/>
+          <c:showPercent val="0"/>
+          <c:showBubbleSize val="0"/>
+        </c:dLbls>
+        <c:axId val="35251712"/>
+        <c:axId val="35275136"/>
+      </c:scatterChart>
+      <c:valAx>
+        <c:axId val="35251712"/>
+        <c:scaling>
+          <c:orientation val="minMax"/>
+          <c:max val="25"/>
+          <c:min val="10"/>
+        </c:scaling>
+        <c:delete val="0"/>
+        <c:axPos val="b"/>
+        <c:title>
+          <c:tx>
+            <c:rich>
+              <a:bodyPr/>
+              <a:lstStyle/>
+              <a:p>
+                <a:pPr>
+                  <a:defRPr/>
+                </a:pPr>
+                <a:r>
+                  <a:rPr lang="en-US"/>
+                  <a:t>N</a:t>
+                </a:r>
+                <a:r>
+                  <a:rPr lang="en-US" baseline="0"/>
+                  <a:t> million (1024*1024)</a:t>
+                </a:r>
+                <a:endParaRPr lang="en-US"/>
+              </a:p>
+            </c:rich>
+          </c:tx>
+          <c:layout/>
+          <c:overlay val="0"/>
+        </c:title>
+        <c:numFmt formatCode="General" sourceLinked="1"/>
+        <c:majorTickMark val="out"/>
+        <c:minorTickMark val="none"/>
+        <c:tickLblPos val="nextTo"/>
+        <c:crossAx val="35275136"/>
+        <c:crosses val="autoZero"/>
+        <c:crossBetween val="midCat"/>
+        <c:majorUnit val="1"/>
+      </c:valAx>
+      <c:valAx>
+        <c:axId val="35275136"/>
+        <c:scaling>
+          <c:orientation val="minMax"/>
+        </c:scaling>
+        <c:delete val="0"/>
+        <c:axPos val="l"/>
+        <c:majorGridlines/>
+        <c:title>
+          <c:tx>
+            <c:rich>
+              <a:bodyPr rot="-5400000" vert="horz"/>
+              <a:lstStyle/>
+              <a:p>
+                <a:pPr>
+                  <a:defRPr/>
+                </a:pPr>
+                <a:r>
+                  <a:rPr lang="en-US"/>
+                  <a:t>GFLOPS</a:t>
+                </a:r>
+              </a:p>
+            </c:rich>
+          </c:tx>
+          <c:layout/>
+          <c:overlay val="0"/>
+        </c:title>
+        <c:numFmt formatCode="General" sourceLinked="1"/>
+        <c:majorTickMark val="out"/>
+        <c:minorTickMark val="none"/>
+        <c:tickLblPos val="nextTo"/>
+        <c:crossAx val="35251712"/>
+        <c:crosses val="autoZero"/>
+        <c:crossBetween val="midCat"/>
+        <c:majorUnit val="5"/>
+      </c:valAx>
+    </c:plotArea>
+    <c:legend>
+      <c:legendPos val="t"/>
+      <c:layout/>
+      <c:overlay val="0"/>
+    </c:legend>
+    <c:plotVisOnly val="1"/>
+    <c:dispBlanksAs val="gap"/>
+    <c:showDLblsOverMax val="0"/>
+  </c:chart>
+  <c:externalData r:id="rId1">
+    <c:autoUpdate val="0"/>
+  </c:externalData>
+</c:chartSpace>
+</file>
+
+<file path=ppt/charts/chart12.xml><?xml version="1.0" encoding="utf-8"?>
+<c:chartSpace xmlns:c="http://schemas.openxmlformats.org/drawingml/2006/chart" xmlns:a="http://schemas.openxmlformats.org/drawingml/2006/main" xmlns:r="http://schemas.openxmlformats.org/officeDocument/2006/relationships">
+  <c:date1904 val="0"/>
+  <c:lang val="en-US"/>
+  <c:roundedCorners val="0"/>
+  <mc:AlternateContent xmlns:mc="http://schemas.openxmlformats.org/markup-compatibility/2006">
+    <mc:Choice xmlns:c14="http://schemas.microsoft.com/office/drawing/2007/8/2/chart" Requires="c14">
+      <c14:style val="102"/>
+    </mc:Choice>
+    <mc:Fallback>
+      <c:style val="2"/>
+    </mc:Fallback>
+  </mc:AlternateContent>
+  <c:chart>
+    <c:autoTitleDeleted val="0"/>
+    <c:plotArea>
+      <c:layout/>
+      <c:scatterChart>
+        <c:scatterStyle val="smoothMarker"/>
+        <c:varyColors val="0"/>
+        <c:ser>
+          <c:idx val="0"/>
+          <c:order val="0"/>
+          <c:tx>
+            <c:strRef>
+              <c:f>'VexCL CUDA'!$B$1</c:f>
+              <c:strCache>
+                <c:ptCount val="1"/>
+                <c:pt idx="0">
+                  <c:v>GTX 770</c:v>
+                </c:pt>
+              </c:strCache>
+            </c:strRef>
+          </c:tx>
+          <c:xVal>
+            <c:numRef>
+              <c:f>'VexCL CUDA'!$A$2:$A$17</c:f>
+              <c:numCache>
+                <c:formatCode>General</c:formatCode>
+                <c:ptCount val="16"/>
+                <c:pt idx="0">
+                  <c:v>10</c:v>
+                </c:pt>
+                <c:pt idx="1">
+                  <c:v>11</c:v>
+                </c:pt>
+                <c:pt idx="2">
+                  <c:v>12</c:v>
+                </c:pt>
+                <c:pt idx="3">
+                  <c:v>13</c:v>
+                </c:pt>
+                <c:pt idx="4">
+                  <c:v>14</c:v>
+                </c:pt>
+                <c:pt idx="5">
+                  <c:v>15</c:v>
+                </c:pt>
+                <c:pt idx="6">
+                  <c:v>16</c:v>
+                </c:pt>
+                <c:pt idx="7">
+                  <c:v>17</c:v>
+                </c:pt>
+                <c:pt idx="8">
+                  <c:v>18</c:v>
+                </c:pt>
+                <c:pt idx="9">
+                  <c:v>19</c:v>
+                </c:pt>
+                <c:pt idx="10">
+                  <c:v>20</c:v>
+                </c:pt>
+                <c:pt idx="11">
+                  <c:v>21</c:v>
+                </c:pt>
+                <c:pt idx="12">
+                  <c:v>22</c:v>
+                </c:pt>
+                <c:pt idx="13">
+                  <c:v>23</c:v>
+                </c:pt>
+                <c:pt idx="14">
+                  <c:v>24</c:v>
+                </c:pt>
+                <c:pt idx="15">
+                  <c:v>25</c:v>
+                </c:pt>
+              </c:numCache>
+            </c:numRef>
+          </c:xVal>
+          <c:yVal>
+            <c:numRef>
+              <c:f>'VexCL CUDA'!$B$2:$B$17</c:f>
+              <c:numCache>
+                <c:formatCode>General</c:formatCode>
+                <c:ptCount val="16"/>
+                <c:pt idx="0">
+                  <c:v>21.7834</c:v>
+                </c:pt>
+                <c:pt idx="1">
+                  <c:v>21.815999999999999</c:v>
+                </c:pt>
+                <c:pt idx="2">
+                  <c:v>21.895099999999999</c:v>
+                </c:pt>
+                <c:pt idx="3">
+                  <c:v>21.8736</c:v>
+                </c:pt>
+                <c:pt idx="4">
+                  <c:v>21.8719</c:v>
+                </c:pt>
+                <c:pt idx="5">
+                  <c:v>21.9496</c:v>
+                </c:pt>
+                <c:pt idx="6">
+                  <c:v>21.905999999999999</c:v>
+                </c:pt>
+                <c:pt idx="7">
+                  <c:v>21.885999999999999</c:v>
+                </c:pt>
+                <c:pt idx="8">
+                  <c:v>21.929300000000001</c:v>
+                </c:pt>
+                <c:pt idx="9">
+                  <c:v>21.9801</c:v>
+                </c:pt>
+                <c:pt idx="10">
+                  <c:v>21.907599999999999</c:v>
+                </c:pt>
+                <c:pt idx="11">
+                  <c:v>21.937999999999999</c:v>
+                </c:pt>
+                <c:pt idx="12">
+                  <c:v>21.987100000000002</c:v>
+                </c:pt>
+                <c:pt idx="13">
+                  <c:v>21.8764</c:v>
+                </c:pt>
+                <c:pt idx="14">
+                  <c:v>21.985299999999999</c:v>
+                </c:pt>
+                <c:pt idx="15">
+                  <c:v>21.964500000000001</c:v>
+                </c:pt>
+              </c:numCache>
+            </c:numRef>
+          </c:yVal>
+          <c:smooth val="1"/>
+        </c:ser>
+        <c:ser>
+          <c:idx val="1"/>
+          <c:order val="1"/>
+          <c:tx>
+            <c:strRef>
+              <c:f>'VexCL CUDA'!$C$1</c:f>
+              <c:strCache>
+                <c:ptCount val="1"/>
+                <c:pt idx="0">
+                  <c:v>1_K40c</c:v>
+                </c:pt>
+              </c:strCache>
+            </c:strRef>
+          </c:tx>
+          <c:xVal>
+            <c:numRef>
+              <c:f>'VexCL CUDA'!$A$2:$A$17</c:f>
+              <c:numCache>
+                <c:formatCode>General</c:formatCode>
+                <c:ptCount val="16"/>
+                <c:pt idx="0">
+                  <c:v>10</c:v>
+                </c:pt>
+                <c:pt idx="1">
+                  <c:v>11</c:v>
+                </c:pt>
+                <c:pt idx="2">
+                  <c:v>12</c:v>
+                </c:pt>
+                <c:pt idx="3">
+                  <c:v>13</c:v>
+                </c:pt>
+                <c:pt idx="4">
+                  <c:v>14</c:v>
+                </c:pt>
+                <c:pt idx="5">
+                  <c:v>15</c:v>
+                </c:pt>
+                <c:pt idx="6">
+                  <c:v>16</c:v>
+                </c:pt>
+                <c:pt idx="7">
+                  <c:v>17</c:v>
+                </c:pt>
+                <c:pt idx="8">
+                  <c:v>18</c:v>
+                </c:pt>
+                <c:pt idx="9">
+                  <c:v>19</c:v>
+                </c:pt>
+                <c:pt idx="10">
+                  <c:v>20</c:v>
+                </c:pt>
+                <c:pt idx="11">
+                  <c:v>21</c:v>
+                </c:pt>
+                <c:pt idx="12">
+                  <c:v>22</c:v>
+                </c:pt>
+                <c:pt idx="13">
+                  <c:v>23</c:v>
+                </c:pt>
+                <c:pt idx="14">
+                  <c:v>24</c:v>
+                </c:pt>
+                <c:pt idx="15">
+                  <c:v>25</c:v>
+                </c:pt>
+              </c:numCache>
+            </c:numRef>
+          </c:xVal>
+          <c:yVal>
+            <c:numRef>
+              <c:f>'VexCL CUDA'!$C$2:$C$17</c:f>
+              <c:numCache>
+                <c:formatCode>General</c:formatCode>
+                <c:ptCount val="16"/>
+                <c:pt idx="0">
+                  <c:v>22.557400000000001</c:v>
+                </c:pt>
+                <c:pt idx="1">
+                  <c:v>22.611499999999999</c:v>
+                </c:pt>
+                <c:pt idx="2">
+                  <c:v>21.147600000000001</c:v>
+                </c:pt>
+                <c:pt idx="3">
+                  <c:v>22.6602</c:v>
+                </c:pt>
+                <c:pt idx="4">
+                  <c:v>22.7178</c:v>
+                </c:pt>
+                <c:pt idx="5">
+                  <c:v>21.0288</c:v>
+                </c:pt>
+                <c:pt idx="6">
+                  <c:v>22.6966</c:v>
+                </c:pt>
+                <c:pt idx="7">
+                  <c:v>22.658999999999999</c:v>
+                </c:pt>
+                <c:pt idx="8">
+                  <c:v>21.222000000000001</c:v>
+                </c:pt>
+                <c:pt idx="9">
+                  <c:v>22.629000000000001</c:v>
+                </c:pt>
+                <c:pt idx="10">
+                  <c:v>22.688099999999999</c:v>
+                </c:pt>
+                <c:pt idx="11">
+                  <c:v>21.131499999999999</c:v>
+                </c:pt>
+                <c:pt idx="12">
+                  <c:v>22.707100000000001</c:v>
+                </c:pt>
+                <c:pt idx="13">
+                  <c:v>22.738600000000002</c:v>
+                </c:pt>
+                <c:pt idx="14">
+                  <c:v>21.2819</c:v>
+                </c:pt>
+                <c:pt idx="15">
+                  <c:v>22.723400000000002</c:v>
+                </c:pt>
+              </c:numCache>
+            </c:numRef>
+          </c:yVal>
+          <c:smooth val="1"/>
+        </c:ser>
+        <c:ser>
+          <c:idx val="2"/>
+          <c:order val="2"/>
+          <c:tx>
+            <c:strRef>
+              <c:f>'VexCL CUDA'!$D$1</c:f>
+              <c:strCache>
+                <c:ptCount val="1"/>
+                <c:pt idx="0">
+                  <c:v>2_K40c</c:v>
+                </c:pt>
+              </c:strCache>
+            </c:strRef>
+          </c:tx>
+          <c:xVal>
+            <c:numRef>
+              <c:f>'VexCL CUDA'!$A$2:$A$17</c:f>
+              <c:numCache>
+                <c:formatCode>General</c:formatCode>
+                <c:ptCount val="16"/>
+                <c:pt idx="0">
+                  <c:v>10</c:v>
+                </c:pt>
+                <c:pt idx="1">
+                  <c:v>11</c:v>
+                </c:pt>
+                <c:pt idx="2">
+                  <c:v>12</c:v>
+                </c:pt>
+                <c:pt idx="3">
+                  <c:v>13</c:v>
+                </c:pt>
+                <c:pt idx="4">
+                  <c:v>14</c:v>
+                </c:pt>
+                <c:pt idx="5">
+                  <c:v>15</c:v>
+                </c:pt>
+                <c:pt idx="6">
+                  <c:v>16</c:v>
+                </c:pt>
+                <c:pt idx="7">
+                  <c:v>17</c:v>
+                </c:pt>
+                <c:pt idx="8">
+                  <c:v>18</c:v>
+                </c:pt>
+                <c:pt idx="9">
+                  <c:v>19</c:v>
+                </c:pt>
+                <c:pt idx="10">
+                  <c:v>20</c:v>
+                </c:pt>
+                <c:pt idx="11">
+                  <c:v>21</c:v>
+                </c:pt>
+                <c:pt idx="12">
+                  <c:v>22</c:v>
+                </c:pt>
+                <c:pt idx="13">
+                  <c:v>23</c:v>
+                </c:pt>
+                <c:pt idx="14">
+                  <c:v>24</c:v>
+                </c:pt>
+                <c:pt idx="15">
+                  <c:v>25</c:v>
+                </c:pt>
+              </c:numCache>
+            </c:numRef>
+          </c:xVal>
+          <c:yVal>
+            <c:numRef>
+              <c:f>'VexCL CUDA'!$D$2:$D$17</c:f>
+              <c:numCache>
+                <c:formatCode>General</c:formatCode>
+                <c:ptCount val="16"/>
+                <c:pt idx="0">
+                  <c:v>38.881799999999998</c:v>
+                </c:pt>
+                <c:pt idx="1">
+                  <c:v>43.0779</c:v>
+                </c:pt>
+                <c:pt idx="2">
+                  <c:v>43.2851</c:v>
+                </c:pt>
+                <c:pt idx="3">
+                  <c:v>39.152000000000001</c:v>
+                </c:pt>
+                <c:pt idx="4">
+                  <c:v>43.798999999999999</c:v>
+                </c:pt>
+                <c:pt idx="5">
+                  <c:v>39.908700000000003</c:v>
+                </c:pt>
+                <c:pt idx="6">
+                  <c:v>40.118400000000001</c:v>
+                </c:pt>
+                <c:pt idx="7">
+                  <c:v>40.4619</c:v>
+                </c:pt>
+                <c:pt idx="8">
+                  <c:v>40.507599999999996</c:v>
+                </c:pt>
+                <c:pt idx="9">
+                  <c:v>40.229500000000002</c:v>
+                </c:pt>
+                <c:pt idx="10">
+                  <c:v>40.513199999999998</c:v>
+                </c:pt>
+                <c:pt idx="11">
+                  <c:v>44.605699999999999</c:v>
+                </c:pt>
+                <c:pt idx="12">
+                  <c:v>40.871499999999997</c:v>
+                </c:pt>
+                <c:pt idx="13">
+                  <c:v>40.7408</c:v>
+                </c:pt>
+                <c:pt idx="14">
+                  <c:v>41.701700000000002</c:v>
+                </c:pt>
+                <c:pt idx="15">
+                  <c:v>40.857300000000002</c:v>
+                </c:pt>
+              </c:numCache>
+            </c:numRef>
+          </c:yVal>
+          <c:smooth val="1"/>
+        </c:ser>
+        <c:ser>
+          <c:idx val="3"/>
+          <c:order val="3"/>
+          <c:tx>
+            <c:strRef>
+              <c:f>'VexCL CUDA'!$E$1</c:f>
+              <c:strCache>
+                <c:ptCount val="1"/>
+                <c:pt idx="0">
+                  <c:v>3_K20Xm</c:v>
+                </c:pt>
+              </c:strCache>
+            </c:strRef>
+          </c:tx>
+          <c:xVal>
+            <c:numRef>
+              <c:f>'VexCL CUDA'!$A$2:$A$17</c:f>
+              <c:numCache>
+                <c:formatCode>General</c:formatCode>
+                <c:ptCount val="16"/>
+                <c:pt idx="0">
+                  <c:v>10</c:v>
+                </c:pt>
+                <c:pt idx="1">
+                  <c:v>11</c:v>
+                </c:pt>
+                <c:pt idx="2">
+                  <c:v>12</c:v>
+                </c:pt>
+                <c:pt idx="3">
+                  <c:v>13</c:v>
+                </c:pt>
+                <c:pt idx="4">
+                  <c:v>14</c:v>
+                </c:pt>
+                <c:pt idx="5">
+                  <c:v>15</c:v>
+                </c:pt>
+                <c:pt idx="6">
+                  <c:v>16</c:v>
+                </c:pt>
+                <c:pt idx="7">
+                  <c:v>17</c:v>
+                </c:pt>
+                <c:pt idx="8">
+                  <c:v>18</c:v>
+                </c:pt>
+                <c:pt idx="9">
+                  <c:v>19</c:v>
+                </c:pt>
+                <c:pt idx="10">
+                  <c:v>20</c:v>
+                </c:pt>
+                <c:pt idx="11">
+                  <c:v>21</c:v>
+                </c:pt>
+                <c:pt idx="12">
+                  <c:v>22</c:v>
+                </c:pt>
+                <c:pt idx="13">
+                  <c:v>23</c:v>
+                </c:pt>
+                <c:pt idx="14">
+                  <c:v>24</c:v>
+                </c:pt>
+                <c:pt idx="15">
+                  <c:v>25</c:v>
+                </c:pt>
+              </c:numCache>
+            </c:numRef>
+          </c:xVal>
+          <c:yVal>
+            <c:numRef>
+              <c:f>'VexCL CUDA'!$E$2:$E$17</c:f>
+              <c:numCache>
+                <c:formatCode>General</c:formatCode>
+                <c:ptCount val="16"/>
+                <c:pt idx="0">
+                  <c:v>54.935400000000001</c:v>
+                </c:pt>
+                <c:pt idx="1">
+                  <c:v>48.687399999999997</c:v>
+                </c:pt>
+                <c:pt idx="2">
+                  <c:v>49.204900000000002</c:v>
+                </c:pt>
+                <c:pt idx="3">
+                  <c:v>52.006300000000003</c:v>
+                </c:pt>
+                <c:pt idx="4">
+                  <c:v>51.3887</c:v>
+                </c:pt>
+                <c:pt idx="5">
+                  <c:v>50.497399999999999</c:v>
+                </c:pt>
+                <c:pt idx="6">
+                  <c:v>58.955199999999998</c:v>
+                </c:pt>
+                <c:pt idx="7">
+                  <c:v>59.725900000000003</c:v>
+                </c:pt>
+                <c:pt idx="8">
+                  <c:v>52.717399999999998</c:v>
+                </c:pt>
+                <c:pt idx="9">
+                  <c:v>60.933</c:v>
+                </c:pt>
+                <c:pt idx="10">
+                  <c:v>52.122599999999998</c:v>
+                </c:pt>
+                <c:pt idx="11">
+                  <c:v>60.918500000000002</c:v>
+                </c:pt>
+                <c:pt idx="12">
+                  <c:v>53.235799999999998</c:v>
+                </c:pt>
+                <c:pt idx="13">
+                  <c:v>53.391300000000001</c:v>
+                </c:pt>
+                <c:pt idx="14">
+                  <c:v>55.4998</c:v>
+                </c:pt>
+                <c:pt idx="15">
+                  <c:v>54.082999999999998</c:v>
+                </c:pt>
+              </c:numCache>
+            </c:numRef>
+          </c:yVal>
+          <c:smooth val="1"/>
+        </c:ser>
+        <c:dLbls>
+          <c:showLegendKey val="0"/>
+          <c:showVal val="0"/>
+          <c:showCatName val="0"/>
+          <c:showSerName val="0"/>
+          <c:showPercent val="0"/>
+          <c:showBubbleSize val="0"/>
+        </c:dLbls>
+        <c:axId val="35469568"/>
+        <c:axId val="35485568"/>
+      </c:scatterChart>
+      <c:valAx>
+        <c:axId val="35469568"/>
+        <c:scaling>
+          <c:orientation val="minMax"/>
+          <c:max val="25"/>
+          <c:min val="10"/>
+        </c:scaling>
+        <c:delete val="0"/>
+        <c:axPos val="b"/>
+        <c:title>
+          <c:tx>
+            <c:rich>
+              <a:bodyPr/>
+              <a:lstStyle/>
+              <a:p>
+                <a:pPr>
+                  <a:defRPr/>
+                </a:pPr>
+                <a:r>
+                  <a:rPr lang="en-US"/>
+                  <a:t>N</a:t>
+                </a:r>
+                <a:r>
+                  <a:rPr lang="en-US" baseline="0"/>
+                  <a:t> million (1024*1024)</a:t>
+                </a:r>
+                <a:endParaRPr lang="en-US"/>
+              </a:p>
+            </c:rich>
+          </c:tx>
+          <c:layout/>
+          <c:overlay val="0"/>
+        </c:title>
+        <c:numFmt formatCode="General" sourceLinked="1"/>
+        <c:majorTickMark val="out"/>
+        <c:minorTickMark val="none"/>
+        <c:tickLblPos val="nextTo"/>
+        <c:crossAx val="35485568"/>
+        <c:crosses val="autoZero"/>
+        <c:crossBetween val="midCat"/>
+        <c:majorUnit val="1"/>
+      </c:valAx>
+      <c:valAx>
+        <c:axId val="35485568"/>
+        <c:scaling>
+          <c:orientation val="minMax"/>
+          <c:max val="65"/>
+          <c:min val="20"/>
+        </c:scaling>
+        <c:delete val="0"/>
+        <c:axPos val="l"/>
+        <c:majorGridlines/>
+        <c:title>
+          <c:tx>
+            <c:rich>
+              <a:bodyPr rot="-5400000" vert="horz"/>
+              <a:lstStyle/>
+              <a:p>
+                <a:pPr>
+                  <a:defRPr/>
+                </a:pPr>
+                <a:r>
+                  <a:rPr lang="en-US"/>
+                  <a:t>GFLOPS</a:t>
+                </a:r>
+              </a:p>
+            </c:rich>
+          </c:tx>
+          <c:layout/>
+          <c:overlay val="0"/>
+        </c:title>
+        <c:numFmt formatCode="General" sourceLinked="1"/>
+        <c:majorTickMark val="out"/>
+        <c:minorTickMark val="none"/>
+        <c:tickLblPos val="nextTo"/>
+        <c:crossAx val="35469568"/>
+        <c:crosses val="autoZero"/>
+        <c:crossBetween val="midCat"/>
+        <c:majorUnit val="5"/>
+      </c:valAx>
+    </c:plotArea>
+    <c:legend>
+      <c:legendPos val="t"/>
+      <c:layout/>
+      <c:overlay val="0"/>
+    </c:legend>
+    <c:plotVisOnly val="1"/>
+    <c:dispBlanksAs val="gap"/>
+    <c:showDLblsOverMax val="0"/>
+  </c:chart>
+  <c:externalData r:id="rId1">
+    <c:autoUpdate val="0"/>
+  </c:externalData>
+</c:chartSpace>
+</file>
+
+<file path=ppt/charts/chart13.xml><?xml version="1.0" encoding="utf-8"?>
+<c:chartSpace xmlns:c="http://schemas.openxmlformats.org/drawingml/2006/chart" xmlns:a="http://schemas.openxmlformats.org/drawingml/2006/main" xmlns:r="http://schemas.openxmlformats.org/officeDocument/2006/relationships">
+  <c:date1904 val="0"/>
+  <c:lang val="en-US"/>
+  <c:roundedCorners val="0"/>
+  <mc:AlternateContent xmlns:mc="http://schemas.openxmlformats.org/markup-compatibility/2006">
+    <mc:Choice xmlns:c14="http://schemas.microsoft.com/office/drawing/2007/8/2/chart" Requires="c14">
+      <c14:style val="102"/>
+    </mc:Choice>
+    <mc:Fallback>
+      <c:style val="2"/>
+    </mc:Fallback>
+  </mc:AlternateContent>
+  <c:chart>
+    <c:autoTitleDeleted val="0"/>
+    <c:plotArea>
+      <c:layout/>
+      <c:scatterChart>
+        <c:scatterStyle val="smoothMarker"/>
+        <c:varyColors val="0"/>
+        <c:ser>
+          <c:idx val="0"/>
+          <c:order val="0"/>
+          <c:tx>
+            <c:strRef>
+              <c:f>'Thrust VS VexCL_CUDA'!$B$1</c:f>
+              <c:strCache>
+                <c:ptCount val="1"/>
+                <c:pt idx="0">
+                  <c:v>GTX_770_Thrust</c:v>
+                </c:pt>
+              </c:strCache>
+            </c:strRef>
+          </c:tx>
+          <c:xVal>
+            <c:numRef>
+              <c:f>'Thrust VS VexCL_CUDA'!$A$2:$A$17</c:f>
+              <c:numCache>
+                <c:formatCode>General</c:formatCode>
+                <c:ptCount val="16"/>
+                <c:pt idx="0">
+                  <c:v>10</c:v>
+                </c:pt>
+                <c:pt idx="1">
+                  <c:v>11</c:v>
+                </c:pt>
+                <c:pt idx="2">
+                  <c:v>12</c:v>
+                </c:pt>
+                <c:pt idx="3">
+                  <c:v>13</c:v>
+                </c:pt>
+                <c:pt idx="4">
+                  <c:v>14</c:v>
+                </c:pt>
+                <c:pt idx="5">
+                  <c:v>15</c:v>
+                </c:pt>
+                <c:pt idx="6">
+                  <c:v>16</c:v>
+                </c:pt>
+                <c:pt idx="7">
+                  <c:v>17</c:v>
+                </c:pt>
+                <c:pt idx="8">
+                  <c:v>18</c:v>
+                </c:pt>
+                <c:pt idx="9">
+                  <c:v>19</c:v>
+                </c:pt>
+                <c:pt idx="10">
+                  <c:v>20</c:v>
+                </c:pt>
+                <c:pt idx="11">
+                  <c:v>21</c:v>
+                </c:pt>
+                <c:pt idx="12">
+                  <c:v>22</c:v>
+                </c:pt>
+                <c:pt idx="13">
+                  <c:v>23</c:v>
+                </c:pt>
+                <c:pt idx="14">
+                  <c:v>24</c:v>
+                </c:pt>
+                <c:pt idx="15">
+                  <c:v>25</c:v>
+                </c:pt>
+              </c:numCache>
+            </c:numRef>
+          </c:xVal>
+          <c:yVal>
+            <c:numRef>
+              <c:f>'Thrust VS VexCL_CUDA'!$B$2:$B$17</c:f>
+              <c:numCache>
+                <c:formatCode>General</c:formatCode>
+                <c:ptCount val="16"/>
+                <c:pt idx="0">
+                  <c:v>28.965800000000002</c:v>
+                </c:pt>
+                <c:pt idx="1">
+                  <c:v>29.994499999999999</c:v>
+                </c:pt>
+                <c:pt idx="2">
+                  <c:v>30.745000000000001</c:v>
+                </c:pt>
+                <c:pt idx="3">
+                  <c:v>31.467099999999999</c:v>
+                </c:pt>
+                <c:pt idx="4">
+                  <c:v>32.013599999999997</c:v>
+                </c:pt>
+                <c:pt idx="5">
+                  <c:v>32.716500000000003</c:v>
+                </c:pt>
+                <c:pt idx="6">
+                  <c:v>33.219499999999996</c:v>
+                </c:pt>
+                <c:pt idx="7">
+                  <c:v>33.661200000000001</c:v>
+                </c:pt>
+                <c:pt idx="8">
+                  <c:v>34.173200000000001</c:v>
+                </c:pt>
+                <c:pt idx="9">
+                  <c:v>34.681399999999996</c:v>
+                </c:pt>
+                <c:pt idx="10">
+                  <c:v>34.962499999999999</c:v>
+                </c:pt>
+                <c:pt idx="11">
+                  <c:v>35.4634</c:v>
+                </c:pt>
+                <c:pt idx="12">
+                  <c:v>35.211300000000001</c:v>
+                </c:pt>
+                <c:pt idx="13">
+                  <c:v>35.588000000000001</c:v>
+                </c:pt>
+                <c:pt idx="14">
+                  <c:v>36.207700000000003</c:v>
+                </c:pt>
+                <c:pt idx="15">
+                  <c:v>36.561900000000001</c:v>
+                </c:pt>
+              </c:numCache>
+            </c:numRef>
+          </c:yVal>
+          <c:smooth val="1"/>
+        </c:ser>
+        <c:ser>
+          <c:idx val="1"/>
+          <c:order val="1"/>
+          <c:tx>
+            <c:strRef>
+              <c:f>'Thrust VS VexCL_CUDA'!$C$1</c:f>
+              <c:strCache>
+                <c:ptCount val="1"/>
+                <c:pt idx="0">
+                  <c:v>Tesla_K40c_Thrust</c:v>
+                </c:pt>
+              </c:strCache>
+            </c:strRef>
+          </c:tx>
+          <c:xVal>
+            <c:numRef>
+              <c:f>'Thrust VS VexCL_CUDA'!$A$2:$A$17</c:f>
+              <c:numCache>
+                <c:formatCode>General</c:formatCode>
+                <c:ptCount val="16"/>
+                <c:pt idx="0">
+                  <c:v>10</c:v>
+                </c:pt>
+                <c:pt idx="1">
+                  <c:v>11</c:v>
+                </c:pt>
+                <c:pt idx="2">
+                  <c:v>12</c:v>
+                </c:pt>
+                <c:pt idx="3">
+                  <c:v>13</c:v>
+                </c:pt>
+                <c:pt idx="4">
+                  <c:v>14</c:v>
+                </c:pt>
+                <c:pt idx="5">
+                  <c:v>15</c:v>
+                </c:pt>
+                <c:pt idx="6">
+                  <c:v>16</c:v>
+                </c:pt>
+                <c:pt idx="7">
+                  <c:v>17</c:v>
+                </c:pt>
+                <c:pt idx="8">
+                  <c:v>18</c:v>
+                </c:pt>
+                <c:pt idx="9">
+                  <c:v>19</c:v>
+                </c:pt>
+                <c:pt idx="10">
+                  <c:v>20</c:v>
+                </c:pt>
+                <c:pt idx="11">
+                  <c:v>21</c:v>
+                </c:pt>
+                <c:pt idx="12">
+                  <c:v>22</c:v>
+                </c:pt>
+                <c:pt idx="13">
+                  <c:v>23</c:v>
+                </c:pt>
+                <c:pt idx="14">
+                  <c:v>24</c:v>
+                </c:pt>
+                <c:pt idx="15">
+                  <c:v>25</c:v>
+                </c:pt>
+              </c:numCache>
+            </c:numRef>
+          </c:xVal>
+          <c:yVal>
+            <c:numRef>
+              <c:f>'Thrust VS VexCL_CUDA'!$C$2:$C$17</c:f>
+              <c:numCache>
+                <c:formatCode>General</c:formatCode>
+                <c:ptCount val="16"/>
+                <c:pt idx="0">
+                  <c:v>25.707799999999999</c:v>
+                </c:pt>
+                <c:pt idx="1">
+                  <c:v>26.540299999999998</c:v>
+                </c:pt>
+                <c:pt idx="2">
+                  <c:v>27.552700000000002</c:v>
+                </c:pt>
+                <c:pt idx="3">
+                  <c:v>28.304500000000001</c:v>
+                </c:pt>
+                <c:pt idx="4">
+                  <c:v>28.9512</c:v>
+                </c:pt>
+                <c:pt idx="5">
+                  <c:v>29.673300000000001</c:v>
+                </c:pt>
+                <c:pt idx="6">
+                  <c:v>30.182400000000001</c:v>
+                </c:pt>
+                <c:pt idx="7">
+                  <c:v>30.8217</c:v>
+                </c:pt>
+                <c:pt idx="8">
+                  <c:v>31.186</c:v>
+                </c:pt>
+                <c:pt idx="9">
+                  <c:v>31.770600000000002</c:v>
+                </c:pt>
+                <c:pt idx="10">
+                  <c:v>32.122700000000002</c:v>
+                </c:pt>
+                <c:pt idx="11">
+                  <c:v>32.428899999999999</c:v>
+                </c:pt>
+                <c:pt idx="12">
+                  <c:v>32.740699999999997</c:v>
+                </c:pt>
+                <c:pt idx="13">
+                  <c:v>32.810899999999997</c:v>
+                </c:pt>
+                <c:pt idx="14">
+                  <c:v>33.594700000000003</c:v>
+                </c:pt>
+                <c:pt idx="15">
+                  <c:v>33.964500000000001</c:v>
+                </c:pt>
+              </c:numCache>
+            </c:numRef>
+          </c:yVal>
+          <c:smooth val="1"/>
+        </c:ser>
+        <c:ser>
+          <c:idx val="2"/>
+          <c:order val="2"/>
+          <c:tx>
+            <c:strRef>
+              <c:f>'Thrust VS VexCL_CUDA'!$D$1</c:f>
+              <c:strCache>
+                <c:ptCount val="1"/>
+                <c:pt idx="0">
+                  <c:v>GTX_770_VexCL</c:v>
+                </c:pt>
+              </c:strCache>
+            </c:strRef>
+          </c:tx>
+          <c:xVal>
+            <c:numRef>
+              <c:f>'Thrust VS VexCL_CUDA'!$A$2:$A$17</c:f>
+              <c:numCache>
+                <c:formatCode>General</c:formatCode>
+                <c:ptCount val="16"/>
+                <c:pt idx="0">
+                  <c:v>10</c:v>
+                </c:pt>
+                <c:pt idx="1">
+                  <c:v>11</c:v>
+                </c:pt>
+                <c:pt idx="2">
+                  <c:v>12</c:v>
+                </c:pt>
+                <c:pt idx="3">
+                  <c:v>13</c:v>
+                </c:pt>
+                <c:pt idx="4">
+                  <c:v>14</c:v>
+                </c:pt>
+                <c:pt idx="5">
+                  <c:v>15</c:v>
+                </c:pt>
+                <c:pt idx="6">
+                  <c:v>16</c:v>
+                </c:pt>
+                <c:pt idx="7">
+                  <c:v>17</c:v>
+                </c:pt>
+                <c:pt idx="8">
+                  <c:v>18</c:v>
+                </c:pt>
+                <c:pt idx="9">
+                  <c:v>19</c:v>
+                </c:pt>
+                <c:pt idx="10">
+                  <c:v>20</c:v>
+                </c:pt>
+                <c:pt idx="11">
+                  <c:v>21</c:v>
+                </c:pt>
+                <c:pt idx="12">
+                  <c:v>22</c:v>
+                </c:pt>
+                <c:pt idx="13">
+                  <c:v>23</c:v>
+                </c:pt>
+                <c:pt idx="14">
+                  <c:v>24</c:v>
+                </c:pt>
+                <c:pt idx="15">
+                  <c:v>25</c:v>
+                </c:pt>
+              </c:numCache>
+            </c:numRef>
+          </c:xVal>
+          <c:yVal>
+            <c:numRef>
+              <c:f>'Thrust VS VexCL_CUDA'!$D$2:$D$17</c:f>
+              <c:numCache>
+                <c:formatCode>General</c:formatCode>
+                <c:ptCount val="16"/>
+                <c:pt idx="0">
+                  <c:v>21.7834</c:v>
+                </c:pt>
+                <c:pt idx="1">
+                  <c:v>21.815999999999999</c:v>
+                </c:pt>
+                <c:pt idx="2">
+                  <c:v>21.895099999999999</c:v>
+                </c:pt>
+                <c:pt idx="3">
+                  <c:v>21.8736</c:v>
+                </c:pt>
+                <c:pt idx="4">
+                  <c:v>21.8719</c:v>
+                </c:pt>
+                <c:pt idx="5">
+                  <c:v>21.9496</c:v>
+                </c:pt>
+                <c:pt idx="6">
+                  <c:v>21.905999999999999</c:v>
+                </c:pt>
+                <c:pt idx="7">
+                  <c:v>21.885999999999999</c:v>
+                </c:pt>
+                <c:pt idx="8">
+                  <c:v>21.929300000000001</c:v>
+                </c:pt>
+                <c:pt idx="9">
+                  <c:v>21.9801</c:v>
+                </c:pt>
+                <c:pt idx="10">
+                  <c:v>21.907599999999999</c:v>
+                </c:pt>
+                <c:pt idx="11">
+                  <c:v>21.937999999999999</c:v>
+                </c:pt>
+                <c:pt idx="12">
+                  <c:v>21.987100000000002</c:v>
+                </c:pt>
+                <c:pt idx="13">
+                  <c:v>21.8764</c:v>
+                </c:pt>
+                <c:pt idx="14">
+                  <c:v>21.985299999999999</c:v>
+                </c:pt>
+                <c:pt idx="15">
+                  <c:v>21.964500000000001</c:v>
+                </c:pt>
+              </c:numCache>
+            </c:numRef>
+          </c:yVal>
+          <c:smooth val="1"/>
+        </c:ser>
+        <c:ser>
+          <c:idx val="3"/>
+          <c:order val="3"/>
+          <c:tx>
+            <c:strRef>
+              <c:f>'Thrust VS VexCL_CUDA'!$E$1</c:f>
+              <c:strCache>
+                <c:ptCount val="1"/>
+                <c:pt idx="0">
+                  <c:v>Tesla_K40c_VexCL</c:v>
+                </c:pt>
+              </c:strCache>
+            </c:strRef>
+          </c:tx>
+          <c:xVal>
+            <c:numRef>
+              <c:f>'Thrust VS VexCL_CUDA'!$A$2:$A$17</c:f>
+              <c:numCache>
+                <c:formatCode>General</c:formatCode>
+                <c:ptCount val="16"/>
+                <c:pt idx="0">
+                  <c:v>10</c:v>
+                </c:pt>
+                <c:pt idx="1">
+                  <c:v>11</c:v>
+                </c:pt>
+                <c:pt idx="2">
+                  <c:v>12</c:v>
+                </c:pt>
+                <c:pt idx="3">
+                  <c:v>13</c:v>
+                </c:pt>
+                <c:pt idx="4">
+                  <c:v>14</c:v>
+                </c:pt>
+                <c:pt idx="5">
+                  <c:v>15</c:v>
+                </c:pt>
+                <c:pt idx="6">
+                  <c:v>16</c:v>
+                </c:pt>
+                <c:pt idx="7">
+                  <c:v>17</c:v>
+                </c:pt>
+                <c:pt idx="8">
+                  <c:v>18</c:v>
+                </c:pt>
+                <c:pt idx="9">
+                  <c:v>19</c:v>
+                </c:pt>
+                <c:pt idx="10">
+                  <c:v>20</c:v>
+                </c:pt>
+                <c:pt idx="11">
+                  <c:v>21</c:v>
+                </c:pt>
+                <c:pt idx="12">
+                  <c:v>22</c:v>
+                </c:pt>
+                <c:pt idx="13">
+                  <c:v>23</c:v>
+                </c:pt>
+                <c:pt idx="14">
+                  <c:v>24</c:v>
+                </c:pt>
+                <c:pt idx="15">
+                  <c:v>25</c:v>
+                </c:pt>
+              </c:numCache>
+            </c:numRef>
+          </c:xVal>
+          <c:yVal>
+            <c:numRef>
+              <c:f>'Thrust VS VexCL_CUDA'!$E$2:$E$17</c:f>
+              <c:numCache>
+                <c:formatCode>General</c:formatCode>
+                <c:ptCount val="16"/>
+                <c:pt idx="0">
+                  <c:v>22.557400000000001</c:v>
+                </c:pt>
+                <c:pt idx="1">
+                  <c:v>22.611499999999999</c:v>
+                </c:pt>
+                <c:pt idx="2">
+                  <c:v>21.147600000000001</c:v>
+                </c:pt>
+                <c:pt idx="3">
+                  <c:v>22.6602</c:v>
+                </c:pt>
+                <c:pt idx="4">
+                  <c:v>22.7178</c:v>
+                </c:pt>
+                <c:pt idx="5">
+                  <c:v>21.0288</c:v>
+                </c:pt>
+                <c:pt idx="6">
+                  <c:v>22.6966</c:v>
+                </c:pt>
+                <c:pt idx="7">
+                  <c:v>22.658999999999999</c:v>
+                </c:pt>
+                <c:pt idx="8">
+                  <c:v>21.222000000000001</c:v>
+                </c:pt>
+                <c:pt idx="9">
+                  <c:v>22.629000000000001</c:v>
+                </c:pt>
+                <c:pt idx="10">
+                  <c:v>22.688099999999999</c:v>
+                </c:pt>
+                <c:pt idx="11">
+                  <c:v>21.131499999999999</c:v>
+                </c:pt>
+                <c:pt idx="12">
+                  <c:v>22.707100000000001</c:v>
+                </c:pt>
+                <c:pt idx="13">
+                  <c:v>22.738600000000002</c:v>
+                </c:pt>
+                <c:pt idx="14">
+                  <c:v>21.2819</c:v>
+                </c:pt>
+                <c:pt idx="15">
+                  <c:v>22.723400000000002</c:v>
+                </c:pt>
+              </c:numCache>
+            </c:numRef>
+          </c:yVal>
+          <c:smooth val="1"/>
+        </c:ser>
+        <c:dLbls>
+          <c:showLegendKey val="0"/>
+          <c:showVal val="0"/>
+          <c:showCatName val="0"/>
+          <c:showSerName val="0"/>
+          <c:showPercent val="0"/>
+          <c:showBubbleSize val="0"/>
+        </c:dLbls>
+        <c:axId val="35761152"/>
+        <c:axId val="36034048"/>
+      </c:scatterChart>
+      <c:valAx>
+        <c:axId val="35761152"/>
+        <c:scaling>
+          <c:orientation val="minMax"/>
+          <c:max val="25"/>
+          <c:min val="10"/>
+        </c:scaling>
+        <c:delete val="0"/>
+        <c:axPos val="b"/>
+        <c:title>
+          <c:tx>
+            <c:rich>
+              <a:bodyPr/>
+              <a:lstStyle/>
+              <a:p>
+                <a:pPr>
+                  <a:defRPr/>
+                </a:pPr>
+                <a:r>
+                  <a:rPr lang="en-US"/>
+                  <a:t>N</a:t>
+                </a:r>
+                <a:r>
+                  <a:rPr lang="en-US" baseline="0"/>
+                  <a:t> million (1024*1024)</a:t>
+                </a:r>
+                <a:endParaRPr lang="en-US"/>
+              </a:p>
+            </c:rich>
+          </c:tx>
+          <c:layout/>
+          <c:overlay val="0"/>
+        </c:title>
+        <c:numFmt formatCode="General" sourceLinked="1"/>
+        <c:majorTickMark val="out"/>
+        <c:minorTickMark val="none"/>
+        <c:tickLblPos val="nextTo"/>
+        <c:crossAx val="36034048"/>
+        <c:crosses val="autoZero"/>
+        <c:crossBetween val="midCat"/>
+        <c:majorUnit val="1"/>
+      </c:valAx>
+      <c:valAx>
+        <c:axId val="36034048"/>
+        <c:scaling>
+          <c:orientation val="minMax"/>
+          <c:max val="40"/>
+          <c:min val="20"/>
+        </c:scaling>
+        <c:delete val="0"/>
+        <c:axPos val="l"/>
+        <c:majorGridlines/>
+        <c:title>
+          <c:tx>
+            <c:rich>
+              <a:bodyPr rot="-5400000" vert="horz"/>
+              <a:lstStyle/>
+              <a:p>
+                <a:pPr>
+                  <a:defRPr/>
+                </a:pPr>
+                <a:r>
+                  <a:rPr lang="en-US"/>
+                  <a:t>GFLOPS</a:t>
+                </a:r>
+              </a:p>
+            </c:rich>
+          </c:tx>
+          <c:layout/>
+          <c:overlay val="0"/>
+        </c:title>
+        <c:numFmt formatCode="General" sourceLinked="1"/>
+        <c:majorTickMark val="out"/>
+        <c:minorTickMark val="none"/>
+        <c:tickLblPos val="nextTo"/>
+        <c:crossAx val="35761152"/>
+        <c:crosses val="autoZero"/>
+        <c:crossBetween val="midCat"/>
+        <c:majorUnit val="2"/>
+      </c:valAx>
+    </c:plotArea>
+    <c:legend>
+      <c:legendPos val="t"/>
+      <c:layout/>
+      <c:overlay val="0"/>
     </c:legend>
     <c:plotVisOnly val="1"/>
     <c:dispBlanksAs val="gap"/>
@@ -1188,11 +3913,11 @@
           <c:showPercent val="0"/>
           <c:showBubbleSize val="0"/>
         </c:dLbls>
-        <c:axId val="64713856"/>
-        <c:axId val="64715776"/>
+        <c:axId val="70487424"/>
+        <c:axId val="31196672"/>
       </c:scatterChart>
       <c:valAx>
-        <c:axId val="64713856"/>
+        <c:axId val="70487424"/>
         <c:scaling>
           <c:orientation val="minMax"/>
           <c:max val="25"/>
@@ -1228,13 +3953,13 @@
         <c:majorTickMark val="out"/>
         <c:minorTickMark val="none"/>
         <c:tickLblPos val="nextTo"/>
-        <c:crossAx val="64715776"/>
+        <c:crossAx val="31196672"/>
         <c:crosses val="autoZero"/>
         <c:crossBetween val="midCat"/>
         <c:majorUnit val="1"/>
       </c:valAx>
       <c:valAx>
-        <c:axId val="64715776"/>
+        <c:axId val="31196672"/>
         <c:scaling>
           <c:orientation val="minMax"/>
           <c:max val="60"/>
@@ -1266,7 +3991,7 @@
         <c:majorTickMark val="out"/>
         <c:minorTickMark val="none"/>
         <c:tickLblPos val="nextTo"/>
-        <c:crossAx val="64713856"/>
+        <c:crossAx val="70487424"/>
         <c:crosses val="autoZero"/>
         <c:crossBetween val="midCat"/>
         <c:majorUnit val="5"/>
@@ -1845,11 +4570,11 @@
           <c:showPercent val="0"/>
           <c:showBubbleSize val="0"/>
         </c:dLbls>
-        <c:axId val="64545536"/>
-        <c:axId val="64548224"/>
+        <c:axId val="31303552"/>
+        <c:axId val="31305728"/>
       </c:scatterChart>
       <c:valAx>
-        <c:axId val="64545536"/>
+        <c:axId val="31303552"/>
         <c:scaling>
           <c:orientation val="minMax"/>
           <c:max val="25"/>
@@ -1885,13 +4610,13 @@
         <c:majorTickMark val="out"/>
         <c:minorTickMark val="none"/>
         <c:tickLblPos val="nextTo"/>
-        <c:crossAx val="64548224"/>
+        <c:crossAx val="31305728"/>
         <c:crosses val="autoZero"/>
         <c:crossBetween val="midCat"/>
         <c:majorUnit val="1"/>
       </c:valAx>
       <c:valAx>
-        <c:axId val="64548224"/>
+        <c:axId val="31305728"/>
         <c:scaling>
           <c:orientation val="minMax"/>
         </c:scaling>
@@ -1921,7 +4646,7 @@
         <c:majorTickMark val="out"/>
         <c:minorTickMark val="none"/>
         <c:tickLblPos val="nextTo"/>
-        <c:crossAx val="64545536"/>
+        <c:crossAx val="31303552"/>
         <c:crosses val="autoZero"/>
         <c:crossBetween val="midCat"/>
         <c:majorUnit val="5"/>
@@ -2630,11 +5355,11 @@
           <c:showPercent val="0"/>
           <c:showBubbleSize val="0"/>
         </c:dLbls>
-        <c:axId val="62610048"/>
-        <c:axId val="62718336"/>
+        <c:axId val="31993856"/>
+        <c:axId val="31995776"/>
       </c:scatterChart>
       <c:valAx>
-        <c:axId val="62610048"/>
+        <c:axId val="31993856"/>
         <c:scaling>
           <c:orientation val="minMax"/>
           <c:max val="25"/>
@@ -2670,13 +5395,13 @@
         <c:majorTickMark val="out"/>
         <c:minorTickMark val="none"/>
         <c:tickLblPos val="nextTo"/>
-        <c:crossAx val="62718336"/>
+        <c:crossAx val="31995776"/>
         <c:crosses val="autoZero"/>
         <c:crossBetween val="midCat"/>
         <c:majorUnit val="1"/>
       </c:valAx>
       <c:valAx>
-        <c:axId val="62718336"/>
+        <c:axId val="31995776"/>
         <c:scaling>
           <c:orientation val="minMax"/>
         </c:scaling>
@@ -2706,7 +5431,7 @@
         <c:majorTickMark val="out"/>
         <c:minorTickMark val="none"/>
         <c:tickLblPos val="nextTo"/>
-        <c:crossAx val="62610048"/>
+        <c:crossAx val="31993856"/>
         <c:crosses val="autoZero"/>
         <c:crossBetween val="midCat"/>
         <c:majorUnit val="8"/>
@@ -3285,11 +6010,11 @@
           <c:showPercent val="0"/>
           <c:showBubbleSize val="0"/>
         </c:dLbls>
-        <c:axId val="65317120"/>
-        <c:axId val="113378048"/>
+        <c:axId val="32121984"/>
+        <c:axId val="32123904"/>
       </c:scatterChart>
       <c:valAx>
-        <c:axId val="65317120"/>
+        <c:axId val="32121984"/>
         <c:scaling>
           <c:orientation val="minMax"/>
           <c:max val="25"/>
@@ -3325,13 +6050,13 @@
         <c:majorTickMark val="out"/>
         <c:minorTickMark val="none"/>
         <c:tickLblPos val="nextTo"/>
-        <c:crossAx val="113378048"/>
+        <c:crossAx val="32123904"/>
         <c:crosses val="autoZero"/>
         <c:crossBetween val="midCat"/>
         <c:majorUnit val="1"/>
       </c:valAx>
       <c:valAx>
-        <c:axId val="113378048"/>
+        <c:axId val="32123904"/>
         <c:scaling>
           <c:orientation val="minMax"/>
           <c:max val="110"/>
@@ -3363,7 +6088,7 @@
         <c:majorTickMark val="out"/>
         <c:minorTickMark val="none"/>
         <c:tickLblPos val="nextTo"/>
-        <c:crossAx val="65317120"/>
+        <c:crossAx val="32121984"/>
         <c:crosses val="autoZero"/>
         <c:crossBetween val="midCat"/>
         <c:majorUnit val="5"/>
@@ -3942,11 +6667,11 @@
           <c:showPercent val="0"/>
           <c:showBubbleSize val="0"/>
         </c:dLbls>
-        <c:axId val="62721024"/>
-        <c:axId val="62740352"/>
+        <c:axId val="32344320"/>
+        <c:axId val="32350592"/>
       </c:scatterChart>
       <c:valAx>
-        <c:axId val="62721024"/>
+        <c:axId val="32344320"/>
         <c:scaling>
           <c:orientation val="minMax"/>
           <c:max val="25"/>
@@ -3982,13 +6707,13 @@
         <c:majorTickMark val="out"/>
         <c:minorTickMark val="none"/>
         <c:tickLblPos val="nextTo"/>
-        <c:crossAx val="62740352"/>
+        <c:crossAx val="32350592"/>
         <c:crosses val="autoZero"/>
         <c:crossBetween val="midCat"/>
         <c:majorUnit val="1"/>
       </c:valAx>
       <c:valAx>
-        <c:axId val="62740352"/>
+        <c:axId val="32350592"/>
         <c:scaling>
           <c:orientation val="minMax"/>
           <c:max val="60"/>
@@ -4020,7 +6745,7 @@
         <c:majorTickMark val="out"/>
         <c:minorTickMark val="none"/>
         <c:tickLblPos val="nextTo"/>
-        <c:crossAx val="62721024"/>
+        <c:crossAx val="32344320"/>
         <c:crosses val="autoZero"/>
         <c:crossBetween val="midCat"/>
         <c:majorUnit val="2"/>
@@ -5249,11 +7974,11 @@
           <c:showPercent val="0"/>
           <c:showBubbleSize val="0"/>
         </c:dLbls>
-        <c:axId val="113421696"/>
-        <c:axId val="113800704"/>
+        <c:axId val="32272384"/>
+        <c:axId val="32274304"/>
       </c:scatterChart>
       <c:valAx>
-        <c:axId val="113421696"/>
+        <c:axId val="32272384"/>
         <c:scaling>
           <c:orientation val="minMax"/>
           <c:max val="25"/>
@@ -5284,13 +8009,13 @@
         <c:majorTickMark val="out"/>
         <c:minorTickMark val="none"/>
         <c:tickLblPos val="nextTo"/>
-        <c:crossAx val="113800704"/>
+        <c:crossAx val="32274304"/>
         <c:crosses val="autoZero"/>
         <c:crossBetween val="midCat"/>
         <c:majorUnit val="1"/>
       </c:valAx>
       <c:valAx>
-        <c:axId val="113800704"/>
+        <c:axId val="32274304"/>
         <c:scaling>
           <c:orientation val="minMax"/>
           <c:max val="300"/>
@@ -5327,7 +8052,7 @@
         <c:majorTickMark val="out"/>
         <c:minorTickMark val="none"/>
         <c:tickLblPos val="nextTo"/>
-        <c:crossAx val="113421696"/>
+        <c:crossAx val="32272384"/>
         <c:crosses val="autoZero"/>
         <c:crossBetween val="midCat"/>
         <c:majorUnit val="20"/>
@@ -5356,6 +8081,1518 @@
     <c:autoUpdate val="0"/>
   </c:externalData>
 </c:chartSpace>
+</file>
+
+<file path=ppt/charts/chart8.xml><?xml version="1.0" encoding="utf-8"?>
+<c:chartSpace xmlns:c="http://schemas.openxmlformats.org/drawingml/2006/chart" xmlns:a="http://schemas.openxmlformats.org/drawingml/2006/main" xmlns:r="http://schemas.openxmlformats.org/officeDocument/2006/relationships">
+  <c:date1904 val="0"/>
+  <c:lang val="en-US"/>
+  <c:roundedCorners val="0"/>
+  <mc:AlternateContent xmlns:mc="http://schemas.openxmlformats.org/markup-compatibility/2006">
+    <mc:Choice xmlns:c14="http://schemas.microsoft.com/office/drawing/2007/8/2/chart" Requires="c14">
+      <c14:style val="102"/>
+    </mc:Choice>
+    <mc:Fallback>
+      <c:style val="2"/>
+    </mc:Fallback>
+  </mc:AlternateContent>
+  <c:chart>
+    <c:autoTitleDeleted val="0"/>
+    <c:plotArea>
+      <c:layout/>
+      <c:scatterChart>
+        <c:scatterStyle val="smoothMarker"/>
+        <c:varyColors val="0"/>
+        <c:ser>
+          <c:idx val="0"/>
+          <c:order val="0"/>
+          <c:tx>
+            <c:strRef>
+              <c:f>'Thrust OMP'!$B$1</c:f>
+              <c:strCache>
+                <c:ptCount val="1"/>
+                <c:pt idx="0">
+                  <c:v>Xeon Phi</c:v>
+                </c:pt>
+              </c:strCache>
+            </c:strRef>
+          </c:tx>
+          <c:xVal>
+            <c:numRef>
+              <c:f>'Thrust OMP'!$A$2:$A$17</c:f>
+              <c:numCache>
+                <c:formatCode>General</c:formatCode>
+                <c:ptCount val="16"/>
+                <c:pt idx="0">
+                  <c:v>10</c:v>
+                </c:pt>
+                <c:pt idx="1">
+                  <c:v>11</c:v>
+                </c:pt>
+                <c:pt idx="2">
+                  <c:v>12</c:v>
+                </c:pt>
+                <c:pt idx="3">
+                  <c:v>13</c:v>
+                </c:pt>
+                <c:pt idx="4">
+                  <c:v>14</c:v>
+                </c:pt>
+                <c:pt idx="5">
+                  <c:v>15</c:v>
+                </c:pt>
+                <c:pt idx="6">
+                  <c:v>16</c:v>
+                </c:pt>
+                <c:pt idx="7">
+                  <c:v>17</c:v>
+                </c:pt>
+                <c:pt idx="8">
+                  <c:v>18</c:v>
+                </c:pt>
+                <c:pt idx="9">
+                  <c:v>19</c:v>
+                </c:pt>
+                <c:pt idx="10">
+                  <c:v>20</c:v>
+                </c:pt>
+                <c:pt idx="11">
+                  <c:v>21</c:v>
+                </c:pt>
+                <c:pt idx="12">
+                  <c:v>22</c:v>
+                </c:pt>
+                <c:pt idx="13">
+                  <c:v>23</c:v>
+                </c:pt>
+                <c:pt idx="14">
+                  <c:v>24</c:v>
+                </c:pt>
+                <c:pt idx="15">
+                  <c:v>25</c:v>
+                </c:pt>
+              </c:numCache>
+            </c:numRef>
+          </c:xVal>
+          <c:yVal>
+            <c:numRef>
+              <c:f>'Thrust OMP'!$B$2:$B$17</c:f>
+              <c:numCache>
+                <c:formatCode>General</c:formatCode>
+                <c:ptCount val="16"/>
+                <c:pt idx="0">
+                  <c:v>32.381399999999999</c:v>
+                </c:pt>
+                <c:pt idx="1">
+                  <c:v>33.068600000000004</c:v>
+                </c:pt>
+                <c:pt idx="2">
+                  <c:v>34.117100000000001</c:v>
+                </c:pt>
+                <c:pt idx="3">
+                  <c:v>34.385599999999997</c:v>
+                </c:pt>
+                <c:pt idx="4">
+                  <c:v>35.145000000000003</c:v>
+                </c:pt>
+                <c:pt idx="5">
+                  <c:v>35.292900000000003</c:v>
+                </c:pt>
+                <c:pt idx="6">
+                  <c:v>35.767699999999998</c:v>
+                </c:pt>
+                <c:pt idx="7">
+                  <c:v>36.1952</c:v>
+                </c:pt>
+                <c:pt idx="8">
+                  <c:v>36.211599999999997</c:v>
+                </c:pt>
+                <c:pt idx="9">
+                  <c:v>36.846899999999998</c:v>
+                </c:pt>
+                <c:pt idx="10">
+                  <c:v>36.877899999999997</c:v>
+                </c:pt>
+                <c:pt idx="11">
+                  <c:v>37.287799999999997</c:v>
+                </c:pt>
+                <c:pt idx="12">
+                  <c:v>37.542099999999998</c:v>
+                </c:pt>
+                <c:pt idx="13">
+                  <c:v>37.626199999999997</c:v>
+                </c:pt>
+                <c:pt idx="14">
+                  <c:v>38.0246</c:v>
+                </c:pt>
+                <c:pt idx="15">
+                  <c:v>37.551299999999998</c:v>
+                </c:pt>
+              </c:numCache>
+            </c:numRef>
+          </c:yVal>
+          <c:smooth val="1"/>
+        </c:ser>
+        <c:ser>
+          <c:idx val="1"/>
+          <c:order val="1"/>
+          <c:tx>
+            <c:strRef>
+              <c:f>'Thrust OMP'!$C$1</c:f>
+              <c:strCache>
+                <c:ptCount val="1"/>
+                <c:pt idx="0">
+                  <c:v>Xeon E5-2690v2</c:v>
+                </c:pt>
+              </c:strCache>
+            </c:strRef>
+          </c:tx>
+          <c:xVal>
+            <c:numRef>
+              <c:f>'Thrust OMP'!$A$2:$A$17</c:f>
+              <c:numCache>
+                <c:formatCode>General</c:formatCode>
+                <c:ptCount val="16"/>
+                <c:pt idx="0">
+                  <c:v>10</c:v>
+                </c:pt>
+                <c:pt idx="1">
+                  <c:v>11</c:v>
+                </c:pt>
+                <c:pt idx="2">
+                  <c:v>12</c:v>
+                </c:pt>
+                <c:pt idx="3">
+                  <c:v>13</c:v>
+                </c:pt>
+                <c:pt idx="4">
+                  <c:v>14</c:v>
+                </c:pt>
+                <c:pt idx="5">
+                  <c:v>15</c:v>
+                </c:pt>
+                <c:pt idx="6">
+                  <c:v>16</c:v>
+                </c:pt>
+                <c:pt idx="7">
+                  <c:v>17</c:v>
+                </c:pt>
+                <c:pt idx="8">
+                  <c:v>18</c:v>
+                </c:pt>
+                <c:pt idx="9">
+                  <c:v>19</c:v>
+                </c:pt>
+                <c:pt idx="10">
+                  <c:v>20</c:v>
+                </c:pt>
+                <c:pt idx="11">
+                  <c:v>21</c:v>
+                </c:pt>
+                <c:pt idx="12">
+                  <c:v>22</c:v>
+                </c:pt>
+                <c:pt idx="13">
+                  <c:v>23</c:v>
+                </c:pt>
+                <c:pt idx="14">
+                  <c:v>24</c:v>
+                </c:pt>
+                <c:pt idx="15">
+                  <c:v>25</c:v>
+                </c:pt>
+              </c:numCache>
+            </c:numRef>
+          </c:xVal>
+          <c:yVal>
+            <c:numRef>
+              <c:f>'Thrust OMP'!$C$2:$C$17</c:f>
+              <c:numCache>
+                <c:formatCode>General</c:formatCode>
+                <c:ptCount val="16"/>
+                <c:pt idx="0">
+                  <c:v>10.9709</c:v>
+                </c:pt>
+                <c:pt idx="1">
+                  <c:v>10.182</c:v>
+                </c:pt>
+                <c:pt idx="2">
+                  <c:v>10.5105</c:v>
+                </c:pt>
+                <c:pt idx="3">
+                  <c:v>10.5139</c:v>
+                </c:pt>
+                <c:pt idx="4">
+                  <c:v>10.772399999999999</c:v>
+                </c:pt>
+                <c:pt idx="5">
+                  <c:v>10.596299999999999</c:v>
+                </c:pt>
+                <c:pt idx="6">
+                  <c:v>10.7193</c:v>
+                </c:pt>
+                <c:pt idx="7">
+                  <c:v>9.5548099999999998</c:v>
+                </c:pt>
+                <c:pt idx="8">
+                  <c:v>10.682600000000001</c:v>
+                </c:pt>
+                <c:pt idx="9">
+                  <c:v>10.632899999999999</c:v>
+                </c:pt>
+                <c:pt idx="10">
+                  <c:v>10.3104</c:v>
+                </c:pt>
+                <c:pt idx="11">
+                  <c:v>11.3996</c:v>
+                </c:pt>
+                <c:pt idx="12">
+                  <c:v>10.608700000000001</c:v>
+                </c:pt>
+                <c:pt idx="13">
+                  <c:v>10.5349</c:v>
+                </c:pt>
+                <c:pt idx="14">
+                  <c:v>8.6944800000000004</c:v>
+                </c:pt>
+                <c:pt idx="15">
+                  <c:v>5.3979900000000001</c:v>
+                </c:pt>
+              </c:numCache>
+            </c:numRef>
+          </c:yVal>
+          <c:smooth val="1"/>
+        </c:ser>
+        <c:ser>
+          <c:idx val="2"/>
+          <c:order val="2"/>
+          <c:tx>
+            <c:strRef>
+              <c:f>'Thrust OMP'!$D$1</c:f>
+              <c:strCache>
+                <c:ptCount val="1"/>
+                <c:pt idx="0">
+                  <c:v>i7-5960X</c:v>
+                </c:pt>
+              </c:strCache>
+            </c:strRef>
+          </c:tx>
+          <c:xVal>
+            <c:numRef>
+              <c:f>'Thrust OMP'!$A$2:$A$17</c:f>
+              <c:numCache>
+                <c:formatCode>General</c:formatCode>
+                <c:ptCount val="16"/>
+                <c:pt idx="0">
+                  <c:v>10</c:v>
+                </c:pt>
+                <c:pt idx="1">
+                  <c:v>11</c:v>
+                </c:pt>
+                <c:pt idx="2">
+                  <c:v>12</c:v>
+                </c:pt>
+                <c:pt idx="3">
+                  <c:v>13</c:v>
+                </c:pt>
+                <c:pt idx="4">
+                  <c:v>14</c:v>
+                </c:pt>
+                <c:pt idx="5">
+                  <c:v>15</c:v>
+                </c:pt>
+                <c:pt idx="6">
+                  <c:v>16</c:v>
+                </c:pt>
+                <c:pt idx="7">
+                  <c:v>17</c:v>
+                </c:pt>
+                <c:pt idx="8">
+                  <c:v>18</c:v>
+                </c:pt>
+                <c:pt idx="9">
+                  <c:v>19</c:v>
+                </c:pt>
+                <c:pt idx="10">
+                  <c:v>20</c:v>
+                </c:pt>
+                <c:pt idx="11">
+                  <c:v>21</c:v>
+                </c:pt>
+                <c:pt idx="12">
+                  <c:v>22</c:v>
+                </c:pt>
+                <c:pt idx="13">
+                  <c:v>23</c:v>
+                </c:pt>
+                <c:pt idx="14">
+                  <c:v>24</c:v>
+                </c:pt>
+                <c:pt idx="15">
+                  <c:v>25</c:v>
+                </c:pt>
+              </c:numCache>
+            </c:numRef>
+          </c:xVal>
+          <c:yVal>
+            <c:numRef>
+              <c:f>'Thrust OMP'!$D$2:$D$17</c:f>
+              <c:numCache>
+                <c:formatCode>General</c:formatCode>
+                <c:ptCount val="16"/>
+                <c:pt idx="0">
+                  <c:v>12.5664</c:v>
+                </c:pt>
+                <c:pt idx="1">
+                  <c:v>12.4451</c:v>
+                </c:pt>
+                <c:pt idx="2">
+                  <c:v>12.507999999999999</c:v>
+                </c:pt>
+                <c:pt idx="3">
+                  <c:v>6.8155599999999996</c:v>
+                </c:pt>
+                <c:pt idx="4">
+                  <c:v>12.4351</c:v>
+                </c:pt>
+                <c:pt idx="5">
+                  <c:v>7.9171500000000004</c:v>
+                </c:pt>
+                <c:pt idx="6">
+                  <c:v>12.516400000000001</c:v>
+                </c:pt>
+                <c:pt idx="7">
+                  <c:v>12.4451</c:v>
+                </c:pt>
+                <c:pt idx="8">
+                  <c:v>9.1739800000000002</c:v>
+                </c:pt>
+                <c:pt idx="9">
+                  <c:v>12.6014</c:v>
+                </c:pt>
+                <c:pt idx="10">
+                  <c:v>12.4848</c:v>
+                </c:pt>
+                <c:pt idx="11">
+                  <c:v>9.9629899999999996</c:v>
+                </c:pt>
+                <c:pt idx="12">
+                  <c:v>12.5558</c:v>
+                </c:pt>
+                <c:pt idx="13">
+                  <c:v>12.3919</c:v>
+                </c:pt>
+                <c:pt idx="14">
+                  <c:v>12.243</c:v>
+                </c:pt>
+                <c:pt idx="15">
+                  <c:v>10.1915</c:v>
+                </c:pt>
+              </c:numCache>
+            </c:numRef>
+          </c:yVal>
+          <c:smooth val="1"/>
+        </c:ser>
+        <c:ser>
+          <c:idx val="3"/>
+          <c:order val="3"/>
+          <c:tx>
+            <c:strRef>
+              <c:f>'Thrust OMP'!$E$1</c:f>
+              <c:strCache>
+                <c:ptCount val="1"/>
+                <c:pt idx="0">
+                  <c:v>Opteron</c:v>
+                </c:pt>
+              </c:strCache>
+            </c:strRef>
+          </c:tx>
+          <c:xVal>
+            <c:numRef>
+              <c:f>'Thrust OMP'!$A$2:$A$17</c:f>
+              <c:numCache>
+                <c:formatCode>General</c:formatCode>
+                <c:ptCount val="16"/>
+                <c:pt idx="0">
+                  <c:v>10</c:v>
+                </c:pt>
+                <c:pt idx="1">
+                  <c:v>11</c:v>
+                </c:pt>
+                <c:pt idx="2">
+                  <c:v>12</c:v>
+                </c:pt>
+                <c:pt idx="3">
+                  <c:v>13</c:v>
+                </c:pt>
+                <c:pt idx="4">
+                  <c:v>14</c:v>
+                </c:pt>
+                <c:pt idx="5">
+                  <c:v>15</c:v>
+                </c:pt>
+                <c:pt idx="6">
+                  <c:v>16</c:v>
+                </c:pt>
+                <c:pt idx="7">
+                  <c:v>17</c:v>
+                </c:pt>
+                <c:pt idx="8">
+                  <c:v>18</c:v>
+                </c:pt>
+                <c:pt idx="9">
+                  <c:v>19</c:v>
+                </c:pt>
+                <c:pt idx="10">
+                  <c:v>20</c:v>
+                </c:pt>
+                <c:pt idx="11">
+                  <c:v>21</c:v>
+                </c:pt>
+                <c:pt idx="12">
+                  <c:v>22</c:v>
+                </c:pt>
+                <c:pt idx="13">
+                  <c:v>23</c:v>
+                </c:pt>
+                <c:pt idx="14">
+                  <c:v>24</c:v>
+                </c:pt>
+                <c:pt idx="15">
+                  <c:v>25</c:v>
+                </c:pt>
+              </c:numCache>
+            </c:numRef>
+          </c:xVal>
+          <c:yVal>
+            <c:numRef>
+              <c:f>'Thrust OMP'!$E$2:$E$17</c:f>
+              <c:numCache>
+                <c:formatCode>General</c:formatCode>
+                <c:ptCount val="16"/>
+                <c:pt idx="0">
+                  <c:v>26.3124</c:v>
+                </c:pt>
+                <c:pt idx="1">
+                  <c:v>23.154599999999999</c:v>
+                </c:pt>
+                <c:pt idx="2">
+                  <c:v>17.741900000000001</c:v>
+                </c:pt>
+                <c:pt idx="3">
+                  <c:v>17.133900000000001</c:v>
+                </c:pt>
+                <c:pt idx="4">
+                  <c:v>12.493499999999999</c:v>
+                </c:pt>
+                <c:pt idx="5">
+                  <c:v>9.6888199999999998</c:v>
+                </c:pt>
+                <c:pt idx="6">
+                  <c:v>8.2768700000000006</c:v>
+                </c:pt>
+                <c:pt idx="7">
+                  <c:v>7.1475</c:v>
+                </c:pt>
+                <c:pt idx="8">
+                  <c:v>6.9266399999999999</c:v>
+                </c:pt>
+                <c:pt idx="9">
+                  <c:v>6.8957899999999999</c:v>
+                </c:pt>
+                <c:pt idx="10">
+                  <c:v>6.9947900000000001</c:v>
+                </c:pt>
+                <c:pt idx="11">
+                  <c:v>6.7560599999999997</c:v>
+                </c:pt>
+                <c:pt idx="12">
+                  <c:v>6.5002800000000001</c:v>
+                </c:pt>
+                <c:pt idx="13">
+                  <c:v>6.5826000000000002</c:v>
+                </c:pt>
+                <c:pt idx="14">
+                  <c:v>6.7717400000000003</c:v>
+                </c:pt>
+                <c:pt idx="15">
+                  <c:v>6.8207700000000004</c:v>
+                </c:pt>
+              </c:numCache>
+            </c:numRef>
+          </c:yVal>
+          <c:smooth val="1"/>
+        </c:ser>
+        <c:dLbls>
+          <c:showLegendKey val="0"/>
+          <c:showVal val="0"/>
+          <c:showCatName val="0"/>
+          <c:showSerName val="0"/>
+          <c:showPercent val="0"/>
+          <c:showBubbleSize val="0"/>
+        </c:dLbls>
+        <c:axId val="35344768"/>
+        <c:axId val="35352576"/>
+      </c:scatterChart>
+      <c:valAx>
+        <c:axId val="35344768"/>
+        <c:scaling>
+          <c:orientation val="minMax"/>
+          <c:max val="25"/>
+          <c:min val="10"/>
+        </c:scaling>
+        <c:delete val="0"/>
+        <c:axPos val="b"/>
+        <c:title>
+          <c:tx>
+            <c:rich>
+              <a:bodyPr/>
+              <a:lstStyle/>
+              <a:p>
+                <a:pPr>
+                  <a:defRPr/>
+                </a:pPr>
+                <a:r>
+                  <a:rPr lang="en-US"/>
+                  <a:t>N</a:t>
+                </a:r>
+                <a:r>
+                  <a:rPr lang="en-US" baseline="0"/>
+                  <a:t> million (1024*1024)</a:t>
+                </a:r>
+                <a:endParaRPr lang="en-US"/>
+              </a:p>
+            </c:rich>
+          </c:tx>
+          <c:layout/>
+          <c:overlay val="0"/>
+        </c:title>
+        <c:numFmt formatCode="General" sourceLinked="1"/>
+        <c:majorTickMark val="out"/>
+        <c:minorTickMark val="none"/>
+        <c:tickLblPos val="nextTo"/>
+        <c:crossAx val="35352576"/>
+        <c:crosses val="autoZero"/>
+        <c:crossBetween val="midCat"/>
+        <c:majorUnit val="1"/>
+      </c:valAx>
+      <c:valAx>
+        <c:axId val="35352576"/>
+        <c:scaling>
+          <c:orientation val="minMax"/>
+        </c:scaling>
+        <c:delete val="0"/>
+        <c:axPos val="l"/>
+        <c:majorGridlines/>
+        <c:title>
+          <c:tx>
+            <c:rich>
+              <a:bodyPr rot="-5400000" vert="horz"/>
+              <a:lstStyle/>
+              <a:p>
+                <a:pPr>
+                  <a:defRPr/>
+                </a:pPr>
+                <a:r>
+                  <a:rPr lang="en-US"/>
+                  <a:t>GFLOPS</a:t>
+                </a:r>
+              </a:p>
+            </c:rich>
+          </c:tx>
+          <c:layout/>
+          <c:overlay val="0"/>
+        </c:title>
+        <c:numFmt formatCode="General" sourceLinked="1"/>
+        <c:majorTickMark val="out"/>
+        <c:minorTickMark val="none"/>
+        <c:tickLblPos val="nextTo"/>
+        <c:crossAx val="35344768"/>
+        <c:crosses val="autoZero"/>
+        <c:crossBetween val="midCat"/>
+        <c:majorUnit val="5"/>
+      </c:valAx>
+    </c:plotArea>
+    <c:legend>
+      <c:legendPos val="t"/>
+      <c:layout/>
+      <c:overlay val="0"/>
+    </c:legend>
+    <c:plotVisOnly val="1"/>
+    <c:dispBlanksAs val="gap"/>
+    <c:showDLblsOverMax val="0"/>
+  </c:chart>
+  <c:externalData r:id="rId1">
+    <c:autoUpdate val="0"/>
+  </c:externalData>
+</c:chartSpace>
+</file>
+
+<file path=ppt/charts/chart9.xml><?xml version="1.0" encoding="utf-8"?>
+<c:chartSpace xmlns:c="http://schemas.openxmlformats.org/drawingml/2006/chart" xmlns:a="http://schemas.openxmlformats.org/drawingml/2006/main" xmlns:r="http://schemas.openxmlformats.org/officeDocument/2006/relationships">
+  <c:date1904 val="0"/>
+  <c:lang val="en-US"/>
+  <c:roundedCorners val="0"/>
+  <mc:AlternateContent xmlns:mc="http://schemas.openxmlformats.org/markup-compatibility/2006">
+    <mc:Choice xmlns:c14="http://schemas.microsoft.com/office/drawing/2007/8/2/chart" Requires="c14">
+      <c14:style val="102"/>
+    </mc:Choice>
+    <mc:Fallback>
+      <c:style val="2"/>
+    </mc:Fallback>
+  </mc:AlternateContent>
+  <c:chart>
+    <c:autoTitleDeleted val="0"/>
+    <c:plotArea>
+      <c:layout/>
+      <c:scatterChart>
+        <c:scatterStyle val="smoothMarker"/>
+        <c:varyColors val="0"/>
+        <c:ser>
+          <c:idx val="0"/>
+          <c:order val="0"/>
+          <c:tx>
+            <c:strRef>
+              <c:f>'Thrust CUDA'!$B$1</c:f>
+              <c:strCache>
+                <c:ptCount val="1"/>
+                <c:pt idx="0">
+                  <c:v>GTX 770</c:v>
+                </c:pt>
+              </c:strCache>
+            </c:strRef>
+          </c:tx>
+          <c:xVal>
+            <c:numRef>
+              <c:f>'Thrust CUDA'!$A$2:$A$17</c:f>
+              <c:numCache>
+                <c:formatCode>General</c:formatCode>
+                <c:ptCount val="16"/>
+                <c:pt idx="0">
+                  <c:v>10</c:v>
+                </c:pt>
+                <c:pt idx="1">
+                  <c:v>11</c:v>
+                </c:pt>
+                <c:pt idx="2">
+                  <c:v>12</c:v>
+                </c:pt>
+                <c:pt idx="3">
+                  <c:v>13</c:v>
+                </c:pt>
+                <c:pt idx="4">
+                  <c:v>14</c:v>
+                </c:pt>
+                <c:pt idx="5">
+                  <c:v>15</c:v>
+                </c:pt>
+                <c:pt idx="6">
+                  <c:v>16</c:v>
+                </c:pt>
+                <c:pt idx="7">
+                  <c:v>17</c:v>
+                </c:pt>
+                <c:pt idx="8">
+                  <c:v>18</c:v>
+                </c:pt>
+                <c:pt idx="9">
+                  <c:v>19</c:v>
+                </c:pt>
+                <c:pt idx="10">
+                  <c:v>20</c:v>
+                </c:pt>
+                <c:pt idx="11">
+                  <c:v>21</c:v>
+                </c:pt>
+                <c:pt idx="12">
+                  <c:v>22</c:v>
+                </c:pt>
+                <c:pt idx="13">
+                  <c:v>23</c:v>
+                </c:pt>
+                <c:pt idx="14">
+                  <c:v>24</c:v>
+                </c:pt>
+                <c:pt idx="15">
+                  <c:v>25</c:v>
+                </c:pt>
+              </c:numCache>
+            </c:numRef>
+          </c:xVal>
+          <c:yVal>
+            <c:numRef>
+              <c:f>'Thrust CUDA'!$B$2:$B$17</c:f>
+              <c:numCache>
+                <c:formatCode>General</c:formatCode>
+                <c:ptCount val="16"/>
+                <c:pt idx="0">
+                  <c:v>28.965800000000002</c:v>
+                </c:pt>
+                <c:pt idx="1">
+                  <c:v>29.994499999999999</c:v>
+                </c:pt>
+                <c:pt idx="2">
+                  <c:v>30.745000000000001</c:v>
+                </c:pt>
+                <c:pt idx="3">
+                  <c:v>31.467099999999999</c:v>
+                </c:pt>
+                <c:pt idx="4">
+                  <c:v>32.013599999999997</c:v>
+                </c:pt>
+                <c:pt idx="5">
+                  <c:v>32.716500000000003</c:v>
+                </c:pt>
+                <c:pt idx="6">
+                  <c:v>33.219499999999996</c:v>
+                </c:pt>
+                <c:pt idx="7">
+                  <c:v>33.661200000000001</c:v>
+                </c:pt>
+                <c:pt idx="8">
+                  <c:v>34.173200000000001</c:v>
+                </c:pt>
+                <c:pt idx="9">
+                  <c:v>34.681399999999996</c:v>
+                </c:pt>
+                <c:pt idx="10">
+                  <c:v>34.962499999999999</c:v>
+                </c:pt>
+                <c:pt idx="11">
+                  <c:v>35.4634</c:v>
+                </c:pt>
+                <c:pt idx="12">
+                  <c:v>35.211300000000001</c:v>
+                </c:pt>
+                <c:pt idx="13">
+                  <c:v>35.588000000000001</c:v>
+                </c:pt>
+                <c:pt idx="14">
+                  <c:v>36.207700000000003</c:v>
+                </c:pt>
+                <c:pt idx="15">
+                  <c:v>36.561900000000001</c:v>
+                </c:pt>
+              </c:numCache>
+            </c:numRef>
+          </c:yVal>
+          <c:smooth val="1"/>
+        </c:ser>
+        <c:ser>
+          <c:idx val="1"/>
+          <c:order val="1"/>
+          <c:tx>
+            <c:strRef>
+              <c:f>'Thrust CUDA'!$C$1</c:f>
+              <c:strCache>
+                <c:ptCount val="1"/>
+                <c:pt idx="0">
+                  <c:v>Tesla K20Xm</c:v>
+                </c:pt>
+              </c:strCache>
+            </c:strRef>
+          </c:tx>
+          <c:xVal>
+            <c:numRef>
+              <c:f>'Thrust CUDA'!$A$2:$A$17</c:f>
+              <c:numCache>
+                <c:formatCode>General</c:formatCode>
+                <c:ptCount val="16"/>
+                <c:pt idx="0">
+                  <c:v>10</c:v>
+                </c:pt>
+                <c:pt idx="1">
+                  <c:v>11</c:v>
+                </c:pt>
+                <c:pt idx="2">
+                  <c:v>12</c:v>
+                </c:pt>
+                <c:pt idx="3">
+                  <c:v>13</c:v>
+                </c:pt>
+                <c:pt idx="4">
+                  <c:v>14</c:v>
+                </c:pt>
+                <c:pt idx="5">
+                  <c:v>15</c:v>
+                </c:pt>
+                <c:pt idx="6">
+                  <c:v>16</c:v>
+                </c:pt>
+                <c:pt idx="7">
+                  <c:v>17</c:v>
+                </c:pt>
+                <c:pt idx="8">
+                  <c:v>18</c:v>
+                </c:pt>
+                <c:pt idx="9">
+                  <c:v>19</c:v>
+                </c:pt>
+                <c:pt idx="10">
+                  <c:v>20</c:v>
+                </c:pt>
+                <c:pt idx="11">
+                  <c:v>21</c:v>
+                </c:pt>
+                <c:pt idx="12">
+                  <c:v>22</c:v>
+                </c:pt>
+                <c:pt idx="13">
+                  <c:v>23</c:v>
+                </c:pt>
+                <c:pt idx="14">
+                  <c:v>24</c:v>
+                </c:pt>
+                <c:pt idx="15">
+                  <c:v>25</c:v>
+                </c:pt>
+              </c:numCache>
+            </c:numRef>
+          </c:xVal>
+          <c:yVal>
+            <c:numRef>
+              <c:f>'Thrust CUDA'!$C$2:$C$17</c:f>
+              <c:numCache>
+                <c:formatCode>General</c:formatCode>
+                <c:ptCount val="16"/>
+                <c:pt idx="0">
+                  <c:v>27.305700000000002</c:v>
+                </c:pt>
+                <c:pt idx="1">
+                  <c:v>28.2319</c:v>
+                </c:pt>
+                <c:pt idx="2">
+                  <c:v>27.9053</c:v>
+                </c:pt>
+                <c:pt idx="3">
+                  <c:v>28.419599999999999</c:v>
+                </c:pt>
+                <c:pt idx="4">
+                  <c:v>30.334499999999998</c:v>
+                </c:pt>
+                <c:pt idx="5">
+                  <c:v>30.366599999999998</c:v>
+                </c:pt>
+                <c:pt idx="6">
+                  <c:v>31.458600000000001</c:v>
+                </c:pt>
+                <c:pt idx="7">
+                  <c:v>31.984000000000002</c:v>
+                </c:pt>
+                <c:pt idx="8">
+                  <c:v>32.371699999999997</c:v>
+                </c:pt>
+                <c:pt idx="9">
+                  <c:v>32.769300000000001</c:v>
+                </c:pt>
+                <c:pt idx="10">
+                  <c:v>33.167299999999997</c:v>
+                </c:pt>
+                <c:pt idx="11">
+                  <c:v>33.515500000000003</c:v>
+                </c:pt>
+                <c:pt idx="12">
+                  <c:v>33.857300000000002</c:v>
+                </c:pt>
+                <c:pt idx="13">
+                  <c:v>34.117800000000003</c:v>
+                </c:pt>
+                <c:pt idx="14">
+                  <c:v>34.389400000000002</c:v>
+                </c:pt>
+                <c:pt idx="15">
+                  <c:v>34.661000000000001</c:v>
+                </c:pt>
+              </c:numCache>
+            </c:numRef>
+          </c:yVal>
+          <c:smooth val="1"/>
+        </c:ser>
+        <c:ser>
+          <c:idx val="2"/>
+          <c:order val="2"/>
+          <c:tx>
+            <c:strRef>
+              <c:f>'Thrust CUDA'!$D$1</c:f>
+              <c:strCache>
+                <c:ptCount val="1"/>
+                <c:pt idx="0">
+                  <c:v>Tesla K40c</c:v>
+                </c:pt>
+              </c:strCache>
+            </c:strRef>
+          </c:tx>
+          <c:xVal>
+            <c:numRef>
+              <c:f>'Thrust CUDA'!$A$2:$A$17</c:f>
+              <c:numCache>
+                <c:formatCode>General</c:formatCode>
+                <c:ptCount val="16"/>
+                <c:pt idx="0">
+                  <c:v>10</c:v>
+                </c:pt>
+                <c:pt idx="1">
+                  <c:v>11</c:v>
+                </c:pt>
+                <c:pt idx="2">
+                  <c:v>12</c:v>
+                </c:pt>
+                <c:pt idx="3">
+                  <c:v>13</c:v>
+                </c:pt>
+                <c:pt idx="4">
+                  <c:v>14</c:v>
+                </c:pt>
+                <c:pt idx="5">
+                  <c:v>15</c:v>
+                </c:pt>
+                <c:pt idx="6">
+                  <c:v>16</c:v>
+                </c:pt>
+                <c:pt idx="7">
+                  <c:v>17</c:v>
+                </c:pt>
+                <c:pt idx="8">
+                  <c:v>18</c:v>
+                </c:pt>
+                <c:pt idx="9">
+                  <c:v>19</c:v>
+                </c:pt>
+                <c:pt idx="10">
+                  <c:v>20</c:v>
+                </c:pt>
+                <c:pt idx="11">
+                  <c:v>21</c:v>
+                </c:pt>
+                <c:pt idx="12">
+                  <c:v>22</c:v>
+                </c:pt>
+                <c:pt idx="13">
+                  <c:v>23</c:v>
+                </c:pt>
+                <c:pt idx="14">
+                  <c:v>24</c:v>
+                </c:pt>
+                <c:pt idx="15">
+                  <c:v>25</c:v>
+                </c:pt>
+              </c:numCache>
+            </c:numRef>
+          </c:xVal>
+          <c:yVal>
+            <c:numRef>
+              <c:f>'Thrust CUDA'!$D$2:$D$17</c:f>
+              <c:numCache>
+                <c:formatCode>General</c:formatCode>
+                <c:ptCount val="16"/>
+                <c:pt idx="0">
+                  <c:v>25.707799999999999</c:v>
+                </c:pt>
+                <c:pt idx="1">
+                  <c:v>26.540299999999998</c:v>
+                </c:pt>
+                <c:pt idx="2">
+                  <c:v>27.552700000000002</c:v>
+                </c:pt>
+                <c:pt idx="3">
+                  <c:v>28.304500000000001</c:v>
+                </c:pt>
+                <c:pt idx="4">
+                  <c:v>28.9512</c:v>
+                </c:pt>
+                <c:pt idx="5">
+                  <c:v>29.673300000000001</c:v>
+                </c:pt>
+                <c:pt idx="6">
+                  <c:v>30.182400000000001</c:v>
+                </c:pt>
+                <c:pt idx="7">
+                  <c:v>30.8217</c:v>
+                </c:pt>
+                <c:pt idx="8">
+                  <c:v>31.186</c:v>
+                </c:pt>
+                <c:pt idx="9">
+                  <c:v>31.770600000000002</c:v>
+                </c:pt>
+                <c:pt idx="10">
+                  <c:v>32.122700000000002</c:v>
+                </c:pt>
+                <c:pt idx="11">
+                  <c:v>32.428899999999999</c:v>
+                </c:pt>
+                <c:pt idx="12">
+                  <c:v>32.740699999999997</c:v>
+                </c:pt>
+                <c:pt idx="13">
+                  <c:v>32.810899999999997</c:v>
+                </c:pt>
+                <c:pt idx="14">
+                  <c:v>33.594700000000003</c:v>
+                </c:pt>
+                <c:pt idx="15">
+                  <c:v>33.964500000000001</c:v>
+                </c:pt>
+              </c:numCache>
+            </c:numRef>
+          </c:yVal>
+          <c:smooth val="1"/>
+        </c:ser>
+        <c:dLbls>
+          <c:showLegendKey val="0"/>
+          <c:showVal val="0"/>
+          <c:showCatName val="0"/>
+          <c:showSerName val="0"/>
+          <c:showPercent val="0"/>
+          <c:showBubbleSize val="0"/>
+        </c:dLbls>
+        <c:axId val="35559680"/>
+        <c:axId val="35742080"/>
+      </c:scatterChart>
+      <c:valAx>
+        <c:axId val="35559680"/>
+        <c:scaling>
+          <c:orientation val="minMax"/>
+          <c:max val="25"/>
+          <c:min val="10"/>
+        </c:scaling>
+        <c:delete val="0"/>
+        <c:axPos val="b"/>
+        <c:title>
+          <c:tx>
+            <c:rich>
+              <a:bodyPr/>
+              <a:lstStyle/>
+              <a:p>
+                <a:pPr>
+                  <a:defRPr/>
+                </a:pPr>
+                <a:r>
+                  <a:rPr lang="en-US"/>
+                  <a:t>N</a:t>
+                </a:r>
+                <a:r>
+                  <a:rPr lang="en-US" baseline="0"/>
+                  <a:t> million (1024*1024)</a:t>
+                </a:r>
+                <a:endParaRPr lang="en-US"/>
+              </a:p>
+            </c:rich>
+          </c:tx>
+          <c:layout/>
+          <c:overlay val="0"/>
+        </c:title>
+        <c:numFmt formatCode="General" sourceLinked="1"/>
+        <c:majorTickMark val="out"/>
+        <c:minorTickMark val="none"/>
+        <c:tickLblPos val="nextTo"/>
+        <c:crossAx val="35742080"/>
+        <c:crosses val="autoZero"/>
+        <c:crossBetween val="midCat"/>
+        <c:majorUnit val="1"/>
+      </c:valAx>
+      <c:valAx>
+        <c:axId val="35742080"/>
+        <c:scaling>
+          <c:orientation val="minMax"/>
+          <c:max val="38"/>
+          <c:min val="25"/>
+        </c:scaling>
+        <c:delete val="0"/>
+        <c:axPos val="l"/>
+        <c:majorGridlines/>
+        <c:title>
+          <c:tx>
+            <c:rich>
+              <a:bodyPr rot="-5400000" vert="horz"/>
+              <a:lstStyle/>
+              <a:p>
+                <a:pPr>
+                  <a:defRPr/>
+                </a:pPr>
+                <a:r>
+                  <a:rPr lang="en-US"/>
+                  <a:t>GFLOPS</a:t>
+                </a:r>
+              </a:p>
+            </c:rich>
+          </c:tx>
+          <c:layout/>
+          <c:overlay val="0"/>
+        </c:title>
+        <c:numFmt formatCode="General" sourceLinked="1"/>
+        <c:majorTickMark val="out"/>
+        <c:minorTickMark val="none"/>
+        <c:tickLblPos val="nextTo"/>
+        <c:crossAx val="35559680"/>
+        <c:crosses val="autoZero"/>
+        <c:crossBetween val="midCat"/>
+        <c:majorUnit val="2"/>
+      </c:valAx>
+    </c:plotArea>
+    <c:legend>
+      <c:legendPos val="t"/>
+      <c:layout/>
+      <c:overlay val="0"/>
+    </c:legend>
+    <c:plotVisOnly val="1"/>
+    <c:dispBlanksAs val="gap"/>
+    <c:showDLblsOverMax val="0"/>
+  </c:chart>
+  <c:externalData r:id="rId1">
+    <c:autoUpdate val="0"/>
+  </c:externalData>
+</c:chartSpace>
+</file>
+
+<file path=ppt/notesMasters/notesMaster1.xml><?xml version="1.0" encoding="utf-8"?>
+<p:notesMaster xmlns:a="http://schemas.openxmlformats.org/drawingml/2006/main" xmlns:r="http://schemas.openxmlformats.org/officeDocument/2006/relationships" xmlns:p="http://schemas.openxmlformats.org/presentationml/2006/main">
+  <p:cSld>
+    <p:bg>
+      <p:bgRef idx="1001">
+        <a:schemeClr val="bg1"/>
+      </p:bgRef>
+    </p:bg>
+    <p:spTree>
+      <p:nvGrpSpPr>
+        <p:cNvPr id="1" name=""/>
+        <p:cNvGrpSpPr/>
+        <p:nvPr/>
+      </p:nvGrpSpPr>
+      <p:grpSpPr>
+        <a:xfrm>
+          <a:off x="0" y="0"/>
+          <a:ext cx="0" cy="0"/>
+          <a:chOff x="0" y="0"/>
+          <a:chExt cx="0" cy="0"/>
+        </a:xfrm>
+      </p:grpSpPr>
+      <p:sp>
+        <p:nvSpPr>
+          <p:cNvPr id="2" name="Header Placeholder 1"/>
+          <p:cNvSpPr>
+            <a:spLocks noGrp="1"/>
+          </p:cNvSpPr>
+          <p:nvPr>
+            <p:ph type="hdr" sz="quarter"/>
+          </p:nvPr>
+        </p:nvSpPr>
+        <p:spPr>
+          <a:xfrm>
+            <a:off x="0" y="0"/>
+            <a:ext cx="2971800" cy="457200"/>
+          </a:xfrm>
+          <a:prstGeom prst="rect">
+            <a:avLst/>
+          </a:prstGeom>
+        </p:spPr>
+        <p:txBody>
+          <a:bodyPr vert="horz" lIns="91440" tIns="45720" rIns="91440" bIns="45720" rtlCol="0"/>
+          <a:lstStyle>
+            <a:lvl1pPr algn="l">
+              <a:defRPr sz="1200"/>
+            </a:lvl1pPr>
+          </a:lstStyle>
+          <a:p>
+            <a:endParaRPr lang="en-US"/>
+          </a:p>
+        </p:txBody>
+      </p:sp>
+      <p:sp>
+        <p:nvSpPr>
+          <p:cNvPr id="3" name="Date Placeholder 2"/>
+          <p:cNvSpPr>
+            <a:spLocks noGrp="1"/>
+          </p:cNvSpPr>
+          <p:nvPr>
+            <p:ph type="dt" idx="1"/>
+          </p:nvPr>
+        </p:nvSpPr>
+        <p:spPr>
+          <a:xfrm>
+            <a:off x="3884613" y="0"/>
+            <a:ext cx="2971800" cy="457200"/>
+          </a:xfrm>
+          <a:prstGeom prst="rect">
+            <a:avLst/>
+          </a:prstGeom>
+        </p:spPr>
+        <p:txBody>
+          <a:bodyPr vert="horz" lIns="91440" tIns="45720" rIns="91440" bIns="45720" rtlCol="0"/>
+          <a:lstStyle>
+            <a:lvl1pPr algn="r">
+              <a:defRPr sz="1200"/>
+            </a:lvl1pPr>
+          </a:lstStyle>
+          <a:p>
+            <a:fld id="{650EE469-00BA-4983-99E8-49201A9B3F3C}" type="datetimeFigureOut">
+              <a:rPr lang="en-US" smtClean="0"/>
+              <a:t>1/5/2015</a:t>
+            </a:fld>
+            <a:endParaRPr lang="en-US"/>
+          </a:p>
+        </p:txBody>
+      </p:sp>
+      <p:sp>
+        <p:nvSpPr>
+          <p:cNvPr id="4" name="Slide Image Placeholder 3"/>
+          <p:cNvSpPr>
+            <a:spLocks noGrp="1" noRot="1" noChangeAspect="1"/>
+          </p:cNvSpPr>
+          <p:nvPr>
+            <p:ph type="sldImg" idx="2"/>
+          </p:nvPr>
+        </p:nvSpPr>
+        <p:spPr>
+          <a:xfrm>
+            <a:off x="1143000" y="685800"/>
+            <a:ext cx="4572000" cy="3429000"/>
+          </a:xfrm>
+          <a:prstGeom prst="rect">
+            <a:avLst/>
+          </a:prstGeom>
+          <a:noFill/>
+          <a:ln w="12700">
+            <a:solidFill>
+              <a:prstClr val="black"/>
+            </a:solidFill>
+          </a:ln>
+        </p:spPr>
+        <p:txBody>
+          <a:bodyPr vert="horz" lIns="91440" tIns="45720" rIns="91440" bIns="45720" rtlCol="0" anchor="ctr"/>
+          <a:lstStyle/>
+          <a:p>
+            <a:endParaRPr lang="en-US"/>
+          </a:p>
+        </p:txBody>
+      </p:sp>
+      <p:sp>
+        <p:nvSpPr>
+          <p:cNvPr id="5" name="Notes Placeholder 4"/>
+          <p:cNvSpPr>
+            <a:spLocks noGrp="1"/>
+          </p:cNvSpPr>
+          <p:nvPr>
+            <p:ph type="body" sz="quarter" idx="3"/>
+          </p:nvPr>
+        </p:nvSpPr>
+        <p:spPr>
+          <a:xfrm>
+            <a:off x="685800" y="4343400"/>
+            <a:ext cx="5486400" cy="4114800"/>
+          </a:xfrm>
+          <a:prstGeom prst="rect">
+            <a:avLst/>
+          </a:prstGeom>
+        </p:spPr>
+        <p:txBody>
+          <a:bodyPr vert="horz" lIns="91440" tIns="45720" rIns="91440" bIns="45720" rtlCol="0"/>
+          <a:lstStyle/>
+          <a:p>
+            <a:pPr lvl="0"/>
+            <a:r>
+              <a:rPr lang="en-US" smtClean="0"/>
+              <a:t>Click to edit Master text styles</a:t>
+            </a:r>
+          </a:p>
+          <a:p>
+            <a:pPr lvl="1"/>
+            <a:r>
+              <a:rPr lang="en-US" smtClean="0"/>
+              <a:t>Second level</a:t>
+            </a:r>
+          </a:p>
+          <a:p>
+            <a:pPr lvl="2"/>
+            <a:r>
+              <a:rPr lang="en-US" smtClean="0"/>
+              <a:t>Third level</a:t>
+            </a:r>
+          </a:p>
+          <a:p>
+            <a:pPr lvl="3"/>
+            <a:r>
+              <a:rPr lang="en-US" smtClean="0"/>
+              <a:t>Fourth level</a:t>
+            </a:r>
+          </a:p>
+          <a:p>
+            <a:pPr lvl="4"/>
+            <a:r>
+              <a:rPr lang="en-US" smtClean="0"/>
+              <a:t>Fifth level</a:t>
+            </a:r>
+            <a:endParaRPr lang="en-US"/>
+          </a:p>
+        </p:txBody>
+      </p:sp>
+      <p:sp>
+        <p:nvSpPr>
+          <p:cNvPr id="6" name="Footer Placeholder 5"/>
+          <p:cNvSpPr>
+            <a:spLocks noGrp="1"/>
+          </p:cNvSpPr>
+          <p:nvPr>
+            <p:ph type="ftr" sz="quarter" idx="4"/>
+          </p:nvPr>
+        </p:nvSpPr>
+        <p:spPr>
+          <a:xfrm>
+            <a:off x="0" y="8685213"/>
+            <a:ext cx="2971800" cy="457200"/>
+          </a:xfrm>
+          <a:prstGeom prst="rect">
+            <a:avLst/>
+          </a:prstGeom>
+        </p:spPr>
+        <p:txBody>
+          <a:bodyPr vert="horz" lIns="91440" tIns="45720" rIns="91440" bIns="45720" rtlCol="0" anchor="b"/>
+          <a:lstStyle>
+            <a:lvl1pPr algn="l">
+              <a:defRPr sz="1200"/>
+            </a:lvl1pPr>
+          </a:lstStyle>
+          <a:p>
+            <a:endParaRPr lang="en-US"/>
+          </a:p>
+        </p:txBody>
+      </p:sp>
+      <p:sp>
+        <p:nvSpPr>
+          <p:cNvPr id="7" name="Slide Number Placeholder 6"/>
+          <p:cNvSpPr>
+            <a:spLocks noGrp="1"/>
+          </p:cNvSpPr>
+          <p:nvPr>
+            <p:ph type="sldNum" sz="quarter" idx="5"/>
+          </p:nvPr>
+        </p:nvSpPr>
+        <p:spPr>
+          <a:xfrm>
+            <a:off x="3884613" y="8685213"/>
+            <a:ext cx="2971800" cy="457200"/>
+          </a:xfrm>
+          <a:prstGeom prst="rect">
+            <a:avLst/>
+          </a:prstGeom>
+        </p:spPr>
+        <p:txBody>
+          <a:bodyPr vert="horz" lIns="91440" tIns="45720" rIns="91440" bIns="45720" rtlCol="0" anchor="b"/>
+          <a:lstStyle>
+            <a:lvl1pPr algn="r">
+              <a:defRPr sz="1200"/>
+            </a:lvl1pPr>
+          </a:lstStyle>
+          <a:p>
+            <a:fld id="{6E881F6B-5D4F-44FB-BB52-9167025B4CE8}" type="slidenum">
+              <a:rPr lang="en-US" smtClean="0"/>
+              <a:t>‹#›</a:t>
+            </a:fld>
+            <a:endParaRPr lang="en-US"/>
+          </a:p>
+        </p:txBody>
+      </p:sp>
+    </p:spTree>
+    <p:extLst>
+      <p:ext uri="{BB962C8B-B14F-4D97-AF65-F5344CB8AC3E}">
+        <p14:creationId xmlns:p14="http://schemas.microsoft.com/office/powerpoint/2010/main" val="2311675867"/>
+      </p:ext>
+    </p:extLst>
+  </p:cSld>
+  <p:clrMap bg1="lt1" tx1="dk1" bg2="lt2" tx2="dk2" accent1="accent1" accent2="accent2" accent3="accent3" accent4="accent4" accent5="accent5" accent6="accent6" hlink="hlink" folHlink="folHlink"/>
+  <p:notesStyle>
+    <a:lvl1pPr marL="0" algn="l" defTabSz="914400" rtl="0" eaLnBrk="1" latinLnBrk="0" hangingPunct="1">
+      <a:defRPr sz="1200" kern="1200">
+        <a:solidFill>
+          <a:schemeClr val="tx1"/>
+        </a:solidFill>
+        <a:latin typeface="+mn-lt"/>
+        <a:ea typeface="+mn-ea"/>
+        <a:cs typeface="+mn-cs"/>
+      </a:defRPr>
+    </a:lvl1pPr>
+    <a:lvl2pPr marL="457200" algn="l" defTabSz="914400" rtl="0" eaLnBrk="1" latinLnBrk="0" hangingPunct="1">
+      <a:defRPr sz="1200" kern="1200">
+        <a:solidFill>
+          <a:schemeClr val="tx1"/>
+        </a:solidFill>
+        <a:latin typeface="+mn-lt"/>
+        <a:ea typeface="+mn-ea"/>
+        <a:cs typeface="+mn-cs"/>
+      </a:defRPr>
+    </a:lvl2pPr>
+    <a:lvl3pPr marL="914400" algn="l" defTabSz="914400" rtl="0" eaLnBrk="1" latinLnBrk="0" hangingPunct="1">
+      <a:defRPr sz="1200" kern="1200">
+        <a:solidFill>
+          <a:schemeClr val="tx1"/>
+        </a:solidFill>
+        <a:latin typeface="+mn-lt"/>
+        <a:ea typeface="+mn-ea"/>
+        <a:cs typeface="+mn-cs"/>
+      </a:defRPr>
+    </a:lvl3pPr>
+    <a:lvl4pPr marL="1371600" algn="l" defTabSz="914400" rtl="0" eaLnBrk="1" latinLnBrk="0" hangingPunct="1">
+      <a:defRPr sz="1200" kern="1200">
+        <a:solidFill>
+          <a:schemeClr val="tx1"/>
+        </a:solidFill>
+        <a:latin typeface="+mn-lt"/>
+        <a:ea typeface="+mn-ea"/>
+        <a:cs typeface="+mn-cs"/>
+      </a:defRPr>
+    </a:lvl4pPr>
+    <a:lvl5pPr marL="1828800" algn="l" defTabSz="914400" rtl="0" eaLnBrk="1" latinLnBrk="0" hangingPunct="1">
+      <a:defRPr sz="1200" kern="1200">
+        <a:solidFill>
+          <a:schemeClr val="tx1"/>
+        </a:solidFill>
+        <a:latin typeface="+mn-lt"/>
+        <a:ea typeface="+mn-ea"/>
+        <a:cs typeface="+mn-cs"/>
+      </a:defRPr>
+    </a:lvl5pPr>
+    <a:lvl6pPr marL="2286000" algn="l" defTabSz="914400" rtl="0" eaLnBrk="1" latinLnBrk="0" hangingPunct="1">
+      <a:defRPr sz="1200" kern="1200">
+        <a:solidFill>
+          <a:schemeClr val="tx1"/>
+        </a:solidFill>
+        <a:latin typeface="+mn-lt"/>
+        <a:ea typeface="+mn-ea"/>
+        <a:cs typeface="+mn-cs"/>
+      </a:defRPr>
+    </a:lvl6pPr>
+    <a:lvl7pPr marL="2743200" algn="l" defTabSz="914400" rtl="0" eaLnBrk="1" latinLnBrk="0" hangingPunct="1">
+      <a:defRPr sz="1200" kern="1200">
+        <a:solidFill>
+          <a:schemeClr val="tx1"/>
+        </a:solidFill>
+        <a:latin typeface="+mn-lt"/>
+        <a:ea typeface="+mn-ea"/>
+        <a:cs typeface="+mn-cs"/>
+      </a:defRPr>
+    </a:lvl7pPr>
+    <a:lvl8pPr marL="3200400" algn="l" defTabSz="914400" rtl="0" eaLnBrk="1" latinLnBrk="0" hangingPunct="1">
+      <a:defRPr sz="1200" kern="1200">
+        <a:solidFill>
+          <a:schemeClr val="tx1"/>
+        </a:solidFill>
+        <a:latin typeface="+mn-lt"/>
+        <a:ea typeface="+mn-ea"/>
+        <a:cs typeface="+mn-cs"/>
+      </a:defRPr>
+    </a:lvl8pPr>
+    <a:lvl9pPr marL="3657600" algn="l" defTabSz="914400" rtl="0" eaLnBrk="1" latinLnBrk="0" hangingPunct="1">
+      <a:defRPr sz="1200" kern="1200">
+        <a:solidFill>
+          <a:schemeClr val="tx1"/>
+        </a:solidFill>
+        <a:latin typeface="+mn-lt"/>
+        <a:ea typeface="+mn-ea"/>
+        <a:cs typeface="+mn-cs"/>
+      </a:defRPr>
+    </a:lvl9pPr>
+  </p:notesStyle>
+</p:notesMaster>
 </file>
 
 <file path=ppt/slideLayouts/slideLayout1.xml><?xml version="1.0" encoding="utf-8"?>
@@ -5539,7 +9776,7 @@
           <a:p>
             <a:fld id="{F4E600E6-F117-458E-B0EB-98CE30D69A68}" type="datetimeFigureOut">
               <a:rPr lang="en-US" smtClean="0"/>
-              <a:t>12/29/2014</a:t>
+              <a:t>1/5/2015</a:t>
             </a:fld>
             <a:endParaRPr lang="en-US"/>
           </a:p>
@@ -5709,7 +9946,7 @@
           <a:p>
             <a:fld id="{F4E600E6-F117-458E-B0EB-98CE30D69A68}" type="datetimeFigureOut">
               <a:rPr lang="en-US" smtClean="0"/>
-              <a:t>12/29/2014</a:t>
+              <a:t>1/5/2015</a:t>
             </a:fld>
             <a:endParaRPr lang="en-US"/>
           </a:p>
@@ -5889,7 +10126,7 @@
           <a:p>
             <a:fld id="{F4E600E6-F117-458E-B0EB-98CE30D69A68}" type="datetimeFigureOut">
               <a:rPr lang="en-US" smtClean="0"/>
-              <a:t>12/29/2014</a:t>
+              <a:t>1/5/2015</a:t>
             </a:fld>
             <a:endParaRPr lang="en-US"/>
           </a:p>
@@ -6059,7 +10296,7 @@
           <a:p>
             <a:fld id="{F4E600E6-F117-458E-B0EB-98CE30D69A68}" type="datetimeFigureOut">
               <a:rPr lang="en-US" smtClean="0"/>
-              <a:t>12/29/2014</a:t>
+              <a:t>1/5/2015</a:t>
             </a:fld>
             <a:endParaRPr lang="en-US"/>
           </a:p>
@@ -6305,7 +10542,7 @@
           <a:p>
             <a:fld id="{F4E600E6-F117-458E-B0EB-98CE30D69A68}" type="datetimeFigureOut">
               <a:rPr lang="en-US" smtClean="0"/>
-              <a:t>12/29/2014</a:t>
+              <a:t>1/5/2015</a:t>
             </a:fld>
             <a:endParaRPr lang="en-US"/>
           </a:p>
@@ -6593,7 +10830,7 @@
           <a:p>
             <a:fld id="{F4E600E6-F117-458E-B0EB-98CE30D69A68}" type="datetimeFigureOut">
               <a:rPr lang="en-US" smtClean="0"/>
-              <a:t>12/29/2014</a:t>
+              <a:t>1/5/2015</a:t>
             </a:fld>
             <a:endParaRPr lang="en-US"/>
           </a:p>
@@ -7015,7 +11252,7 @@
           <a:p>
             <a:fld id="{F4E600E6-F117-458E-B0EB-98CE30D69A68}" type="datetimeFigureOut">
               <a:rPr lang="en-US" smtClean="0"/>
-              <a:t>12/29/2014</a:t>
+              <a:t>1/5/2015</a:t>
             </a:fld>
             <a:endParaRPr lang="en-US"/>
           </a:p>
@@ -7133,7 +11370,7 @@
           <a:p>
             <a:fld id="{F4E600E6-F117-458E-B0EB-98CE30D69A68}" type="datetimeFigureOut">
               <a:rPr lang="en-US" smtClean="0"/>
-              <a:t>12/29/2014</a:t>
+              <a:t>1/5/2015</a:t>
             </a:fld>
             <a:endParaRPr lang="en-US"/>
           </a:p>
@@ -7228,7 +11465,7 @@
           <a:p>
             <a:fld id="{F4E600E6-F117-458E-B0EB-98CE30D69A68}" type="datetimeFigureOut">
               <a:rPr lang="en-US" smtClean="0"/>
-              <a:t>12/29/2014</a:t>
+              <a:t>1/5/2015</a:t>
             </a:fld>
             <a:endParaRPr lang="en-US"/>
           </a:p>
@@ -7505,7 +11742,7 @@
           <a:p>
             <a:fld id="{F4E600E6-F117-458E-B0EB-98CE30D69A68}" type="datetimeFigureOut">
               <a:rPr lang="en-US" smtClean="0"/>
-              <a:t>12/29/2014</a:t>
+              <a:t>1/5/2015</a:t>
             </a:fld>
             <a:endParaRPr lang="en-US"/>
           </a:p>
@@ -7758,7 +11995,7 @@
           <a:p>
             <a:fld id="{F4E600E6-F117-458E-B0EB-98CE30D69A68}" type="datetimeFigureOut">
               <a:rPr lang="en-US" smtClean="0"/>
-              <a:t>12/29/2014</a:t>
+              <a:t>1/5/2015</a:t>
             </a:fld>
             <a:endParaRPr lang="en-US"/>
           </a:p>
@@ -7971,7 +12208,7 @@
           <a:p>
             <a:fld id="{F4E600E6-F117-458E-B0EB-98CE30D69A68}" type="datetimeFigureOut">
               <a:rPr lang="en-US" smtClean="0"/>
-              <a:t>12/29/2014</a:t>
+              <a:t>1/5/2015</a:t>
             </a:fld>
             <a:endParaRPr lang="en-US"/>
           </a:p>
@@ -8356,7 +12593,12 @@
             <p:ph type="ctrTitle"/>
           </p:nvPr>
         </p:nvSpPr>
-        <p:spPr/>
+        <p:spPr>
+          <a:xfrm>
+            <a:off x="685800" y="304800"/>
+            <a:ext cx="7772400" cy="1470025"/>
+          </a:xfrm>
+        </p:spPr>
         <p:txBody>
           <a:bodyPr/>
           <a:lstStyle/>
@@ -8379,7 +12621,12 @@
             <p:ph type="subTitle" idx="1"/>
           </p:nvPr>
         </p:nvSpPr>
-        <p:spPr/>
+        <p:spPr>
+          <a:xfrm>
+            <a:off x="1371600" y="1981200"/>
+            <a:ext cx="6400800" cy="4267200"/>
+          </a:xfrm>
+        </p:spPr>
         <p:txBody>
           <a:bodyPr/>
           <a:lstStyle/>
@@ -8410,8 +12657,205 @@
                   <a:schemeClr val="tx1"/>
                 </a:solidFill>
               </a:rPr>
-              <a:t>10M to 15 M</a:t>
+              <a:t>10M to 25M</a:t>
             </a:r>
+          </a:p>
+          <a:p>
+            <a:endParaRPr lang="en-US" dirty="0" smtClean="0">
+              <a:solidFill>
+                <a:schemeClr val="tx1"/>
+              </a:solidFill>
+            </a:endParaRPr>
+          </a:p>
+          <a:p>
+            <a:pPr algn="l"/>
+            <a:r>
+              <a:rPr lang="en-US" sz="2000" dirty="0" err="1">
+                <a:solidFill>
+                  <a:schemeClr val="tx1"/>
+                </a:solidFill>
+              </a:rPr>
+              <a:t>gflops</a:t>
+            </a:r>
+            <a:r>
+              <a:rPr lang="en-US" sz="2000" dirty="0">
+                <a:solidFill>
+                  <a:schemeClr val="tx1"/>
+                </a:solidFill>
+              </a:rPr>
+              <a:t> </a:t>
+            </a:r>
+            <a:r>
+              <a:rPr lang="en-US" sz="2000" dirty="0" smtClean="0">
+                <a:solidFill>
+                  <a:schemeClr val="tx1"/>
+                </a:solidFill>
+              </a:rPr>
+              <a:t>  = </a:t>
+            </a:r>
+            <a:r>
+              <a:rPr lang="en-US" sz="2000" dirty="0">
+                <a:solidFill>
+                  <a:schemeClr val="tx1"/>
+                </a:solidFill>
+              </a:rPr>
+              <a:t>2.0 * N * RUNS / </a:t>
+            </a:r>
+            <a:r>
+              <a:rPr lang="en-US" sz="2000" dirty="0" err="1">
+                <a:solidFill>
+                  <a:schemeClr val="tx1"/>
+                </a:solidFill>
+              </a:rPr>
+              <a:t>time_elapsed</a:t>
+            </a:r>
+            <a:r>
+              <a:rPr lang="en-US" sz="2000" dirty="0">
+                <a:solidFill>
+                  <a:schemeClr val="tx1"/>
+                </a:solidFill>
+              </a:rPr>
+              <a:t> / 1e9</a:t>
+            </a:r>
+          </a:p>
+          <a:p>
+            <a:pPr algn="l"/>
+            <a:r>
+              <a:rPr lang="en-US" sz="2000" dirty="0" err="1">
+                <a:solidFill>
+                  <a:schemeClr val="tx1"/>
+                </a:solidFill>
+              </a:rPr>
+              <a:t>bwidth</a:t>
+            </a:r>
+            <a:r>
+              <a:rPr lang="en-US" sz="2000" dirty="0">
+                <a:solidFill>
+                  <a:schemeClr val="tx1"/>
+                </a:solidFill>
+              </a:rPr>
+              <a:t> = 2.0 * N * RUNS * </a:t>
+            </a:r>
+            <a:r>
+              <a:rPr lang="en-US" sz="2000" dirty="0" err="1" smtClean="0">
+                <a:solidFill>
+                  <a:schemeClr val="tx1"/>
+                </a:solidFill>
+              </a:rPr>
+              <a:t>sizeof</a:t>
+            </a:r>
+            <a:r>
+              <a:rPr lang="en-US" sz="2000" dirty="0" smtClean="0">
+                <a:solidFill>
+                  <a:schemeClr val="tx1"/>
+                </a:solidFill>
+              </a:rPr>
+              <a:t>(float) </a:t>
+            </a:r>
+            <a:r>
+              <a:rPr lang="en-US" sz="2000" dirty="0">
+                <a:solidFill>
+                  <a:schemeClr val="tx1"/>
+                </a:solidFill>
+              </a:rPr>
+              <a:t>/ </a:t>
+            </a:r>
+            <a:r>
+              <a:rPr lang="en-US" sz="2000" dirty="0" err="1">
+                <a:solidFill>
+                  <a:schemeClr val="tx1"/>
+                </a:solidFill>
+              </a:rPr>
+              <a:t>time_elapsed</a:t>
+            </a:r>
+            <a:r>
+              <a:rPr lang="en-US" sz="2000" dirty="0">
+                <a:solidFill>
+                  <a:schemeClr val="tx1"/>
+                </a:solidFill>
+              </a:rPr>
+              <a:t> / </a:t>
+            </a:r>
+            <a:r>
+              <a:rPr lang="en-US" sz="2000" dirty="0" smtClean="0">
+                <a:solidFill>
+                  <a:schemeClr val="tx1"/>
+                </a:solidFill>
+              </a:rPr>
+              <a:t>1e9</a:t>
+            </a:r>
+          </a:p>
+          <a:p>
+            <a:pPr algn="l"/>
+            <a:endParaRPr lang="en-US" sz="2000" dirty="0">
+              <a:solidFill>
+                <a:schemeClr val="tx1"/>
+              </a:solidFill>
+            </a:endParaRPr>
+          </a:p>
+          <a:p>
+            <a:pPr algn="l"/>
+            <a:r>
+              <a:rPr lang="en-US" sz="2000" dirty="0" smtClean="0">
+                <a:solidFill>
+                  <a:schemeClr val="tx1"/>
+                </a:solidFill>
+                <a:sym typeface="Wingdings" pitchFamily="2" charset="2"/>
+              </a:rPr>
+              <a:t> </a:t>
+            </a:r>
+            <a:r>
+              <a:rPr lang="en-US" sz="2000" dirty="0" err="1">
+                <a:solidFill>
+                  <a:schemeClr val="tx1"/>
+                </a:solidFill>
+                <a:sym typeface="Wingdings" pitchFamily="2" charset="2"/>
+              </a:rPr>
+              <a:t>b</a:t>
+            </a:r>
+            <a:r>
+              <a:rPr lang="en-US" sz="2000" dirty="0" err="1" smtClean="0">
+                <a:solidFill>
+                  <a:schemeClr val="tx1"/>
+                </a:solidFill>
+                <a:sym typeface="Wingdings" pitchFamily="2" charset="2"/>
+              </a:rPr>
+              <a:t>width</a:t>
+            </a:r>
+            <a:r>
+              <a:rPr lang="en-US" sz="2000" dirty="0" smtClean="0">
+                <a:solidFill>
+                  <a:schemeClr val="tx1"/>
+                </a:solidFill>
+                <a:sym typeface="Wingdings" pitchFamily="2" charset="2"/>
+              </a:rPr>
+              <a:t> = </a:t>
+            </a:r>
+            <a:r>
+              <a:rPr lang="en-US" sz="2000" dirty="0" err="1" smtClean="0">
+                <a:solidFill>
+                  <a:schemeClr val="tx1"/>
+                </a:solidFill>
+                <a:sym typeface="Wingdings" pitchFamily="2" charset="2"/>
+              </a:rPr>
+              <a:t>gflops</a:t>
+            </a:r>
+            <a:r>
+              <a:rPr lang="en-US" sz="2000" dirty="0" smtClean="0">
+                <a:solidFill>
+                  <a:schemeClr val="tx1"/>
+                </a:solidFill>
+                <a:sym typeface="Wingdings" pitchFamily="2" charset="2"/>
+              </a:rPr>
+              <a:t> * 4 (GB/sec)</a:t>
+            </a:r>
+            <a:endParaRPr lang="en-US" sz="2000" dirty="0" smtClean="0">
+              <a:solidFill>
+                <a:schemeClr val="tx1"/>
+              </a:solidFill>
+            </a:endParaRPr>
+          </a:p>
+          <a:p>
             <a:endParaRPr lang="en-US" dirty="0">
               <a:solidFill>
                 <a:schemeClr val="tx1"/>
@@ -8424,6 +12868,864 @@
     <p:extLst>
       <p:ext uri="{BB962C8B-B14F-4D97-AF65-F5344CB8AC3E}">
         <p14:creationId xmlns:p14="http://schemas.microsoft.com/office/powerpoint/2010/main" val="793396740"/>
+      </p:ext>
+    </p:extLst>
+  </p:cSld>
+  <p:clrMapOvr>
+    <a:masterClrMapping/>
+  </p:clrMapOvr>
+  <p:timing>
+    <p:tnLst>
+      <p:par>
+        <p:cTn id="1" dur="indefinite" restart="never" nodeType="tmRoot"/>
+      </p:par>
+    </p:tnLst>
+  </p:timing>
+</p:sld>
+</file>
+
+<file path=ppt/slides/slide10.xml><?xml version="1.0" encoding="utf-8"?>
+<p:sld xmlns:a="http://schemas.openxmlformats.org/drawingml/2006/main" xmlns:r="http://schemas.openxmlformats.org/officeDocument/2006/relationships" xmlns:p="http://schemas.openxmlformats.org/presentationml/2006/main">
+  <p:cSld>
+    <p:spTree>
+      <p:nvGrpSpPr>
+        <p:cNvPr id="1" name=""/>
+        <p:cNvGrpSpPr/>
+        <p:nvPr/>
+      </p:nvGrpSpPr>
+      <p:grpSpPr>
+        <a:xfrm>
+          <a:off x="0" y="0"/>
+          <a:ext cx="0" cy="0"/>
+          <a:chOff x="0" y="0"/>
+          <a:chExt cx="0" cy="0"/>
+        </a:xfrm>
+      </p:grpSpPr>
+      <p:sp>
+        <p:nvSpPr>
+          <p:cNvPr id="2" name="Title 1"/>
+          <p:cNvSpPr>
+            <a:spLocks noGrp="1"/>
+          </p:cNvSpPr>
+          <p:nvPr>
+            <p:ph type="ctrTitle"/>
+          </p:nvPr>
+        </p:nvSpPr>
+        <p:spPr>
+          <a:xfrm>
+            <a:off x="685800" y="304800"/>
+            <a:ext cx="7772400" cy="1470025"/>
+          </a:xfrm>
+        </p:spPr>
+        <p:txBody>
+          <a:bodyPr/>
+          <a:lstStyle/>
+          <a:p>
+            <a:r>
+              <a:rPr lang="en-US" u="sng" dirty="0" smtClean="0"/>
+              <a:t>Reduction</a:t>
+            </a:r>
+            <a:endParaRPr lang="en-US" u="sng" dirty="0"/>
+          </a:p>
+        </p:txBody>
+      </p:sp>
+      <p:sp>
+        <p:nvSpPr>
+          <p:cNvPr id="6" name="Subtitle 2"/>
+          <p:cNvSpPr>
+            <a:spLocks noGrp="1"/>
+          </p:cNvSpPr>
+          <p:nvPr>
+            <p:ph type="subTitle" idx="1"/>
+          </p:nvPr>
+        </p:nvSpPr>
+        <p:spPr>
+          <a:xfrm>
+            <a:off x="1143000" y="1752600"/>
+            <a:ext cx="6705600" cy="4724400"/>
+          </a:xfrm>
+        </p:spPr>
+        <p:txBody>
+          <a:bodyPr>
+            <a:normAutofit/>
+          </a:bodyPr>
+          <a:lstStyle/>
+          <a:p>
+            <a:r>
+              <a:rPr lang="en-US" dirty="0" smtClean="0">
+                <a:solidFill>
+                  <a:schemeClr val="tx1"/>
+                </a:solidFill>
+              </a:rPr>
+              <a:t>Transform Reduce [sum(A*B)]</a:t>
+            </a:r>
+          </a:p>
+          <a:p>
+            <a:r>
+              <a:rPr lang="en-US" dirty="0" smtClean="0">
+                <a:solidFill>
+                  <a:schemeClr val="tx1"/>
+                </a:solidFill>
+              </a:rPr>
+              <a:t>Double</a:t>
+            </a:r>
+          </a:p>
+          <a:p>
+            <a:r>
+              <a:rPr lang="en-US" dirty="0" smtClean="0">
+                <a:solidFill>
+                  <a:schemeClr val="tx1"/>
+                </a:solidFill>
+              </a:rPr>
+              <a:t>10M to 25M</a:t>
+            </a:r>
+          </a:p>
+          <a:p>
+            <a:endParaRPr lang="en-US" dirty="0" smtClean="0">
+              <a:solidFill>
+                <a:schemeClr val="tx1"/>
+              </a:solidFill>
+            </a:endParaRPr>
+          </a:p>
+          <a:p>
+            <a:pPr algn="l"/>
+            <a:r>
+              <a:rPr lang="en-US" sz="2000" dirty="0" err="1">
+                <a:solidFill>
+                  <a:schemeClr val="tx1"/>
+                </a:solidFill>
+              </a:rPr>
+              <a:t>gflops</a:t>
+            </a:r>
+            <a:r>
+              <a:rPr lang="en-US" sz="2000" dirty="0">
+                <a:solidFill>
+                  <a:schemeClr val="tx1"/>
+                </a:solidFill>
+              </a:rPr>
+              <a:t> </a:t>
+            </a:r>
+            <a:r>
+              <a:rPr lang="en-US" sz="2000" dirty="0" smtClean="0">
+                <a:solidFill>
+                  <a:schemeClr val="tx1"/>
+                </a:solidFill>
+              </a:rPr>
+              <a:t>  = </a:t>
+            </a:r>
+            <a:r>
+              <a:rPr lang="en-US" sz="2000" dirty="0">
+                <a:solidFill>
+                  <a:schemeClr val="tx1"/>
+                </a:solidFill>
+              </a:rPr>
+              <a:t>2.0 * N * RUNS / </a:t>
+            </a:r>
+            <a:r>
+              <a:rPr lang="en-US" sz="2000" dirty="0" err="1">
+                <a:solidFill>
+                  <a:schemeClr val="tx1"/>
+                </a:solidFill>
+              </a:rPr>
+              <a:t>time_elapsed</a:t>
+            </a:r>
+            <a:r>
+              <a:rPr lang="en-US" sz="2000" dirty="0">
+                <a:solidFill>
+                  <a:schemeClr val="tx1"/>
+                </a:solidFill>
+              </a:rPr>
+              <a:t> / 1e9</a:t>
+            </a:r>
+          </a:p>
+          <a:p>
+            <a:pPr algn="l"/>
+            <a:r>
+              <a:rPr lang="en-US" sz="2000" dirty="0" err="1">
+                <a:solidFill>
+                  <a:schemeClr val="tx1"/>
+                </a:solidFill>
+              </a:rPr>
+              <a:t>bwidth</a:t>
+            </a:r>
+            <a:r>
+              <a:rPr lang="en-US" sz="2000" dirty="0">
+                <a:solidFill>
+                  <a:schemeClr val="tx1"/>
+                </a:solidFill>
+              </a:rPr>
+              <a:t> = 2.0 * N * RUNS * </a:t>
+            </a:r>
+            <a:r>
+              <a:rPr lang="en-US" sz="2000" dirty="0" err="1" smtClean="0">
+                <a:solidFill>
+                  <a:schemeClr val="tx1"/>
+                </a:solidFill>
+              </a:rPr>
+              <a:t>sizeof</a:t>
+            </a:r>
+            <a:r>
+              <a:rPr lang="en-US" sz="2000" dirty="0" smtClean="0">
+                <a:solidFill>
+                  <a:schemeClr val="tx1"/>
+                </a:solidFill>
+              </a:rPr>
+              <a:t>(double) </a:t>
+            </a:r>
+            <a:r>
+              <a:rPr lang="en-US" sz="2000" dirty="0">
+                <a:solidFill>
+                  <a:schemeClr val="tx1"/>
+                </a:solidFill>
+              </a:rPr>
+              <a:t>/ </a:t>
+            </a:r>
+            <a:r>
+              <a:rPr lang="en-US" sz="2000" dirty="0" err="1">
+                <a:solidFill>
+                  <a:schemeClr val="tx1"/>
+                </a:solidFill>
+              </a:rPr>
+              <a:t>time_elapsed</a:t>
+            </a:r>
+            <a:r>
+              <a:rPr lang="en-US" sz="2000" dirty="0">
+                <a:solidFill>
+                  <a:schemeClr val="tx1"/>
+                </a:solidFill>
+              </a:rPr>
+              <a:t> / </a:t>
+            </a:r>
+            <a:r>
+              <a:rPr lang="en-US" sz="2000" dirty="0" smtClean="0">
+                <a:solidFill>
+                  <a:schemeClr val="tx1"/>
+                </a:solidFill>
+              </a:rPr>
+              <a:t>1e9</a:t>
+            </a:r>
+          </a:p>
+          <a:p>
+            <a:pPr algn="l"/>
+            <a:endParaRPr lang="en-US" sz="2000" dirty="0">
+              <a:solidFill>
+                <a:schemeClr val="tx1"/>
+              </a:solidFill>
+            </a:endParaRPr>
+          </a:p>
+          <a:p>
+            <a:pPr algn="l"/>
+            <a:r>
+              <a:rPr lang="en-US" sz="2000" dirty="0" smtClean="0">
+                <a:solidFill>
+                  <a:schemeClr val="tx1"/>
+                </a:solidFill>
+                <a:sym typeface="Wingdings" pitchFamily="2" charset="2"/>
+              </a:rPr>
+              <a:t> </a:t>
+            </a:r>
+            <a:r>
+              <a:rPr lang="en-US" sz="2000" dirty="0" err="1">
+                <a:solidFill>
+                  <a:schemeClr val="tx1"/>
+                </a:solidFill>
+                <a:sym typeface="Wingdings" pitchFamily="2" charset="2"/>
+              </a:rPr>
+              <a:t>b</a:t>
+            </a:r>
+            <a:r>
+              <a:rPr lang="en-US" sz="2000" dirty="0" err="1" smtClean="0">
+                <a:solidFill>
+                  <a:schemeClr val="tx1"/>
+                </a:solidFill>
+                <a:sym typeface="Wingdings" pitchFamily="2" charset="2"/>
+              </a:rPr>
+              <a:t>width</a:t>
+            </a:r>
+            <a:r>
+              <a:rPr lang="en-US" sz="2000" dirty="0" smtClean="0">
+                <a:solidFill>
+                  <a:schemeClr val="tx1"/>
+                </a:solidFill>
+                <a:sym typeface="Wingdings" pitchFamily="2" charset="2"/>
+              </a:rPr>
+              <a:t> = </a:t>
+            </a:r>
+            <a:r>
+              <a:rPr lang="en-US" sz="2000" dirty="0" err="1" smtClean="0">
+                <a:solidFill>
+                  <a:schemeClr val="tx1"/>
+                </a:solidFill>
+                <a:sym typeface="Wingdings" pitchFamily="2" charset="2"/>
+              </a:rPr>
+              <a:t>gflops</a:t>
+            </a:r>
+            <a:r>
+              <a:rPr lang="en-US" sz="2000" dirty="0" smtClean="0">
+                <a:solidFill>
+                  <a:schemeClr val="tx1"/>
+                </a:solidFill>
+                <a:sym typeface="Wingdings" pitchFamily="2" charset="2"/>
+              </a:rPr>
+              <a:t> * 8 (GB/sec)</a:t>
+            </a:r>
+            <a:endParaRPr lang="en-US" sz="2000" dirty="0" smtClean="0">
+              <a:solidFill>
+                <a:schemeClr val="tx1"/>
+              </a:solidFill>
+            </a:endParaRPr>
+          </a:p>
+          <a:p>
+            <a:endParaRPr lang="en-US" dirty="0">
+              <a:solidFill>
+                <a:schemeClr val="tx1"/>
+              </a:solidFill>
+            </a:endParaRPr>
+          </a:p>
+        </p:txBody>
+      </p:sp>
+    </p:spTree>
+    <p:extLst>
+      <p:ext uri="{BB962C8B-B14F-4D97-AF65-F5344CB8AC3E}">
+        <p14:creationId xmlns:p14="http://schemas.microsoft.com/office/powerpoint/2010/main" val="3073106738"/>
+      </p:ext>
+    </p:extLst>
+  </p:cSld>
+  <p:clrMapOvr>
+    <a:masterClrMapping/>
+  </p:clrMapOvr>
+  <p:timing>
+    <p:tnLst>
+      <p:par>
+        <p:cTn id="1" dur="indefinite" restart="never" nodeType="tmRoot"/>
+      </p:par>
+    </p:tnLst>
+  </p:timing>
+</p:sld>
+</file>
+
+<file path=ppt/slides/slide11.xml><?xml version="1.0" encoding="utf-8"?>
+<p:sld xmlns:a="http://schemas.openxmlformats.org/drawingml/2006/main" xmlns:r="http://schemas.openxmlformats.org/officeDocument/2006/relationships" xmlns:p="http://schemas.openxmlformats.org/presentationml/2006/main">
+  <p:cSld>
+    <p:spTree>
+      <p:nvGrpSpPr>
+        <p:cNvPr id="1" name=""/>
+        <p:cNvGrpSpPr/>
+        <p:nvPr/>
+      </p:nvGrpSpPr>
+      <p:grpSpPr>
+        <a:xfrm>
+          <a:off x="0" y="0"/>
+          <a:ext cx="0" cy="0"/>
+          <a:chOff x="0" y="0"/>
+          <a:chExt cx="0" cy="0"/>
+        </a:xfrm>
+      </p:grpSpPr>
+      <p:sp>
+        <p:nvSpPr>
+          <p:cNvPr id="2" name="Title 1"/>
+          <p:cNvSpPr>
+            <a:spLocks noGrp="1"/>
+          </p:cNvSpPr>
+          <p:nvPr>
+            <p:ph type="title"/>
+          </p:nvPr>
+        </p:nvSpPr>
+        <p:spPr>
+          <a:xfrm>
+            <a:off x="457200" y="274638"/>
+            <a:ext cx="8229600" cy="563562"/>
+          </a:xfrm>
+        </p:spPr>
+        <p:txBody>
+          <a:bodyPr>
+            <a:normAutofit fontScale="90000"/>
+          </a:bodyPr>
+          <a:lstStyle/>
+          <a:p>
+            <a:r>
+              <a:rPr lang="en-US" dirty="0" smtClean="0"/>
+              <a:t>Thrust OMP</a:t>
+            </a:r>
+            <a:endParaRPr lang="en-US" dirty="0"/>
+          </a:p>
+        </p:txBody>
+      </p:sp>
+      <p:graphicFrame>
+        <p:nvGraphicFramePr>
+          <p:cNvPr id="7" name="Content Placeholder 6"/>
+          <p:cNvGraphicFramePr>
+            <a:graphicFrameLocks noGrp="1"/>
+          </p:cNvGraphicFramePr>
+          <p:nvPr>
+            <p:ph idx="1"/>
+          </p:nvPr>
+        </p:nvGraphicFramePr>
+        <p:xfrm>
+          <a:off x="228600" y="990600"/>
+          <a:ext cx="8686800" cy="5638800"/>
+        </p:xfrm>
+        <a:graphic>
+          <a:graphicData uri="http://schemas.openxmlformats.org/drawingml/2006/chart">
+            <c:chart xmlns:c="http://schemas.openxmlformats.org/drawingml/2006/chart" xmlns:r="http://schemas.openxmlformats.org/officeDocument/2006/relationships" r:id="rId2"/>
+          </a:graphicData>
+        </a:graphic>
+      </p:graphicFrame>
+    </p:spTree>
+    <p:extLst>
+      <p:ext uri="{BB962C8B-B14F-4D97-AF65-F5344CB8AC3E}">
+        <p14:creationId xmlns:p14="http://schemas.microsoft.com/office/powerpoint/2010/main" val="2193418571"/>
+      </p:ext>
+    </p:extLst>
+  </p:cSld>
+  <p:clrMapOvr>
+    <a:masterClrMapping/>
+  </p:clrMapOvr>
+  <p:timing>
+    <p:tnLst>
+      <p:par>
+        <p:cTn id="1" dur="indefinite" restart="never" nodeType="tmRoot"/>
+      </p:par>
+    </p:tnLst>
+  </p:timing>
+</p:sld>
+</file>
+
+<file path=ppt/slides/slide12.xml><?xml version="1.0" encoding="utf-8"?>
+<p:sld xmlns:a="http://schemas.openxmlformats.org/drawingml/2006/main" xmlns:r="http://schemas.openxmlformats.org/officeDocument/2006/relationships" xmlns:p="http://schemas.openxmlformats.org/presentationml/2006/main">
+  <p:cSld>
+    <p:spTree>
+      <p:nvGrpSpPr>
+        <p:cNvPr id="1" name=""/>
+        <p:cNvGrpSpPr/>
+        <p:nvPr/>
+      </p:nvGrpSpPr>
+      <p:grpSpPr>
+        <a:xfrm>
+          <a:off x="0" y="0"/>
+          <a:ext cx="0" cy="0"/>
+          <a:chOff x="0" y="0"/>
+          <a:chExt cx="0" cy="0"/>
+        </a:xfrm>
+      </p:grpSpPr>
+      <p:sp>
+        <p:nvSpPr>
+          <p:cNvPr id="2" name="Title 1"/>
+          <p:cNvSpPr>
+            <a:spLocks noGrp="1"/>
+          </p:cNvSpPr>
+          <p:nvPr>
+            <p:ph type="title"/>
+          </p:nvPr>
+        </p:nvSpPr>
+        <p:spPr>
+          <a:xfrm>
+            <a:off x="457200" y="274638"/>
+            <a:ext cx="8229600" cy="563562"/>
+          </a:xfrm>
+        </p:spPr>
+        <p:txBody>
+          <a:bodyPr>
+            <a:normAutofit fontScale="90000"/>
+          </a:bodyPr>
+          <a:lstStyle/>
+          <a:p>
+            <a:r>
+              <a:rPr lang="en-US" dirty="0" smtClean="0"/>
+              <a:t>Thrust </a:t>
+            </a:r>
+            <a:r>
+              <a:rPr lang="en-US" dirty="0" smtClean="0"/>
+              <a:t>CUDA</a:t>
+            </a:r>
+            <a:endParaRPr lang="en-US" dirty="0"/>
+          </a:p>
+        </p:txBody>
+      </p:sp>
+      <p:graphicFrame>
+        <p:nvGraphicFramePr>
+          <p:cNvPr id="5" name="Content Placeholder 4"/>
+          <p:cNvGraphicFramePr>
+            <a:graphicFrameLocks noGrp="1"/>
+          </p:cNvGraphicFramePr>
+          <p:nvPr>
+            <p:ph idx="1"/>
+          </p:nvPr>
+        </p:nvGraphicFramePr>
+        <p:xfrm>
+          <a:off x="228600" y="990600"/>
+          <a:ext cx="8686800" cy="5638800"/>
+        </p:xfrm>
+        <a:graphic>
+          <a:graphicData uri="http://schemas.openxmlformats.org/drawingml/2006/chart">
+            <c:chart xmlns:c="http://schemas.openxmlformats.org/drawingml/2006/chart" xmlns:r="http://schemas.openxmlformats.org/officeDocument/2006/relationships" r:id="rId2"/>
+          </a:graphicData>
+        </a:graphic>
+      </p:graphicFrame>
+    </p:spTree>
+    <p:extLst>
+      <p:ext uri="{BB962C8B-B14F-4D97-AF65-F5344CB8AC3E}">
+        <p14:creationId xmlns:p14="http://schemas.microsoft.com/office/powerpoint/2010/main" val="910786139"/>
+      </p:ext>
+    </p:extLst>
+  </p:cSld>
+  <p:clrMapOvr>
+    <a:masterClrMapping/>
+  </p:clrMapOvr>
+  <p:timing>
+    <p:tnLst>
+      <p:par>
+        <p:cTn id="1" dur="indefinite" restart="never" nodeType="tmRoot"/>
+      </p:par>
+    </p:tnLst>
+  </p:timing>
+</p:sld>
+</file>
+
+<file path=ppt/slides/slide13.xml><?xml version="1.0" encoding="utf-8"?>
+<p:sld xmlns:a="http://schemas.openxmlformats.org/drawingml/2006/main" xmlns:r="http://schemas.openxmlformats.org/officeDocument/2006/relationships" xmlns:p="http://schemas.openxmlformats.org/presentationml/2006/main">
+  <p:cSld>
+    <p:spTree>
+      <p:nvGrpSpPr>
+        <p:cNvPr id="1" name=""/>
+        <p:cNvGrpSpPr/>
+        <p:nvPr/>
+      </p:nvGrpSpPr>
+      <p:grpSpPr>
+        <a:xfrm>
+          <a:off x="0" y="0"/>
+          <a:ext cx="0" cy="0"/>
+          <a:chOff x="0" y="0"/>
+          <a:chExt cx="0" cy="0"/>
+        </a:xfrm>
+      </p:grpSpPr>
+      <p:sp>
+        <p:nvSpPr>
+          <p:cNvPr id="2" name="Title 1"/>
+          <p:cNvSpPr>
+            <a:spLocks noGrp="1"/>
+          </p:cNvSpPr>
+          <p:nvPr>
+            <p:ph type="title"/>
+          </p:nvPr>
+        </p:nvSpPr>
+        <p:spPr>
+          <a:xfrm>
+            <a:off x="457200" y="274638"/>
+            <a:ext cx="8229600" cy="563562"/>
+          </a:xfrm>
+        </p:spPr>
+        <p:txBody>
+          <a:bodyPr>
+            <a:normAutofit fontScale="90000"/>
+          </a:bodyPr>
+          <a:lstStyle/>
+          <a:p>
+            <a:r>
+              <a:rPr lang="en-US" dirty="0" smtClean="0"/>
+              <a:t>VexCL CPU</a:t>
+            </a:r>
+            <a:endParaRPr lang="en-US" dirty="0"/>
+          </a:p>
+        </p:txBody>
+      </p:sp>
+      <p:graphicFrame>
+        <p:nvGraphicFramePr>
+          <p:cNvPr id="5" name="Content Placeholder 4"/>
+          <p:cNvGraphicFramePr>
+            <a:graphicFrameLocks noGrp="1"/>
+          </p:cNvGraphicFramePr>
+          <p:nvPr>
+            <p:ph idx="1"/>
+          </p:nvPr>
+        </p:nvGraphicFramePr>
+        <p:xfrm>
+          <a:off x="228600" y="990600"/>
+          <a:ext cx="8686800" cy="5638800"/>
+        </p:xfrm>
+        <a:graphic>
+          <a:graphicData uri="http://schemas.openxmlformats.org/drawingml/2006/chart">
+            <c:chart xmlns:c="http://schemas.openxmlformats.org/drawingml/2006/chart" xmlns:r="http://schemas.openxmlformats.org/officeDocument/2006/relationships" r:id="rId2"/>
+          </a:graphicData>
+        </a:graphic>
+      </p:graphicFrame>
+    </p:spTree>
+    <p:extLst>
+      <p:ext uri="{BB962C8B-B14F-4D97-AF65-F5344CB8AC3E}">
+        <p14:creationId xmlns:p14="http://schemas.microsoft.com/office/powerpoint/2010/main" val="910786139"/>
+      </p:ext>
+    </p:extLst>
+  </p:cSld>
+  <p:clrMapOvr>
+    <a:masterClrMapping/>
+  </p:clrMapOvr>
+  <p:timing>
+    <p:tnLst>
+      <p:par>
+        <p:cTn id="1" dur="indefinite" restart="never" nodeType="tmRoot"/>
+      </p:par>
+    </p:tnLst>
+  </p:timing>
+</p:sld>
+</file>
+
+<file path=ppt/slides/slide14.xml><?xml version="1.0" encoding="utf-8"?>
+<p:sld xmlns:a="http://schemas.openxmlformats.org/drawingml/2006/main" xmlns:r="http://schemas.openxmlformats.org/officeDocument/2006/relationships" xmlns:p="http://schemas.openxmlformats.org/presentationml/2006/main">
+  <p:cSld>
+    <p:spTree>
+      <p:nvGrpSpPr>
+        <p:cNvPr id="1" name=""/>
+        <p:cNvGrpSpPr/>
+        <p:nvPr/>
+      </p:nvGrpSpPr>
+      <p:grpSpPr>
+        <a:xfrm>
+          <a:off x="0" y="0"/>
+          <a:ext cx="0" cy="0"/>
+          <a:chOff x="0" y="0"/>
+          <a:chExt cx="0" cy="0"/>
+        </a:xfrm>
+      </p:grpSpPr>
+      <p:sp>
+        <p:nvSpPr>
+          <p:cNvPr id="2" name="Title 1"/>
+          <p:cNvSpPr>
+            <a:spLocks noGrp="1"/>
+          </p:cNvSpPr>
+          <p:nvPr>
+            <p:ph type="title"/>
+          </p:nvPr>
+        </p:nvSpPr>
+        <p:spPr>
+          <a:xfrm>
+            <a:off x="457200" y="274638"/>
+            <a:ext cx="8229600" cy="563562"/>
+          </a:xfrm>
+        </p:spPr>
+        <p:txBody>
+          <a:bodyPr>
+            <a:normAutofit fontScale="90000"/>
+          </a:bodyPr>
+          <a:lstStyle/>
+          <a:p>
+            <a:r>
+              <a:rPr lang="en-US" dirty="0"/>
+              <a:t>VexCL </a:t>
+            </a:r>
+            <a:r>
+              <a:rPr lang="en-US" dirty="0" smtClean="0"/>
+              <a:t>GPU</a:t>
+            </a:r>
+            <a:endParaRPr lang="en-US" dirty="0"/>
+          </a:p>
+        </p:txBody>
+      </p:sp>
+      <p:graphicFrame>
+        <p:nvGraphicFramePr>
+          <p:cNvPr id="5" name="Content Placeholder 4"/>
+          <p:cNvGraphicFramePr>
+            <a:graphicFrameLocks noGrp="1"/>
+          </p:cNvGraphicFramePr>
+          <p:nvPr>
+            <p:ph idx="1"/>
+          </p:nvPr>
+        </p:nvGraphicFramePr>
+        <p:xfrm>
+          <a:off x="228600" y="990600"/>
+          <a:ext cx="8686800" cy="5638800"/>
+        </p:xfrm>
+        <a:graphic>
+          <a:graphicData uri="http://schemas.openxmlformats.org/drawingml/2006/chart">
+            <c:chart xmlns:c="http://schemas.openxmlformats.org/drawingml/2006/chart" xmlns:r="http://schemas.openxmlformats.org/officeDocument/2006/relationships" r:id="rId2"/>
+          </a:graphicData>
+        </a:graphic>
+      </p:graphicFrame>
+    </p:spTree>
+    <p:extLst>
+      <p:ext uri="{BB962C8B-B14F-4D97-AF65-F5344CB8AC3E}">
+        <p14:creationId xmlns:p14="http://schemas.microsoft.com/office/powerpoint/2010/main" val="910786139"/>
+      </p:ext>
+    </p:extLst>
+  </p:cSld>
+  <p:clrMapOvr>
+    <a:masterClrMapping/>
+  </p:clrMapOvr>
+  <p:timing>
+    <p:tnLst>
+      <p:par>
+        <p:cTn id="1" dur="indefinite" restart="never" nodeType="tmRoot"/>
+      </p:par>
+    </p:tnLst>
+  </p:timing>
+</p:sld>
+</file>
+
+<file path=ppt/slides/slide15.xml><?xml version="1.0" encoding="utf-8"?>
+<p:sld xmlns:a="http://schemas.openxmlformats.org/drawingml/2006/main" xmlns:r="http://schemas.openxmlformats.org/officeDocument/2006/relationships" xmlns:p="http://schemas.openxmlformats.org/presentationml/2006/main">
+  <p:cSld>
+    <p:spTree>
+      <p:nvGrpSpPr>
+        <p:cNvPr id="1" name=""/>
+        <p:cNvGrpSpPr/>
+        <p:nvPr/>
+      </p:nvGrpSpPr>
+      <p:grpSpPr>
+        <a:xfrm>
+          <a:off x="0" y="0"/>
+          <a:ext cx="0" cy="0"/>
+          <a:chOff x="0" y="0"/>
+          <a:chExt cx="0" cy="0"/>
+        </a:xfrm>
+      </p:grpSpPr>
+      <p:sp>
+        <p:nvSpPr>
+          <p:cNvPr id="2" name="Title 1"/>
+          <p:cNvSpPr>
+            <a:spLocks noGrp="1"/>
+          </p:cNvSpPr>
+          <p:nvPr>
+            <p:ph type="title"/>
+          </p:nvPr>
+        </p:nvSpPr>
+        <p:spPr>
+          <a:xfrm>
+            <a:off x="457200" y="274638"/>
+            <a:ext cx="8229600" cy="563562"/>
+          </a:xfrm>
+        </p:spPr>
+        <p:txBody>
+          <a:bodyPr>
+            <a:normAutofit fontScale="90000"/>
+          </a:bodyPr>
+          <a:lstStyle/>
+          <a:p>
+            <a:r>
+              <a:rPr lang="en-US" dirty="0"/>
+              <a:t>VexCL </a:t>
+            </a:r>
+            <a:r>
+              <a:rPr lang="en-US" dirty="0" smtClean="0"/>
+              <a:t>CUDA</a:t>
+            </a:r>
+            <a:endParaRPr lang="en-US" dirty="0"/>
+          </a:p>
+        </p:txBody>
+      </p:sp>
+      <p:graphicFrame>
+        <p:nvGraphicFramePr>
+          <p:cNvPr id="5" name="Content Placeholder 4"/>
+          <p:cNvGraphicFramePr>
+            <a:graphicFrameLocks noGrp="1"/>
+          </p:cNvGraphicFramePr>
+          <p:nvPr>
+            <p:ph idx="1"/>
+          </p:nvPr>
+        </p:nvGraphicFramePr>
+        <p:xfrm>
+          <a:off x="228600" y="990600"/>
+          <a:ext cx="8686800" cy="5638800"/>
+        </p:xfrm>
+        <a:graphic>
+          <a:graphicData uri="http://schemas.openxmlformats.org/drawingml/2006/chart">
+            <c:chart xmlns:c="http://schemas.openxmlformats.org/drawingml/2006/chart" xmlns:r="http://schemas.openxmlformats.org/officeDocument/2006/relationships" r:id="rId2"/>
+          </a:graphicData>
+        </a:graphic>
+      </p:graphicFrame>
+    </p:spTree>
+    <p:extLst>
+      <p:ext uri="{BB962C8B-B14F-4D97-AF65-F5344CB8AC3E}">
+        <p14:creationId xmlns:p14="http://schemas.microsoft.com/office/powerpoint/2010/main" val="910786139"/>
+      </p:ext>
+    </p:extLst>
+  </p:cSld>
+  <p:clrMapOvr>
+    <a:masterClrMapping/>
+  </p:clrMapOvr>
+  <p:timing>
+    <p:tnLst>
+      <p:par>
+        <p:cTn id="1" dur="indefinite" restart="never" nodeType="tmRoot"/>
+      </p:par>
+    </p:tnLst>
+  </p:timing>
+</p:sld>
+</file>
+
+<file path=ppt/slides/slide16.xml><?xml version="1.0" encoding="utf-8"?>
+<p:sld xmlns:a="http://schemas.openxmlformats.org/drawingml/2006/main" xmlns:r="http://schemas.openxmlformats.org/officeDocument/2006/relationships" xmlns:p="http://schemas.openxmlformats.org/presentationml/2006/main">
+  <p:cSld>
+    <p:spTree>
+      <p:nvGrpSpPr>
+        <p:cNvPr id="1" name=""/>
+        <p:cNvGrpSpPr/>
+        <p:nvPr/>
+      </p:nvGrpSpPr>
+      <p:grpSpPr>
+        <a:xfrm>
+          <a:off x="0" y="0"/>
+          <a:ext cx="0" cy="0"/>
+          <a:chOff x="0" y="0"/>
+          <a:chExt cx="0" cy="0"/>
+        </a:xfrm>
+      </p:grpSpPr>
+      <p:sp>
+        <p:nvSpPr>
+          <p:cNvPr id="2" name="Title 1"/>
+          <p:cNvSpPr>
+            <a:spLocks noGrp="1"/>
+          </p:cNvSpPr>
+          <p:nvPr>
+            <p:ph type="title"/>
+          </p:nvPr>
+        </p:nvSpPr>
+        <p:spPr>
+          <a:xfrm>
+            <a:off x="457200" y="274638"/>
+            <a:ext cx="8229600" cy="563562"/>
+          </a:xfrm>
+        </p:spPr>
+        <p:txBody>
+          <a:bodyPr>
+            <a:normAutofit fontScale="90000"/>
+          </a:bodyPr>
+          <a:lstStyle/>
+          <a:p>
+            <a:r>
+              <a:rPr lang="en-US" dirty="0" smtClean="0"/>
+              <a:t>Thrust </a:t>
+            </a:r>
+            <a:r>
+              <a:rPr lang="en-US" dirty="0" smtClean="0"/>
+              <a:t>VS VexCL CUDA</a:t>
+            </a:r>
+            <a:endParaRPr lang="en-US" dirty="0"/>
+          </a:p>
+        </p:txBody>
+      </p:sp>
+      <p:graphicFrame>
+        <p:nvGraphicFramePr>
+          <p:cNvPr id="5" name="Content Placeholder 4"/>
+          <p:cNvGraphicFramePr>
+            <a:graphicFrameLocks noGrp="1"/>
+          </p:cNvGraphicFramePr>
+          <p:nvPr>
+            <p:ph idx="1"/>
+          </p:nvPr>
+        </p:nvGraphicFramePr>
+        <p:xfrm>
+          <a:off x="228600" y="990600"/>
+          <a:ext cx="8686800" cy="5638800"/>
+        </p:xfrm>
+        <a:graphic>
+          <a:graphicData uri="http://schemas.openxmlformats.org/drawingml/2006/chart">
+            <c:chart xmlns:c="http://schemas.openxmlformats.org/drawingml/2006/chart" xmlns:r="http://schemas.openxmlformats.org/officeDocument/2006/relationships" r:id="rId2"/>
+          </a:graphicData>
+        </a:graphic>
+      </p:graphicFrame>
+    </p:spTree>
+    <p:extLst>
+      <p:ext uri="{BB962C8B-B14F-4D97-AF65-F5344CB8AC3E}">
+        <p14:creationId xmlns:p14="http://schemas.microsoft.com/office/powerpoint/2010/main" val="910786139"/>
       </p:ext>
     </p:extLst>
   </p:cSld>
@@ -8528,12 +13830,8 @@
           </a:p>
           <a:p>
             <a:r>
-              <a:rPr lang="en-US" sz="2800" dirty="0" err="1" smtClean="0"/>
-              <a:t>VexCL</a:t>
-            </a:r>
-            <a:r>
               <a:rPr lang="en-US" sz="2800" dirty="0" smtClean="0"/>
-              <a:t> </a:t>
+              <a:t>VexCL </a:t>
             </a:r>
             <a:r>
               <a:rPr lang="en-US" sz="2800" dirty="0" err="1" smtClean="0"/>
@@ -8817,12 +14115,8 @@
           <a:lstStyle/>
           <a:p>
             <a:r>
-              <a:rPr lang="en-US" dirty="0" err="1" smtClean="0"/>
-              <a:t>VexCL</a:t>
-            </a:r>
-            <a:r>
               <a:rPr lang="en-US" dirty="0" smtClean="0"/>
-              <a:t> CPU</a:t>
+              <a:t>VexCL CPU</a:t>
             </a:r>
             <a:endParaRPr lang="en-US" dirty="0"/>
           </a:p>
@@ -8913,12 +14207,8 @@
           <a:lstStyle/>
           <a:p>
             <a:r>
-              <a:rPr lang="en-US" dirty="0" err="1" smtClean="0"/>
-              <a:t>VexCL</a:t>
-            </a:r>
-            <a:r>
               <a:rPr lang="en-US" dirty="0" smtClean="0"/>
-              <a:t> GPU</a:t>
+              <a:t>VexCL GPU</a:t>
             </a:r>
             <a:endParaRPr lang="en-US" dirty="0"/>
           </a:p>
@@ -9009,12 +14299,8 @@
           <a:lstStyle/>
           <a:p>
             <a:r>
-              <a:rPr lang="en-US" dirty="0" err="1" smtClean="0"/>
-              <a:t>VexCL</a:t>
-            </a:r>
-            <a:r>
               <a:rPr lang="en-US" dirty="0" smtClean="0"/>
-              <a:t> CUDA</a:t>
+              <a:t>VexCL CUDA</a:t>
             </a:r>
             <a:endParaRPr lang="en-US" dirty="0"/>
           </a:p>
@@ -9106,15 +14392,7 @@
           <a:p>
             <a:r>
               <a:rPr lang="en-US" dirty="0" smtClean="0"/>
-              <a:t>Thrust VS </a:t>
-            </a:r>
-            <a:r>
-              <a:rPr lang="en-US" dirty="0" err="1" smtClean="0"/>
-              <a:t>VexCL</a:t>
-            </a:r>
-            <a:r>
-              <a:rPr lang="en-US" dirty="0" smtClean="0"/>
-              <a:t> CUDA</a:t>
+              <a:t>Thrust VS VexCL CUDA</a:t>
             </a:r>
             <a:endParaRPr lang="en-US" dirty="0"/>
           </a:p>
@@ -9205,12 +14483,20 @@
           <a:lstStyle/>
           <a:p>
             <a:r>
+              <a:rPr lang="en-US" dirty="0" smtClean="0"/>
+              <a:t>VexCL </a:t>
+            </a:r>
+            <a:r>
               <a:rPr lang="en-US" dirty="0" err="1" smtClean="0"/>
-              <a:t>VexCL</a:t>
+              <a:t>Memcpy</a:t>
             </a:r>
             <a:r>
               <a:rPr lang="en-US" dirty="0" smtClean="0"/>
-              <a:t> Bandwidth</a:t>
+              <a:t> </a:t>
+            </a:r>
+            <a:r>
+              <a:rPr lang="en-US" dirty="0" smtClean="0"/>
+              <a:t>Host to Device</a:t>
             </a:r>
             <a:endParaRPr lang="en-US" dirty="0"/>
           </a:p>
@@ -9544,4 +14830,289 @@
   <a:objectDefaults/>
   <a:extraClrSchemeLst/>
 </a:theme>
+</file>
+
+<file path=ppt/theme/theme2.xml><?xml version="1.0" encoding="utf-8"?>
+<a:theme xmlns:a="http://schemas.openxmlformats.org/drawingml/2006/main" name="Office Theme">
+  <a:themeElements>
+    <a:clrScheme name="Office">
+      <a:dk1>
+        <a:sysClr val="windowText" lastClr="000000"/>
+      </a:dk1>
+      <a:lt1>
+        <a:sysClr val="window" lastClr="FFFFFF"/>
+      </a:lt1>
+      <a:dk2>
+        <a:srgbClr val="1F497D"/>
+      </a:dk2>
+      <a:lt2>
+        <a:srgbClr val="EEECE1"/>
+      </a:lt2>
+      <a:accent1>
+        <a:srgbClr val="4F81BD"/>
+      </a:accent1>
+      <a:accent2>
+        <a:srgbClr val="C0504D"/>
+      </a:accent2>
+      <a:accent3>
+        <a:srgbClr val="9BBB59"/>
+      </a:accent3>
+      <a:accent4>
+        <a:srgbClr val="8064A2"/>
+      </a:accent4>
+      <a:accent5>
+        <a:srgbClr val="4BACC6"/>
+      </a:accent5>
+      <a:accent6>
+        <a:srgbClr val="F79646"/>
+      </a:accent6>
+      <a:hlink>
+        <a:srgbClr val="0000FF"/>
+      </a:hlink>
+      <a:folHlink>
+        <a:srgbClr val="800080"/>
+      </a:folHlink>
+    </a:clrScheme>
+    <a:fontScheme name="Office">
+      <a:majorFont>
+        <a:latin typeface="Calibri"/>
+        <a:ea typeface=""/>
+        <a:cs typeface=""/>
+        <a:font script="Jpan" typeface="ＭＳ Ｐゴシック"/>
+        <a:font script="Hang" typeface="맑은 고딕"/>
+        <a:font script="Hans" typeface="宋体"/>
+        <a:font script="Hant" typeface="新細明體"/>
+        <a:font script="Arab" typeface="Times New Roman"/>
+        <a:font script="Hebr" typeface="Times New Roman"/>
+        <a:font script="Thai" typeface="Angsana New"/>
+        <a:font script="Ethi" typeface="Nyala"/>
+        <a:font script="Beng" typeface="Vrinda"/>
+        <a:font script="Gujr" typeface="Shruti"/>
+        <a:font script="Khmr" typeface="MoolBoran"/>
+        <a:font script="Knda" typeface="Tunga"/>
+        <a:font script="Guru" typeface="Raavi"/>
+        <a:font script="Cans" typeface="Euphemia"/>
+        <a:font script="Cher" typeface="Plantagenet Cherokee"/>
+        <a:font script="Yiii" typeface="Microsoft Yi Baiti"/>
+        <a:font script="Tibt" typeface="Microsoft Himalaya"/>
+        <a:font script="Thaa" typeface="MV Boli"/>
+        <a:font script="Deva" typeface="Mangal"/>
+        <a:font script="Telu" typeface="Gautami"/>
+        <a:font script="Taml" typeface="Latha"/>
+        <a:font script="Syrc" typeface="Estrangelo Edessa"/>
+        <a:font script="Orya" typeface="Kalinga"/>
+        <a:font script="Mlym" typeface="Kartika"/>
+        <a:font script="Laoo" typeface="DokChampa"/>
+        <a:font script="Sinh" typeface="Iskoola Pota"/>
+        <a:font script="Mong" typeface="Mongolian Baiti"/>
+        <a:font script="Viet" typeface="Times New Roman"/>
+        <a:font script="Uigh" typeface="Microsoft Uighur"/>
+        <a:font script="Geor" typeface="Sylfaen"/>
+      </a:majorFont>
+      <a:minorFont>
+        <a:latin typeface="Calibri"/>
+        <a:ea typeface=""/>
+        <a:cs typeface=""/>
+        <a:font script="Jpan" typeface="ＭＳ Ｐゴシック"/>
+        <a:font script="Hang" typeface="맑은 고딕"/>
+        <a:font script="Hans" typeface="宋体"/>
+        <a:font script="Hant" typeface="新細明體"/>
+        <a:font script="Arab" typeface="Arial"/>
+        <a:font script="Hebr" typeface="Arial"/>
+        <a:font script="Thai" typeface="Cordia New"/>
+        <a:font script="Ethi" typeface="Nyala"/>
+        <a:font script="Beng" typeface="Vrinda"/>
+        <a:font script="Gujr" typeface="Shruti"/>
+        <a:font script="Khmr" typeface="DaunPenh"/>
+        <a:font script="Knda" typeface="Tunga"/>
+        <a:font script="Guru" typeface="Raavi"/>
+        <a:font script="Cans" typeface="Euphemia"/>
+        <a:font script="Cher" typeface="Plantagenet Cherokee"/>
+        <a:font script="Yiii" typeface="Microsoft Yi Baiti"/>
+        <a:font script="Tibt" typeface="Microsoft Himalaya"/>
+        <a:font script="Thaa" typeface="MV Boli"/>
+        <a:font script="Deva" typeface="Mangal"/>
+        <a:font script="Telu" typeface="Gautami"/>
+        <a:font script="Taml" typeface="Latha"/>
+        <a:font script="Syrc" typeface="Estrangelo Edessa"/>
+        <a:font script="Orya" typeface="Kalinga"/>
+        <a:font script="Mlym" typeface="Kartika"/>
+        <a:font script="Laoo" typeface="DokChampa"/>
+        <a:font script="Sinh" typeface="Iskoola Pota"/>
+        <a:font script="Mong" typeface="Mongolian Baiti"/>
+        <a:font script="Viet" typeface="Arial"/>
+        <a:font script="Uigh" typeface="Microsoft Uighur"/>
+        <a:font script="Geor" typeface="Sylfaen"/>
+      </a:minorFont>
+    </a:fontScheme>
+    <a:fmtScheme name="Office">
+      <a:fillStyleLst>
+        <a:solidFill>
+          <a:schemeClr val="phClr"/>
+        </a:solidFill>
+        <a:gradFill rotWithShape="1">
+          <a:gsLst>
+            <a:gs pos="0">
+              <a:schemeClr val="phClr">
+                <a:tint val="50000"/>
+                <a:satMod val="300000"/>
+              </a:schemeClr>
+            </a:gs>
+            <a:gs pos="35000">
+              <a:schemeClr val="phClr">
+                <a:tint val="37000"/>
+                <a:satMod val="300000"/>
+              </a:schemeClr>
+            </a:gs>
+            <a:gs pos="100000">
+              <a:schemeClr val="phClr">
+                <a:tint val="15000"/>
+                <a:satMod val="350000"/>
+              </a:schemeClr>
+            </a:gs>
+          </a:gsLst>
+          <a:lin ang="16200000" scaled="1"/>
+        </a:gradFill>
+        <a:gradFill rotWithShape="1">
+          <a:gsLst>
+            <a:gs pos="0">
+              <a:schemeClr val="phClr">
+                <a:shade val="51000"/>
+                <a:satMod val="130000"/>
+              </a:schemeClr>
+            </a:gs>
+            <a:gs pos="80000">
+              <a:schemeClr val="phClr">
+                <a:shade val="93000"/>
+                <a:satMod val="130000"/>
+              </a:schemeClr>
+            </a:gs>
+            <a:gs pos="100000">
+              <a:schemeClr val="phClr">
+                <a:shade val="94000"/>
+                <a:satMod val="135000"/>
+              </a:schemeClr>
+            </a:gs>
+          </a:gsLst>
+          <a:lin ang="16200000" scaled="0"/>
+        </a:gradFill>
+      </a:fillStyleLst>
+      <a:lnStyleLst>
+        <a:ln w="9525" cap="flat" cmpd="sng" algn="ctr">
+          <a:solidFill>
+            <a:schemeClr val="phClr">
+              <a:shade val="95000"/>
+              <a:satMod val="105000"/>
+            </a:schemeClr>
+          </a:solidFill>
+          <a:prstDash val="solid"/>
+        </a:ln>
+        <a:ln w="25400" cap="flat" cmpd="sng" algn="ctr">
+          <a:solidFill>
+            <a:schemeClr val="phClr"/>
+          </a:solidFill>
+          <a:prstDash val="solid"/>
+        </a:ln>
+        <a:ln w="38100" cap="flat" cmpd="sng" algn="ctr">
+          <a:solidFill>
+            <a:schemeClr val="phClr"/>
+          </a:solidFill>
+          <a:prstDash val="solid"/>
+        </a:ln>
+      </a:lnStyleLst>
+      <a:effectStyleLst>
+        <a:effectStyle>
+          <a:effectLst>
+            <a:outerShdw blurRad="40000" dist="20000" dir="5400000" rotWithShape="0">
+              <a:srgbClr val="000000">
+                <a:alpha val="38000"/>
+              </a:srgbClr>
+            </a:outerShdw>
+          </a:effectLst>
+        </a:effectStyle>
+        <a:effectStyle>
+          <a:effectLst>
+            <a:outerShdw blurRad="40000" dist="23000" dir="5400000" rotWithShape="0">
+              <a:srgbClr val="000000">
+                <a:alpha val="35000"/>
+              </a:srgbClr>
+            </a:outerShdw>
+          </a:effectLst>
+        </a:effectStyle>
+        <a:effectStyle>
+          <a:effectLst>
+            <a:outerShdw blurRad="40000" dist="23000" dir="5400000" rotWithShape="0">
+              <a:srgbClr val="000000">
+                <a:alpha val="35000"/>
+              </a:srgbClr>
+            </a:outerShdw>
+          </a:effectLst>
+          <a:scene3d>
+            <a:camera prst="orthographicFront">
+              <a:rot lat="0" lon="0" rev="0"/>
+            </a:camera>
+            <a:lightRig rig="threePt" dir="t">
+              <a:rot lat="0" lon="0" rev="1200000"/>
+            </a:lightRig>
+          </a:scene3d>
+          <a:sp3d>
+            <a:bevelT w="63500" h="25400"/>
+          </a:sp3d>
+        </a:effectStyle>
+      </a:effectStyleLst>
+      <a:bgFillStyleLst>
+        <a:solidFill>
+          <a:schemeClr val="phClr"/>
+        </a:solidFill>
+        <a:gradFill rotWithShape="1">
+          <a:gsLst>
+            <a:gs pos="0">
+              <a:schemeClr val="phClr">
+                <a:tint val="40000"/>
+                <a:satMod val="350000"/>
+              </a:schemeClr>
+            </a:gs>
+            <a:gs pos="40000">
+              <a:schemeClr val="phClr">
+                <a:tint val="45000"/>
+                <a:shade val="99000"/>
+                <a:satMod val="350000"/>
+              </a:schemeClr>
+            </a:gs>
+            <a:gs pos="100000">
+              <a:schemeClr val="phClr">
+                <a:shade val="20000"/>
+                <a:satMod val="255000"/>
+              </a:schemeClr>
+            </a:gs>
+          </a:gsLst>
+          <a:path path="circle">
+            <a:fillToRect l="50000" t="-80000" r="50000" b="180000"/>
+          </a:path>
+        </a:gradFill>
+        <a:gradFill rotWithShape="1">
+          <a:gsLst>
+            <a:gs pos="0">
+              <a:schemeClr val="phClr">
+                <a:tint val="80000"/>
+                <a:satMod val="300000"/>
+              </a:schemeClr>
+            </a:gs>
+            <a:gs pos="100000">
+              <a:schemeClr val="phClr">
+                <a:shade val="30000"/>
+                <a:satMod val="200000"/>
+              </a:schemeClr>
+            </a:gs>
+          </a:gsLst>
+          <a:path path="circle">
+            <a:fillToRect l="50000" t="50000" r="50000" b="50000"/>
+          </a:path>
+        </a:gradFill>
+      </a:bgFillStyleLst>
+    </a:fmtScheme>
+  </a:themeElements>
+  <a:objectDefaults/>
+  <a:extraClrSchemeLst/>
+</a:theme>
 </file>
--- a/reduce/plots/Plots.pptx
+++ b/reduce/plots/Plots.pptx
@@ -673,11 +673,11 @@
           <c:showPercent val="0"/>
           <c:showBubbleSize val="0"/>
         </c:dLbls>
-        <c:axId val="75123712"/>
-        <c:axId val="75125888"/>
+        <c:axId val="71506944"/>
+        <c:axId val="75220096"/>
       </c:scatterChart>
       <c:valAx>
-        <c:axId val="75123712"/>
+        <c:axId val="71506944"/>
         <c:scaling>
           <c:orientation val="minMax"/>
           <c:max val="25"/>
@@ -713,13 +713,13 @@
         <c:majorTickMark val="out"/>
         <c:minorTickMark val="none"/>
         <c:tickLblPos val="nextTo"/>
-        <c:crossAx val="75125888"/>
+        <c:crossAx val="75220096"/>
         <c:crosses val="autoZero"/>
         <c:crossBetween val="midCat"/>
         <c:majorUnit val="1"/>
       </c:valAx>
       <c:valAx>
-        <c:axId val="75125888"/>
+        <c:axId val="75220096"/>
         <c:scaling>
           <c:orientation val="minMax"/>
         </c:scaling>
@@ -749,7 +749,7 @@
         <c:majorTickMark val="out"/>
         <c:minorTickMark val="none"/>
         <c:tickLblPos val="nextTo"/>
-        <c:crossAx val="75123712"/>
+        <c:crossAx val="71506944"/>
         <c:crosses val="autoZero"/>
         <c:crossBetween val="midCat"/>
         <c:majorUnit val="5"/>
@@ -1328,11 +1328,11 @@
           <c:showPercent val="0"/>
           <c:showBubbleSize val="0"/>
         </c:dLbls>
-        <c:axId val="35817728"/>
-        <c:axId val="35873152"/>
+        <c:axId val="30308224"/>
+        <c:axId val="30310400"/>
       </c:scatterChart>
       <c:valAx>
-        <c:axId val="35817728"/>
+        <c:axId val="30308224"/>
         <c:scaling>
           <c:orientation val="minMax"/>
           <c:max val="25"/>
@@ -1368,13 +1368,13 @@
         <c:majorTickMark val="out"/>
         <c:minorTickMark val="none"/>
         <c:tickLblPos val="nextTo"/>
-        <c:crossAx val="35873152"/>
+        <c:crossAx val="30310400"/>
         <c:crosses val="autoZero"/>
         <c:crossBetween val="midCat"/>
         <c:majorUnit val="1"/>
       </c:valAx>
       <c:valAx>
-        <c:axId val="35873152"/>
+        <c:axId val="30310400"/>
         <c:scaling>
           <c:orientation val="minMax"/>
           <c:max val="6"/>
@@ -1405,7 +1405,7 @@
         <c:majorTickMark val="out"/>
         <c:minorTickMark val="none"/>
         <c:tickLblPos val="nextTo"/>
-        <c:crossAx val="35817728"/>
+        <c:crossAx val="30308224"/>
         <c:crosses val="autoZero"/>
         <c:crossBetween val="midCat"/>
         <c:majorUnit val="1"/>
@@ -2104,11 +2104,11 @@
           <c:showPercent val="0"/>
           <c:showBubbleSize val="0"/>
         </c:dLbls>
-        <c:axId val="35251712"/>
-        <c:axId val="35275136"/>
+        <c:axId val="30228480"/>
+        <c:axId val="30230400"/>
       </c:scatterChart>
       <c:valAx>
-        <c:axId val="35251712"/>
+        <c:axId val="30228480"/>
         <c:scaling>
           <c:orientation val="minMax"/>
           <c:max val="25"/>
@@ -2144,13 +2144,13 @@
         <c:majorTickMark val="out"/>
         <c:minorTickMark val="none"/>
         <c:tickLblPos val="nextTo"/>
-        <c:crossAx val="35275136"/>
+        <c:crossAx val="30230400"/>
         <c:crosses val="autoZero"/>
         <c:crossBetween val="midCat"/>
         <c:majorUnit val="1"/>
       </c:valAx>
       <c:valAx>
-        <c:axId val="35275136"/>
+        <c:axId val="30230400"/>
         <c:scaling>
           <c:orientation val="minMax"/>
         </c:scaling>
@@ -2180,7 +2180,7 @@
         <c:majorTickMark val="out"/>
         <c:minorTickMark val="none"/>
         <c:tickLblPos val="nextTo"/>
-        <c:crossAx val="35251712"/>
+        <c:crossAx val="30228480"/>
         <c:crosses val="autoZero"/>
         <c:crossBetween val="midCat"/>
         <c:majorUnit val="5"/>
@@ -2749,11 +2749,11 @@
           <c:showPercent val="0"/>
           <c:showBubbleSize val="0"/>
         </c:dLbls>
-        <c:axId val="35469568"/>
-        <c:axId val="35485568"/>
+        <c:axId val="30434432"/>
+        <c:axId val="30436352"/>
       </c:scatterChart>
       <c:valAx>
-        <c:axId val="35469568"/>
+        <c:axId val="30434432"/>
         <c:scaling>
           <c:orientation val="minMax"/>
           <c:max val="25"/>
@@ -2789,13 +2789,13 @@
         <c:majorTickMark val="out"/>
         <c:minorTickMark val="none"/>
         <c:tickLblPos val="nextTo"/>
-        <c:crossAx val="35485568"/>
+        <c:crossAx val="30436352"/>
         <c:crosses val="autoZero"/>
         <c:crossBetween val="midCat"/>
         <c:majorUnit val="1"/>
       </c:valAx>
       <c:valAx>
-        <c:axId val="35485568"/>
+        <c:axId val="30436352"/>
         <c:scaling>
           <c:orientation val="minMax"/>
           <c:max val="65"/>
@@ -2827,7 +2827,7 @@
         <c:majorTickMark val="out"/>
         <c:minorTickMark val="none"/>
         <c:tickLblPos val="nextTo"/>
-        <c:crossAx val="35469568"/>
+        <c:crossAx val="30434432"/>
         <c:crosses val="autoZero"/>
         <c:crossBetween val="midCat"/>
         <c:majorUnit val="5"/>
@@ -3396,11 +3396,11 @@
           <c:showPercent val="0"/>
           <c:showBubbleSize val="0"/>
         </c:dLbls>
-        <c:axId val="35761152"/>
-        <c:axId val="36034048"/>
+        <c:axId val="32344320"/>
+        <c:axId val="32354688"/>
       </c:scatterChart>
       <c:valAx>
-        <c:axId val="35761152"/>
+        <c:axId val="32344320"/>
         <c:scaling>
           <c:orientation val="minMax"/>
           <c:max val="25"/>
@@ -3436,13 +3436,13 @@
         <c:majorTickMark val="out"/>
         <c:minorTickMark val="none"/>
         <c:tickLblPos val="nextTo"/>
-        <c:crossAx val="36034048"/>
+        <c:crossAx val="32354688"/>
         <c:crosses val="autoZero"/>
         <c:crossBetween val="midCat"/>
         <c:majorUnit val="1"/>
       </c:valAx>
       <c:valAx>
-        <c:axId val="36034048"/>
+        <c:axId val="32354688"/>
         <c:scaling>
           <c:orientation val="minMax"/>
           <c:max val="40"/>
@@ -3474,7 +3474,7 @@
         <c:majorTickMark val="out"/>
         <c:minorTickMark val="none"/>
         <c:tickLblPos val="nextTo"/>
-        <c:crossAx val="35761152"/>
+        <c:crossAx val="32344320"/>
         <c:crosses val="autoZero"/>
         <c:crossBetween val="midCat"/>
         <c:majorUnit val="2"/>
@@ -3913,11 +3913,11 @@
           <c:showPercent val="0"/>
           <c:showBubbleSize val="0"/>
         </c:dLbls>
-        <c:axId val="70487424"/>
-        <c:axId val="31196672"/>
+        <c:axId val="31214208"/>
+        <c:axId val="31216384"/>
       </c:scatterChart>
       <c:valAx>
-        <c:axId val="70487424"/>
+        <c:axId val="31214208"/>
         <c:scaling>
           <c:orientation val="minMax"/>
           <c:max val="25"/>
@@ -3953,13 +3953,13 @@
         <c:majorTickMark val="out"/>
         <c:minorTickMark val="none"/>
         <c:tickLblPos val="nextTo"/>
-        <c:crossAx val="31196672"/>
+        <c:crossAx val="31216384"/>
         <c:crosses val="autoZero"/>
         <c:crossBetween val="midCat"/>
         <c:majorUnit val="1"/>
       </c:valAx>
       <c:valAx>
-        <c:axId val="31196672"/>
+        <c:axId val="31216384"/>
         <c:scaling>
           <c:orientation val="minMax"/>
           <c:max val="60"/>
@@ -3991,7 +3991,7 @@
         <c:majorTickMark val="out"/>
         <c:minorTickMark val="none"/>
         <c:tickLblPos val="nextTo"/>
-        <c:crossAx val="70487424"/>
+        <c:crossAx val="31214208"/>
         <c:crosses val="autoZero"/>
         <c:crossBetween val="midCat"/>
         <c:majorUnit val="5"/>
@@ -4570,11 +4570,11 @@
           <c:showPercent val="0"/>
           <c:showBubbleSize val="0"/>
         </c:dLbls>
-        <c:axId val="31303552"/>
-        <c:axId val="31305728"/>
+        <c:axId val="31326208"/>
+        <c:axId val="31328128"/>
       </c:scatterChart>
       <c:valAx>
-        <c:axId val="31303552"/>
+        <c:axId val="31326208"/>
         <c:scaling>
           <c:orientation val="minMax"/>
           <c:max val="25"/>
@@ -4610,13 +4610,13 @@
         <c:majorTickMark val="out"/>
         <c:minorTickMark val="none"/>
         <c:tickLblPos val="nextTo"/>
-        <c:crossAx val="31305728"/>
+        <c:crossAx val="31328128"/>
         <c:crosses val="autoZero"/>
         <c:crossBetween val="midCat"/>
         <c:majorUnit val="1"/>
       </c:valAx>
       <c:valAx>
-        <c:axId val="31305728"/>
+        <c:axId val="31328128"/>
         <c:scaling>
           <c:orientation val="minMax"/>
         </c:scaling>
@@ -4646,7 +4646,7 @@
         <c:majorTickMark val="out"/>
         <c:minorTickMark val="none"/>
         <c:tickLblPos val="nextTo"/>
-        <c:crossAx val="31303552"/>
+        <c:crossAx val="31326208"/>
         <c:crosses val="autoZero"/>
         <c:crossBetween val="midCat"/>
         <c:majorUnit val="5"/>
@@ -5355,11 +5355,11 @@
           <c:showPercent val="0"/>
           <c:showBubbleSize val="0"/>
         </c:dLbls>
-        <c:axId val="31993856"/>
-        <c:axId val="31995776"/>
+        <c:axId val="31762304"/>
+        <c:axId val="31768576"/>
       </c:scatterChart>
       <c:valAx>
-        <c:axId val="31993856"/>
+        <c:axId val="31762304"/>
         <c:scaling>
           <c:orientation val="minMax"/>
           <c:max val="25"/>
@@ -5395,13 +5395,13 @@
         <c:majorTickMark val="out"/>
         <c:minorTickMark val="none"/>
         <c:tickLblPos val="nextTo"/>
-        <c:crossAx val="31995776"/>
+        <c:crossAx val="31768576"/>
         <c:crosses val="autoZero"/>
         <c:crossBetween val="midCat"/>
         <c:majorUnit val="1"/>
       </c:valAx>
       <c:valAx>
-        <c:axId val="31995776"/>
+        <c:axId val="31768576"/>
         <c:scaling>
           <c:orientation val="minMax"/>
         </c:scaling>
@@ -5431,7 +5431,7 @@
         <c:majorTickMark val="out"/>
         <c:minorTickMark val="none"/>
         <c:tickLblPos val="nextTo"/>
-        <c:crossAx val="31993856"/>
+        <c:crossAx val="31762304"/>
         <c:crosses val="autoZero"/>
         <c:crossBetween val="midCat"/>
         <c:majorUnit val="8"/>
@@ -6010,11 +6010,11 @@
           <c:showPercent val="0"/>
           <c:showBubbleSize val="0"/>
         </c:dLbls>
-        <c:axId val="32121984"/>
-        <c:axId val="32123904"/>
+        <c:axId val="31591424"/>
+        <c:axId val="31593600"/>
       </c:scatterChart>
       <c:valAx>
-        <c:axId val="32121984"/>
+        <c:axId val="31591424"/>
         <c:scaling>
           <c:orientation val="minMax"/>
           <c:max val="25"/>
@@ -6050,13 +6050,13 @@
         <c:majorTickMark val="out"/>
         <c:minorTickMark val="none"/>
         <c:tickLblPos val="nextTo"/>
-        <c:crossAx val="32123904"/>
+        <c:crossAx val="31593600"/>
         <c:crosses val="autoZero"/>
         <c:crossBetween val="midCat"/>
         <c:majorUnit val="1"/>
       </c:valAx>
       <c:valAx>
-        <c:axId val="32123904"/>
+        <c:axId val="31593600"/>
         <c:scaling>
           <c:orientation val="minMax"/>
           <c:max val="110"/>
@@ -6088,7 +6088,7 @@
         <c:majorTickMark val="out"/>
         <c:minorTickMark val="none"/>
         <c:tickLblPos val="nextTo"/>
-        <c:crossAx val="32121984"/>
+        <c:crossAx val="31591424"/>
         <c:crosses val="autoZero"/>
         <c:crossBetween val="midCat"/>
         <c:majorUnit val="5"/>
@@ -6667,11 +6667,11 @@
           <c:showPercent val="0"/>
           <c:showBubbleSize val="0"/>
         </c:dLbls>
-        <c:axId val="32344320"/>
-        <c:axId val="32350592"/>
+        <c:axId val="31936896"/>
+        <c:axId val="31938816"/>
       </c:scatterChart>
       <c:valAx>
-        <c:axId val="32344320"/>
+        <c:axId val="31936896"/>
         <c:scaling>
           <c:orientation val="minMax"/>
           <c:max val="25"/>
@@ -6707,13 +6707,13 @@
         <c:majorTickMark val="out"/>
         <c:minorTickMark val="none"/>
         <c:tickLblPos val="nextTo"/>
-        <c:crossAx val="32350592"/>
+        <c:crossAx val="31938816"/>
         <c:crosses val="autoZero"/>
         <c:crossBetween val="midCat"/>
         <c:majorUnit val="1"/>
       </c:valAx>
       <c:valAx>
-        <c:axId val="32350592"/>
+        <c:axId val="31938816"/>
         <c:scaling>
           <c:orientation val="minMax"/>
           <c:max val="60"/>
@@ -6745,7 +6745,7 @@
         <c:majorTickMark val="out"/>
         <c:minorTickMark val="none"/>
         <c:tickLblPos val="nextTo"/>
-        <c:crossAx val="32344320"/>
+        <c:crossAx val="31936896"/>
         <c:crosses val="autoZero"/>
         <c:crossBetween val="midCat"/>
         <c:majorUnit val="2"/>
@@ -7974,11 +7974,11 @@
           <c:showPercent val="0"/>
           <c:showBubbleSize val="0"/>
         </c:dLbls>
-        <c:axId val="32272384"/>
-        <c:axId val="32274304"/>
+        <c:axId val="31667712"/>
+        <c:axId val="31669632"/>
       </c:scatterChart>
       <c:valAx>
-        <c:axId val="32272384"/>
+        <c:axId val="31667712"/>
         <c:scaling>
           <c:orientation val="minMax"/>
           <c:max val="25"/>
@@ -8009,13 +8009,13 @@
         <c:majorTickMark val="out"/>
         <c:minorTickMark val="none"/>
         <c:tickLblPos val="nextTo"/>
-        <c:crossAx val="32274304"/>
+        <c:crossAx val="31669632"/>
         <c:crosses val="autoZero"/>
         <c:crossBetween val="midCat"/>
         <c:majorUnit val="1"/>
       </c:valAx>
       <c:valAx>
-        <c:axId val="32274304"/>
+        <c:axId val="31669632"/>
         <c:scaling>
           <c:orientation val="minMax"/>
           <c:max val="300"/>
@@ -8052,7 +8052,7 @@
         <c:majorTickMark val="out"/>
         <c:minorTickMark val="none"/>
         <c:tickLblPos val="nextTo"/>
-        <c:crossAx val="32272384"/>
+        <c:crossAx val="31667712"/>
         <c:crosses val="autoZero"/>
         <c:crossBetween val="midCat"/>
         <c:majorUnit val="20"/>
@@ -8631,11 +8631,11 @@
           <c:showPercent val="0"/>
           <c:showBubbleSize val="0"/>
         </c:dLbls>
-        <c:axId val="35344768"/>
-        <c:axId val="35352576"/>
+        <c:axId val="32129408"/>
+        <c:axId val="32131328"/>
       </c:scatterChart>
       <c:valAx>
-        <c:axId val="35344768"/>
+        <c:axId val="32129408"/>
         <c:scaling>
           <c:orientation val="minMax"/>
           <c:max val="25"/>
@@ -8671,13 +8671,13 @@
         <c:majorTickMark val="out"/>
         <c:minorTickMark val="none"/>
         <c:tickLblPos val="nextTo"/>
-        <c:crossAx val="35352576"/>
+        <c:crossAx val="32131328"/>
         <c:crosses val="autoZero"/>
         <c:crossBetween val="midCat"/>
         <c:majorUnit val="1"/>
       </c:valAx>
       <c:valAx>
-        <c:axId val="35352576"/>
+        <c:axId val="32131328"/>
         <c:scaling>
           <c:orientation val="minMax"/>
         </c:scaling>
@@ -8707,7 +8707,7 @@
         <c:majorTickMark val="out"/>
         <c:minorTickMark val="none"/>
         <c:tickLblPos val="nextTo"/>
-        <c:crossAx val="35344768"/>
+        <c:crossAx val="32129408"/>
         <c:crosses val="autoZero"/>
         <c:crossBetween val="midCat"/>
         <c:majorUnit val="5"/>
@@ -9146,11 +9146,11 @@
           <c:showPercent val="0"/>
           <c:showBubbleSize val="0"/>
         </c:dLbls>
-        <c:axId val="35559680"/>
-        <c:axId val="35742080"/>
+        <c:axId val="32203520"/>
+        <c:axId val="32205440"/>
       </c:scatterChart>
       <c:valAx>
-        <c:axId val="35559680"/>
+        <c:axId val="32203520"/>
         <c:scaling>
           <c:orientation val="minMax"/>
           <c:max val="25"/>
@@ -9186,13 +9186,13 @@
         <c:majorTickMark val="out"/>
         <c:minorTickMark val="none"/>
         <c:tickLblPos val="nextTo"/>
-        <c:crossAx val="35742080"/>
+        <c:crossAx val="32205440"/>
         <c:crosses val="autoZero"/>
         <c:crossBetween val="midCat"/>
         <c:majorUnit val="1"/>
       </c:valAx>
       <c:valAx>
-        <c:axId val="35742080"/>
+        <c:axId val="32205440"/>
         <c:scaling>
           <c:orientation val="minMax"/>
           <c:max val="38"/>
@@ -9224,7 +9224,7 @@
         <c:majorTickMark val="out"/>
         <c:minorTickMark val="none"/>
         <c:tickLblPos val="nextTo"/>
-        <c:crossAx val="35559680"/>
+        <c:crossAx val="32203520"/>
         <c:crosses val="autoZero"/>
         <c:crossBetween val="midCat"/>
         <c:majorUnit val="2"/>
@@ -9327,7 +9327,7 @@
           <a:p>
             <a:fld id="{650EE469-00BA-4983-99E8-49201A9B3F3C}" type="datetimeFigureOut">
               <a:rPr lang="en-US" smtClean="0"/>
-              <a:t>1/5/2015</a:t>
+              <a:t>1/6/2015</a:t>
             </a:fld>
             <a:endParaRPr lang="en-US"/>
           </a:p>
@@ -9776,7 +9776,7 @@
           <a:p>
             <a:fld id="{F4E600E6-F117-458E-B0EB-98CE30D69A68}" type="datetimeFigureOut">
               <a:rPr lang="en-US" smtClean="0"/>
-              <a:t>1/5/2015</a:t>
+              <a:t>1/6/2015</a:t>
             </a:fld>
             <a:endParaRPr lang="en-US"/>
           </a:p>
@@ -9946,7 +9946,7 @@
           <a:p>
             <a:fld id="{F4E600E6-F117-458E-B0EB-98CE30D69A68}" type="datetimeFigureOut">
               <a:rPr lang="en-US" smtClean="0"/>
-              <a:t>1/5/2015</a:t>
+              <a:t>1/6/2015</a:t>
             </a:fld>
             <a:endParaRPr lang="en-US"/>
           </a:p>
@@ -10126,7 +10126,7 @@
           <a:p>
             <a:fld id="{F4E600E6-F117-458E-B0EB-98CE30D69A68}" type="datetimeFigureOut">
               <a:rPr lang="en-US" smtClean="0"/>
-              <a:t>1/5/2015</a:t>
+              <a:t>1/6/2015</a:t>
             </a:fld>
             <a:endParaRPr lang="en-US"/>
           </a:p>
@@ -10296,7 +10296,7 @@
           <a:p>
             <a:fld id="{F4E600E6-F117-458E-B0EB-98CE30D69A68}" type="datetimeFigureOut">
               <a:rPr lang="en-US" smtClean="0"/>
-              <a:t>1/5/2015</a:t>
+              <a:t>1/6/2015</a:t>
             </a:fld>
             <a:endParaRPr lang="en-US"/>
           </a:p>
@@ -10542,7 +10542,7 @@
           <a:p>
             <a:fld id="{F4E600E6-F117-458E-B0EB-98CE30D69A68}" type="datetimeFigureOut">
               <a:rPr lang="en-US" smtClean="0"/>
-              <a:t>1/5/2015</a:t>
+              <a:t>1/6/2015</a:t>
             </a:fld>
             <a:endParaRPr lang="en-US"/>
           </a:p>
@@ -10830,7 +10830,7 @@
           <a:p>
             <a:fld id="{F4E600E6-F117-458E-B0EB-98CE30D69A68}" type="datetimeFigureOut">
               <a:rPr lang="en-US" smtClean="0"/>
-              <a:t>1/5/2015</a:t>
+              <a:t>1/6/2015</a:t>
             </a:fld>
             <a:endParaRPr lang="en-US"/>
           </a:p>
@@ -11252,7 +11252,7 @@
           <a:p>
             <a:fld id="{F4E600E6-F117-458E-B0EB-98CE30D69A68}" type="datetimeFigureOut">
               <a:rPr lang="en-US" smtClean="0"/>
-              <a:t>1/5/2015</a:t>
+              <a:t>1/6/2015</a:t>
             </a:fld>
             <a:endParaRPr lang="en-US"/>
           </a:p>
@@ -11370,7 +11370,7 @@
           <a:p>
             <a:fld id="{F4E600E6-F117-458E-B0EB-98CE30D69A68}" type="datetimeFigureOut">
               <a:rPr lang="en-US" smtClean="0"/>
-              <a:t>1/5/2015</a:t>
+              <a:t>1/6/2015</a:t>
             </a:fld>
             <a:endParaRPr lang="en-US"/>
           </a:p>
@@ -11465,7 +11465,7 @@
           <a:p>
             <a:fld id="{F4E600E6-F117-458E-B0EB-98CE30D69A68}" type="datetimeFigureOut">
               <a:rPr lang="en-US" smtClean="0"/>
-              <a:t>1/5/2015</a:t>
+              <a:t>1/6/2015</a:t>
             </a:fld>
             <a:endParaRPr lang="en-US"/>
           </a:p>
@@ -11742,7 +11742,7 @@
           <a:p>
             <a:fld id="{F4E600E6-F117-458E-B0EB-98CE30D69A68}" type="datetimeFigureOut">
               <a:rPr lang="en-US" smtClean="0"/>
-              <a:t>1/5/2015</a:t>
+              <a:t>1/6/2015</a:t>
             </a:fld>
             <a:endParaRPr lang="en-US"/>
           </a:p>
@@ -11995,7 +11995,7 @@
           <a:p>
             <a:fld id="{F4E600E6-F117-458E-B0EB-98CE30D69A68}" type="datetimeFigureOut">
               <a:rPr lang="en-US" smtClean="0"/>
-              <a:t>1/5/2015</a:t>
+              <a:t>1/6/2015</a:t>
             </a:fld>
             <a:endParaRPr lang="en-US"/>
           </a:p>
@@ -12208,7 +12208,7 @@
           <a:p>
             <a:fld id="{F4E600E6-F117-458E-B0EB-98CE30D69A68}" type="datetimeFigureOut">
               <a:rPr lang="en-US" smtClean="0"/>
-              <a:t>1/5/2015</a:t>
+              <a:t>1/6/2015</a:t>
             </a:fld>
             <a:endParaRPr lang="en-US"/>
           </a:p>
@@ -13332,11 +13332,7 @@
           <a:p>
             <a:r>
               <a:rPr lang="en-US" dirty="0" smtClean="0"/>
-              <a:t>Thrust </a:t>
-            </a:r>
-            <a:r>
-              <a:rPr lang="en-US" dirty="0" smtClean="0"/>
-              <a:t>CUDA</a:t>
+              <a:t>Thrust CUDA</a:t>
             </a:r>
             <a:endParaRPr lang="en-US" dirty="0"/>
           </a:p>
@@ -13692,11 +13688,7 @@
           <a:p>
             <a:r>
               <a:rPr lang="en-US" dirty="0" smtClean="0"/>
-              <a:t>Thrust </a:t>
-            </a:r>
-            <a:r>
-              <a:rPr lang="en-US" dirty="0" smtClean="0"/>
-              <a:t>VS VexCL CUDA</a:t>
+              <a:t>Thrust VS VexCL CUDA</a:t>
             </a:r>
             <a:endParaRPr lang="en-US" dirty="0"/>
           </a:p>
@@ -14492,11 +14484,7 @@
             </a:r>
             <a:r>
               <a:rPr lang="en-US" dirty="0" smtClean="0"/>
-              <a:t> </a:t>
-            </a:r>
-            <a:r>
-              <a:rPr lang="en-US" dirty="0" smtClean="0"/>
-              <a:t>Host to Device</a:t>
+              <a:t> Host to Device</a:t>
             </a:r>
             <a:endParaRPr lang="en-US" dirty="0"/>
           </a:p>
